--- a/kyochon.pptx
+++ b/kyochon.pptx
@@ -5,19 +5,21 @@
     <p:sldMasterId id="2147483648" r:id="rId1"/>
   </p:sldMasterIdLst>
   <p:notesMasterIdLst>
-    <p:notesMasterId r:id="rId12"/>
+    <p:notesMasterId r:id="rId14"/>
   </p:notesMasterIdLst>
   <p:sldIdLst>
     <p:sldId id="256" r:id="rId2"/>
-    <p:sldId id="257" r:id="rId3"/>
-    <p:sldId id="258" r:id="rId4"/>
-    <p:sldId id="260" r:id="rId5"/>
-    <p:sldId id="265" r:id="rId6"/>
-    <p:sldId id="266" r:id="rId7"/>
-    <p:sldId id="267" r:id="rId8"/>
-    <p:sldId id="269" r:id="rId9"/>
-    <p:sldId id="268" r:id="rId10"/>
-    <p:sldId id="262" r:id="rId11"/>
+    <p:sldId id="260" r:id="rId3"/>
+    <p:sldId id="265" r:id="rId4"/>
+    <p:sldId id="266" r:id="rId5"/>
+    <p:sldId id="267" r:id="rId6"/>
+    <p:sldId id="269" r:id="rId7"/>
+    <p:sldId id="268" r:id="rId8"/>
+    <p:sldId id="271" r:id="rId9"/>
+    <p:sldId id="274" r:id="rId10"/>
+    <p:sldId id="270" r:id="rId11"/>
+    <p:sldId id="272" r:id="rId12"/>
+    <p:sldId id="275" r:id="rId13"/>
   </p:sldIdLst>
   <p:sldSz cx="12192000" cy="6858000"/>
   <p:notesSz cx="6858000" cy="9144000"/>
@@ -116,6 +118,14 @@
       </a:defRPr>
     </a:lvl9pPr>
   </p:defaultTextStyle>
+  <p:extLst>
+    <p:ext uri="{EFAFB233-063F-42B5-8137-9DF3F51BA10A}">
+      <p15:sldGuideLst xmlns:p15="http://schemas.microsoft.com/office/powerpoint/2012/main"/>
+    </p:ext>
+    <p:ext uri="{2D200454-40CA-4A62-9FC3-DE9A4176ACB9}">
+      <p15:notesGuideLst xmlns:p15="http://schemas.microsoft.com/office/powerpoint/2012/main"/>
+    </p:ext>
+  </p:extLst>
 </p:presentation>
 </file>
 
@@ -3500,9 +3510,79 @@
           <a:chExt cx="0" cy="0"/>
         </a:xfrm>
       </p:grpSpPr>
+      <p:sp>
+        <p:nvSpPr>
+          <p:cNvPr id="5" name="TextBox 4"/>
+          <p:cNvSpPr txBox="1"/>
+          <p:nvPr/>
+        </p:nvSpPr>
+        <p:spPr>
+          <a:xfrm>
+            <a:off x="10232967" y="706583"/>
+            <a:ext cx="1723549" cy="1015663"/>
+          </a:xfrm>
+          <a:prstGeom prst="rect">
+            <a:avLst/>
+          </a:prstGeom>
+          <a:noFill/>
+        </p:spPr>
+        <p:txBody>
+          <a:bodyPr wrap="none" rtlCol="0">
+            <a:spAutoFit/>
+          </a:bodyPr>
+          <a:lstStyle/>
+          <a:p>
+            <a:r>
+              <a:rPr lang="ko-KR" altLang="en-US" sz="6000" b="1" dirty="0" smtClean="0">
+                <a:solidFill>
+                  <a:schemeClr val="bg1"/>
+                </a:solidFill>
+              </a:rPr>
+              <a:t>화면</a:t>
+            </a:r>
+            <a:endParaRPr lang="ko-KR" altLang="en-US" sz="6000" b="1" dirty="0">
+              <a:solidFill>
+                <a:schemeClr val="bg1"/>
+              </a:solidFill>
+            </a:endParaRPr>
+          </a:p>
+        </p:txBody>
+      </p:sp>
+      <p:sp>
+        <p:nvSpPr>
+          <p:cNvPr id="13" name="TextBox 12"/>
+          <p:cNvSpPr txBox="1"/>
+          <p:nvPr/>
+        </p:nvSpPr>
+        <p:spPr>
+          <a:xfrm>
+            <a:off x="332509" y="1029748"/>
+            <a:ext cx="3472617" cy="369332"/>
+          </a:xfrm>
+          <a:prstGeom prst="rect">
+            <a:avLst/>
+          </a:prstGeom>
+          <a:solidFill>
+            <a:schemeClr val="bg1"/>
+          </a:solidFill>
+        </p:spPr>
+        <p:txBody>
+          <a:bodyPr wrap="none" rtlCol="0">
+            <a:spAutoFit/>
+          </a:bodyPr>
+          <a:lstStyle/>
+          <a:p>
+            <a:r>
+              <a:rPr lang="en-US" altLang="ko-KR" dirty="0" smtClean="0"/>
+              <a:t>https://kyochonpwa.netlify.app</a:t>
+            </a:r>
+            <a:endParaRPr lang="ko-KR" altLang="en-US" dirty="0"/>
+          </a:p>
+        </p:txBody>
+      </p:sp>
       <p:pic>
         <p:nvPicPr>
-          <p:cNvPr id="2" name="그림 1"/>
+          <p:cNvPr id="3" name="그림 2"/>
           <p:cNvPicPr>
             <a:picLocks noChangeAspect="1"/>
           </p:cNvPicPr>
@@ -3522,35 +3602,33 @@
         </p:blipFill>
         <p:spPr>
           <a:xfrm>
-            <a:off x="2789053" y="2242490"/>
-            <a:ext cx="2181957" cy="4416003"/>
-          </a:xfrm>
-          <a:prstGeom prst="rect">
-            <a:avLst/>
-          </a:prstGeom>
-          <a:ln>
-            <a:solidFill>
-              <a:schemeClr val="tx1"/>
-            </a:solidFill>
+            <a:off x="4771505" y="823834"/>
+            <a:ext cx="3581900" cy="781159"/>
+          </a:xfrm>
+          <a:prstGeom prst="rect">
+            <a:avLst/>
+          </a:prstGeom>
+          <a:ln w="76200">
+            <a:noFill/>
           </a:ln>
         </p:spPr>
       </p:pic>
       <p:sp>
         <p:nvSpPr>
-          <p:cNvPr id="3" name="직사각형 2"/>
+          <p:cNvPr id="4" name="직사각형 3"/>
           <p:cNvSpPr/>
           <p:nvPr/>
         </p:nvSpPr>
         <p:spPr>
           <a:xfrm>
-            <a:off x="2789053" y="2242490"/>
-            <a:ext cx="2181957" cy="309517"/>
+            <a:off x="6562455" y="806178"/>
+            <a:ext cx="906088" cy="781159"/>
           </a:xfrm>
           <a:prstGeom prst="rect">
             <a:avLst/>
           </a:prstGeom>
           <a:noFill/>
-          <a:ln w="38100">
+          <a:ln w="76200">
             <a:solidFill>
               <a:srgbClr val="FF0000"/>
             </a:solidFill>
@@ -3583,7 +3661,7 @@
       </p:sp>
       <p:pic>
         <p:nvPicPr>
-          <p:cNvPr id="4" name="그림 3"/>
+          <p:cNvPr id="9" name="그림 8"/>
           <p:cNvPicPr>
             <a:picLocks noChangeAspect="1"/>
           </p:cNvPicPr>
@@ -3603,8 +3681,38 @@
         </p:blipFill>
         <p:spPr>
           <a:xfrm>
-            <a:off x="6507724" y="2242490"/>
-            <a:ext cx="2167541" cy="4416003"/>
+            <a:off x="7911034" y="2580409"/>
+            <a:ext cx="3328465" cy="3296110"/>
+          </a:xfrm>
+          <a:prstGeom prst="rect">
+            <a:avLst/>
+          </a:prstGeom>
+        </p:spPr>
+      </p:pic>
+      <p:pic>
+        <p:nvPicPr>
+          <p:cNvPr id="16" name="그림 15"/>
+          <p:cNvPicPr>
+            <a:picLocks noChangeAspect="1"/>
+          </p:cNvPicPr>
+          <p:nvPr/>
+        </p:nvPicPr>
+        <p:blipFill>
+          <a:blip r:embed="rId4">
+            <a:extLst>
+              <a:ext uri="{28A0092B-C50C-407E-A947-70E740481C1C}">
+                <a14:useLocalDpi xmlns:a14="http://schemas.microsoft.com/office/drawing/2010/main" val="0"/>
+              </a:ext>
+            </a:extLst>
+          </a:blip>
+          <a:stretch>
+            <a:fillRect/>
+          </a:stretch>
+        </p:blipFill>
+        <p:spPr>
+          <a:xfrm>
+            <a:off x="642213" y="2044930"/>
+            <a:ext cx="2134614" cy="4320052"/>
           </a:xfrm>
           <a:prstGeom prst="rect">
             <a:avLst/>
@@ -3616,20 +3724,56 @@
           </a:ln>
         </p:spPr>
       </p:pic>
-      <p:cxnSp>
-        <p:nvCxnSpPr>
-          <p:cNvPr id="8" name="직선 연결선 7"/>
-          <p:cNvCxnSpPr/>
-          <p:nvPr/>
-        </p:nvCxnSpPr>
-        <p:spPr>
-          <a:xfrm flipV="1">
-            <a:off x="2951018" y="1995055"/>
-            <a:ext cx="0" cy="247435"/>
-          </a:xfrm>
-          <a:prstGeom prst="line">
-            <a:avLst/>
-          </a:prstGeom>
+      <p:pic>
+        <p:nvPicPr>
+          <p:cNvPr id="17" name="그림 16"/>
+          <p:cNvPicPr>
+            <a:picLocks noChangeAspect="1"/>
+          </p:cNvPicPr>
+          <p:nvPr/>
+        </p:nvPicPr>
+        <p:blipFill>
+          <a:blip r:embed="rId5">
+            <a:extLst>
+              <a:ext uri="{28A0092B-C50C-407E-A947-70E740481C1C}">
+                <a14:useLocalDpi xmlns:a14="http://schemas.microsoft.com/office/drawing/2010/main" val="0"/>
+              </a:ext>
+            </a:extLst>
+          </a:blip>
+          <a:stretch>
+            <a:fillRect/>
+          </a:stretch>
+        </p:blipFill>
+        <p:spPr>
+          <a:xfrm>
+            <a:off x="3024365" y="2044930"/>
+            <a:ext cx="2098311" cy="4320052"/>
+          </a:xfrm>
+          <a:prstGeom prst="rect">
+            <a:avLst/>
+          </a:prstGeom>
+          <a:ln>
+            <a:solidFill>
+              <a:schemeClr val="tx1"/>
+            </a:solidFill>
+          </a:ln>
+        </p:spPr>
+      </p:pic>
+      <p:sp>
+        <p:nvSpPr>
+          <p:cNvPr id="18" name="직사각형 17"/>
+          <p:cNvSpPr/>
+          <p:nvPr/>
+        </p:nvSpPr>
+        <p:spPr>
+          <a:xfrm>
+            <a:off x="642213" y="2286000"/>
+            <a:ext cx="2144487" cy="315884"/>
+          </a:xfrm>
+          <a:prstGeom prst="rect">
+            <a:avLst/>
+          </a:prstGeom>
+          <a:noFill/>
           <a:ln w="38100">
             <a:solidFill>
               <a:srgbClr val="FF0000"/>
@@ -3637,34 +3781,45 @@
           </a:ln>
         </p:spPr>
         <p:style>
-          <a:lnRef idx="1">
-            <a:schemeClr val="accent1"/>
+          <a:lnRef idx="2">
+            <a:schemeClr val="accent1">
+              <a:shade val="50000"/>
+            </a:schemeClr>
           </a:lnRef>
-          <a:fillRef idx="0">
+          <a:fillRef idx="1">
             <a:schemeClr val="accent1"/>
           </a:fillRef>
           <a:effectRef idx="0">
             <a:schemeClr val="accent1"/>
           </a:effectRef>
           <a:fontRef idx="minor">
-            <a:schemeClr val="tx1"/>
+            <a:schemeClr val="lt1"/>
           </a:fontRef>
         </p:style>
-      </p:cxnSp>
-      <p:cxnSp>
-        <p:nvCxnSpPr>
-          <p:cNvPr id="10" name="직선 연결선 9"/>
-          <p:cNvCxnSpPr/>
-          <p:nvPr/>
-        </p:nvCxnSpPr>
-        <p:spPr>
-          <a:xfrm>
-            <a:off x="2933700" y="1995055"/>
-            <a:ext cx="4602956" cy="0"/>
-          </a:xfrm>
-          <a:prstGeom prst="line">
-            <a:avLst/>
-          </a:prstGeom>
+        <p:txBody>
+          <a:bodyPr rtlCol="0" anchor="ctr"/>
+          <a:lstStyle/>
+          <a:p>
+            <a:pPr algn="ctr"/>
+            <a:endParaRPr lang="ko-KR" altLang="en-US"/>
+          </a:p>
+        </p:txBody>
+      </p:sp>
+      <p:sp>
+        <p:nvSpPr>
+          <p:cNvPr id="19" name="직사각형 18"/>
+          <p:cNvSpPr/>
+          <p:nvPr/>
+        </p:nvSpPr>
+        <p:spPr>
+          <a:xfrm>
+            <a:off x="642213" y="2044930"/>
+            <a:ext cx="267914" cy="241070"/>
+          </a:xfrm>
+          <a:prstGeom prst="rect">
+            <a:avLst/>
+          </a:prstGeom>
+          <a:noFill/>
           <a:ln w="38100">
             <a:solidFill>
               <a:srgbClr val="FF0000"/>
@@ -3672,60 +3827,671 @@
           </a:ln>
         </p:spPr>
         <p:style>
-          <a:lnRef idx="1">
-            <a:schemeClr val="accent1"/>
+          <a:lnRef idx="2">
+            <a:schemeClr val="accent1">
+              <a:shade val="50000"/>
+            </a:schemeClr>
           </a:lnRef>
-          <a:fillRef idx="0">
+          <a:fillRef idx="1">
             <a:schemeClr val="accent1"/>
           </a:fillRef>
           <a:effectRef idx="0">
             <a:schemeClr val="accent1"/>
           </a:effectRef>
           <a:fontRef idx="minor">
-            <a:schemeClr val="tx1"/>
+            <a:schemeClr val="lt1"/>
           </a:fontRef>
         </p:style>
-      </p:cxnSp>
-      <p:cxnSp>
-        <p:nvCxnSpPr>
-          <p:cNvPr id="12" name="직선 화살표 연결선 11"/>
-          <p:cNvCxnSpPr/>
-          <p:nvPr/>
-        </p:nvCxnSpPr>
-        <p:spPr>
-          <a:xfrm>
-            <a:off x="7514705" y="1995055"/>
-            <a:ext cx="0" cy="247435"/>
-          </a:xfrm>
-          <a:prstGeom prst="straightConnector1">
-            <a:avLst/>
-          </a:prstGeom>
+        <p:txBody>
+          <a:bodyPr rtlCol="0" anchor="ctr"/>
+          <a:lstStyle/>
+          <a:p>
+            <a:pPr algn="ctr"/>
+            <a:endParaRPr lang="ko-KR" altLang="en-US"/>
+          </a:p>
+        </p:txBody>
+      </p:sp>
+      <p:sp>
+        <p:nvSpPr>
+          <p:cNvPr id="20" name="직사각형 19"/>
+          <p:cNvSpPr/>
+          <p:nvPr/>
+        </p:nvSpPr>
+        <p:spPr>
+          <a:xfrm>
+            <a:off x="3024365" y="2286000"/>
+            <a:ext cx="2098311" cy="315884"/>
+          </a:xfrm>
+          <a:prstGeom prst="rect">
+            <a:avLst/>
+          </a:prstGeom>
+          <a:noFill/>
           <a:ln w="38100">
             <a:solidFill>
               <a:srgbClr val="FF0000"/>
             </a:solidFill>
-            <a:tailEnd type="triangle"/>
           </a:ln>
         </p:spPr>
         <p:style>
-          <a:lnRef idx="1">
-            <a:schemeClr val="accent1"/>
+          <a:lnRef idx="2">
+            <a:schemeClr val="accent1">
+              <a:shade val="50000"/>
+            </a:schemeClr>
           </a:lnRef>
-          <a:fillRef idx="0">
+          <a:fillRef idx="1">
             <a:schemeClr val="accent1"/>
           </a:fillRef>
           <a:effectRef idx="0">
             <a:schemeClr val="accent1"/>
           </a:effectRef>
           <a:fontRef idx="minor">
-            <a:schemeClr val="tx1"/>
+            <a:schemeClr val="lt1"/>
           </a:fontRef>
         </p:style>
-      </p:cxnSp>
+        <p:txBody>
+          <a:bodyPr rtlCol="0" anchor="ctr"/>
+          <a:lstStyle/>
+          <a:p>
+            <a:pPr algn="ctr"/>
+            <a:endParaRPr lang="ko-KR" altLang="en-US"/>
+          </a:p>
+        </p:txBody>
+      </p:sp>
+      <p:sp>
+        <p:nvSpPr>
+          <p:cNvPr id="21" name="직사각형 20"/>
+          <p:cNvSpPr/>
+          <p:nvPr/>
+        </p:nvSpPr>
+        <p:spPr>
+          <a:xfrm>
+            <a:off x="3024365" y="2044930"/>
+            <a:ext cx="267914" cy="241070"/>
+          </a:xfrm>
+          <a:prstGeom prst="rect">
+            <a:avLst/>
+          </a:prstGeom>
+          <a:noFill/>
+          <a:ln w="38100">
+            <a:solidFill>
+              <a:srgbClr val="FF0000"/>
+            </a:solidFill>
+          </a:ln>
+        </p:spPr>
+        <p:style>
+          <a:lnRef idx="2">
+            <a:schemeClr val="accent1">
+              <a:shade val="50000"/>
+            </a:schemeClr>
+          </a:lnRef>
+          <a:fillRef idx="1">
+            <a:schemeClr val="accent1"/>
+          </a:fillRef>
+          <a:effectRef idx="0">
+            <a:schemeClr val="accent1"/>
+          </a:effectRef>
+          <a:fontRef idx="minor">
+            <a:schemeClr val="lt1"/>
+          </a:fontRef>
+        </p:style>
+        <p:txBody>
+          <a:bodyPr rtlCol="0" anchor="ctr"/>
+          <a:lstStyle/>
+          <a:p>
+            <a:pPr algn="ctr"/>
+            <a:endParaRPr lang="ko-KR" altLang="en-US"/>
+          </a:p>
+        </p:txBody>
+      </p:sp>
     </p:spTree>
     <p:extLst>
       <p:ext uri="{BB962C8B-B14F-4D97-AF65-F5344CB8AC3E}">
-        <p14:creationId xmlns:p14="http://schemas.microsoft.com/office/powerpoint/2010/main" val="1611531347"/>
+        <p14:creationId xmlns:p14="http://schemas.microsoft.com/office/powerpoint/2010/main" val="2136604123"/>
+      </p:ext>
+    </p:extLst>
+  </p:cSld>
+  <p:clrMapOvr>
+    <a:masterClrMapping/>
+  </p:clrMapOvr>
+  <p:timing>
+    <p:tnLst>
+      <p:par>
+        <p:cTn id="1" dur="indefinite" restart="never" nodeType="tmRoot"/>
+      </p:par>
+    </p:tnLst>
+  </p:timing>
+</p:sld>
+</file>
+
+<file path=ppt/slides/slide11.xml><?xml version="1.0" encoding="utf-8"?>
+<p:sld xmlns:a="http://schemas.openxmlformats.org/drawingml/2006/main" xmlns:r="http://schemas.openxmlformats.org/officeDocument/2006/relationships" xmlns:p="http://schemas.openxmlformats.org/presentationml/2006/main">
+  <p:cSld>
+    <p:spTree>
+      <p:nvGrpSpPr>
+        <p:cNvPr id="1" name=""/>
+        <p:cNvGrpSpPr/>
+        <p:nvPr/>
+      </p:nvGrpSpPr>
+      <p:grpSpPr>
+        <a:xfrm>
+          <a:off x="0" y="0"/>
+          <a:ext cx="0" cy="0"/>
+          <a:chOff x="0" y="0"/>
+          <a:chExt cx="0" cy="0"/>
+        </a:xfrm>
+      </p:grpSpPr>
+      <p:sp>
+        <p:nvSpPr>
+          <p:cNvPr id="5" name="TextBox 4"/>
+          <p:cNvSpPr txBox="1"/>
+          <p:nvPr/>
+        </p:nvSpPr>
+        <p:spPr>
+          <a:xfrm>
+            <a:off x="10232967" y="706583"/>
+            <a:ext cx="1723549" cy="1015663"/>
+          </a:xfrm>
+          <a:prstGeom prst="rect">
+            <a:avLst/>
+          </a:prstGeom>
+          <a:noFill/>
+        </p:spPr>
+        <p:txBody>
+          <a:bodyPr wrap="none" rtlCol="0">
+            <a:spAutoFit/>
+          </a:bodyPr>
+          <a:lstStyle/>
+          <a:p>
+            <a:r>
+              <a:rPr lang="ko-KR" altLang="en-US" sz="6000" b="1" dirty="0" smtClean="0">
+                <a:solidFill>
+                  <a:schemeClr val="bg1"/>
+                </a:solidFill>
+              </a:rPr>
+              <a:t>화면</a:t>
+            </a:r>
+            <a:endParaRPr lang="ko-KR" altLang="en-US" sz="6000" b="1" dirty="0">
+              <a:solidFill>
+                <a:schemeClr val="bg1"/>
+              </a:solidFill>
+            </a:endParaRPr>
+          </a:p>
+        </p:txBody>
+      </p:sp>
+      <p:sp>
+        <p:nvSpPr>
+          <p:cNvPr id="13" name="TextBox 12"/>
+          <p:cNvSpPr txBox="1"/>
+          <p:nvPr/>
+        </p:nvSpPr>
+        <p:spPr>
+          <a:xfrm>
+            <a:off x="332509" y="1029748"/>
+            <a:ext cx="3472617" cy="369332"/>
+          </a:xfrm>
+          <a:prstGeom prst="rect">
+            <a:avLst/>
+          </a:prstGeom>
+          <a:solidFill>
+            <a:schemeClr val="bg1"/>
+          </a:solidFill>
+        </p:spPr>
+        <p:txBody>
+          <a:bodyPr wrap="none" rtlCol="0">
+            <a:spAutoFit/>
+          </a:bodyPr>
+          <a:lstStyle/>
+          <a:p>
+            <a:r>
+              <a:rPr lang="en-US" altLang="ko-KR" dirty="0" smtClean="0"/>
+              <a:t>https://kyochonpwa.netlify.app</a:t>
+            </a:r>
+            <a:endParaRPr lang="ko-KR" altLang="en-US" dirty="0"/>
+          </a:p>
+        </p:txBody>
+      </p:sp>
+      <p:pic>
+        <p:nvPicPr>
+          <p:cNvPr id="3" name="그림 2"/>
+          <p:cNvPicPr>
+            <a:picLocks noChangeAspect="1"/>
+          </p:cNvPicPr>
+          <p:nvPr/>
+        </p:nvPicPr>
+        <p:blipFill>
+          <a:blip r:embed="rId2">
+            <a:extLst>
+              <a:ext uri="{28A0092B-C50C-407E-A947-70E740481C1C}">
+                <a14:useLocalDpi xmlns:a14="http://schemas.microsoft.com/office/drawing/2010/main" val="0"/>
+              </a:ext>
+            </a:extLst>
+          </a:blip>
+          <a:stretch>
+            <a:fillRect/>
+          </a:stretch>
+        </p:blipFill>
+        <p:spPr>
+          <a:xfrm>
+            <a:off x="4771505" y="823834"/>
+            <a:ext cx="3581900" cy="781159"/>
+          </a:xfrm>
+          <a:prstGeom prst="rect">
+            <a:avLst/>
+          </a:prstGeom>
+          <a:ln w="76200">
+            <a:noFill/>
+          </a:ln>
+        </p:spPr>
+      </p:pic>
+      <p:sp>
+        <p:nvSpPr>
+          <p:cNvPr id="4" name="직사각형 3"/>
+          <p:cNvSpPr/>
+          <p:nvPr/>
+        </p:nvSpPr>
+        <p:spPr>
+          <a:xfrm>
+            <a:off x="7447317" y="823834"/>
+            <a:ext cx="906088" cy="781159"/>
+          </a:xfrm>
+          <a:prstGeom prst="rect">
+            <a:avLst/>
+          </a:prstGeom>
+          <a:noFill/>
+          <a:ln w="76200">
+            <a:solidFill>
+              <a:srgbClr val="FF0000"/>
+            </a:solidFill>
+          </a:ln>
+        </p:spPr>
+        <p:style>
+          <a:lnRef idx="2">
+            <a:schemeClr val="accent1">
+              <a:shade val="50000"/>
+            </a:schemeClr>
+          </a:lnRef>
+          <a:fillRef idx="1">
+            <a:schemeClr val="accent1"/>
+          </a:fillRef>
+          <a:effectRef idx="0">
+            <a:schemeClr val="accent1"/>
+          </a:effectRef>
+          <a:fontRef idx="minor">
+            <a:schemeClr val="lt1"/>
+          </a:fontRef>
+        </p:style>
+        <p:txBody>
+          <a:bodyPr rtlCol="0" anchor="ctr"/>
+          <a:lstStyle/>
+          <a:p>
+            <a:pPr algn="ctr"/>
+            <a:endParaRPr lang="ko-KR" altLang="en-US"/>
+          </a:p>
+        </p:txBody>
+      </p:sp>
+      <p:pic>
+        <p:nvPicPr>
+          <p:cNvPr id="11" name="그림 10"/>
+          <p:cNvPicPr>
+            <a:picLocks noChangeAspect="1"/>
+          </p:cNvPicPr>
+          <p:nvPr/>
+        </p:nvPicPr>
+        <p:blipFill>
+          <a:blip r:embed="rId3">
+            <a:extLst>
+              <a:ext uri="{28A0092B-C50C-407E-A947-70E740481C1C}">
+                <a14:useLocalDpi xmlns:a14="http://schemas.microsoft.com/office/drawing/2010/main" val="0"/>
+              </a:ext>
+            </a:extLst>
+          </a:blip>
+          <a:stretch>
+            <a:fillRect/>
+          </a:stretch>
+        </p:blipFill>
+        <p:spPr>
+          <a:xfrm>
+            <a:off x="636143" y="2044930"/>
+            <a:ext cx="2140684" cy="4355578"/>
+          </a:xfrm>
+          <a:prstGeom prst="rect">
+            <a:avLst/>
+          </a:prstGeom>
+          <a:ln>
+            <a:solidFill>
+              <a:schemeClr val="tx1"/>
+            </a:solidFill>
+          </a:ln>
+        </p:spPr>
+      </p:pic>
+      <p:pic>
+        <p:nvPicPr>
+          <p:cNvPr id="12" name="그림 11"/>
+          <p:cNvPicPr>
+            <a:picLocks noChangeAspect="1"/>
+          </p:cNvPicPr>
+          <p:nvPr/>
+        </p:nvPicPr>
+        <p:blipFill>
+          <a:blip r:embed="rId4">
+            <a:extLst>
+              <a:ext uri="{28A0092B-C50C-407E-A947-70E740481C1C}">
+                <a14:useLocalDpi xmlns:a14="http://schemas.microsoft.com/office/drawing/2010/main" val="0"/>
+              </a:ext>
+            </a:extLst>
+          </a:blip>
+          <a:stretch>
+            <a:fillRect/>
+          </a:stretch>
+        </p:blipFill>
+        <p:spPr>
+          <a:xfrm>
+            <a:off x="3036281" y="2044930"/>
+            <a:ext cx="2169204" cy="4355578"/>
+          </a:xfrm>
+          <a:prstGeom prst="rect">
+            <a:avLst/>
+          </a:prstGeom>
+          <a:ln>
+            <a:solidFill>
+              <a:schemeClr val="tx1"/>
+            </a:solidFill>
+          </a:ln>
+        </p:spPr>
+      </p:pic>
+      <p:sp>
+        <p:nvSpPr>
+          <p:cNvPr id="14" name="직사각형 13"/>
+          <p:cNvSpPr/>
+          <p:nvPr/>
+        </p:nvSpPr>
+        <p:spPr>
+          <a:xfrm>
+            <a:off x="636143" y="2044930"/>
+            <a:ext cx="267914" cy="241070"/>
+          </a:xfrm>
+          <a:prstGeom prst="rect">
+            <a:avLst/>
+          </a:prstGeom>
+          <a:noFill/>
+          <a:ln w="38100">
+            <a:solidFill>
+              <a:srgbClr val="FF0000"/>
+            </a:solidFill>
+          </a:ln>
+        </p:spPr>
+        <p:style>
+          <a:lnRef idx="2">
+            <a:schemeClr val="accent1">
+              <a:shade val="50000"/>
+            </a:schemeClr>
+          </a:lnRef>
+          <a:fillRef idx="1">
+            <a:schemeClr val="accent1"/>
+          </a:fillRef>
+          <a:effectRef idx="0">
+            <a:schemeClr val="accent1"/>
+          </a:effectRef>
+          <a:fontRef idx="minor">
+            <a:schemeClr val="lt1"/>
+          </a:fontRef>
+        </p:style>
+        <p:txBody>
+          <a:bodyPr rtlCol="0" anchor="ctr"/>
+          <a:lstStyle/>
+          <a:p>
+            <a:pPr algn="ctr"/>
+            <a:endParaRPr lang="ko-KR" altLang="en-US"/>
+          </a:p>
+        </p:txBody>
+      </p:sp>
+      <p:sp>
+        <p:nvSpPr>
+          <p:cNvPr id="15" name="직사각형 14"/>
+          <p:cNvSpPr/>
+          <p:nvPr/>
+        </p:nvSpPr>
+        <p:spPr>
+          <a:xfrm>
+            <a:off x="3036281" y="2044930"/>
+            <a:ext cx="267914" cy="241070"/>
+          </a:xfrm>
+          <a:prstGeom prst="rect">
+            <a:avLst/>
+          </a:prstGeom>
+          <a:noFill/>
+          <a:ln w="38100">
+            <a:solidFill>
+              <a:srgbClr val="FF0000"/>
+            </a:solidFill>
+          </a:ln>
+        </p:spPr>
+        <p:style>
+          <a:lnRef idx="2">
+            <a:schemeClr val="accent1">
+              <a:shade val="50000"/>
+            </a:schemeClr>
+          </a:lnRef>
+          <a:fillRef idx="1">
+            <a:schemeClr val="accent1"/>
+          </a:fillRef>
+          <a:effectRef idx="0">
+            <a:schemeClr val="accent1"/>
+          </a:effectRef>
+          <a:fontRef idx="minor">
+            <a:schemeClr val="lt1"/>
+          </a:fontRef>
+        </p:style>
+        <p:txBody>
+          <a:bodyPr rtlCol="0" anchor="ctr"/>
+          <a:lstStyle/>
+          <a:p>
+            <a:pPr algn="ctr"/>
+            <a:endParaRPr lang="ko-KR" altLang="en-US"/>
+          </a:p>
+        </p:txBody>
+      </p:sp>
+      <p:sp>
+        <p:nvSpPr>
+          <p:cNvPr id="16" name="직사각형 15"/>
+          <p:cNvSpPr/>
+          <p:nvPr/>
+        </p:nvSpPr>
+        <p:spPr>
+          <a:xfrm>
+            <a:off x="642214" y="2286000"/>
+            <a:ext cx="2134614" cy="315884"/>
+          </a:xfrm>
+          <a:prstGeom prst="rect">
+            <a:avLst/>
+          </a:prstGeom>
+          <a:noFill/>
+          <a:ln w="38100">
+            <a:solidFill>
+              <a:srgbClr val="FF0000"/>
+            </a:solidFill>
+          </a:ln>
+        </p:spPr>
+        <p:style>
+          <a:lnRef idx="2">
+            <a:schemeClr val="accent1">
+              <a:shade val="50000"/>
+            </a:schemeClr>
+          </a:lnRef>
+          <a:fillRef idx="1">
+            <a:schemeClr val="accent1"/>
+          </a:fillRef>
+          <a:effectRef idx="0">
+            <a:schemeClr val="accent1"/>
+          </a:effectRef>
+          <a:fontRef idx="minor">
+            <a:schemeClr val="lt1"/>
+          </a:fontRef>
+        </p:style>
+        <p:txBody>
+          <a:bodyPr rtlCol="0" anchor="ctr"/>
+          <a:lstStyle/>
+          <a:p>
+            <a:pPr algn="ctr"/>
+            <a:endParaRPr lang="ko-KR" altLang="en-US"/>
+          </a:p>
+        </p:txBody>
+      </p:sp>
+      <p:sp>
+        <p:nvSpPr>
+          <p:cNvPr id="17" name="직사각형 16"/>
+          <p:cNvSpPr/>
+          <p:nvPr/>
+        </p:nvSpPr>
+        <p:spPr>
+          <a:xfrm>
+            <a:off x="3036281" y="2286000"/>
+            <a:ext cx="2169204" cy="315884"/>
+          </a:xfrm>
+          <a:prstGeom prst="rect">
+            <a:avLst/>
+          </a:prstGeom>
+          <a:noFill/>
+          <a:ln w="38100">
+            <a:solidFill>
+              <a:srgbClr val="FF0000"/>
+            </a:solidFill>
+          </a:ln>
+        </p:spPr>
+        <p:style>
+          <a:lnRef idx="2">
+            <a:schemeClr val="accent1">
+              <a:shade val="50000"/>
+            </a:schemeClr>
+          </a:lnRef>
+          <a:fillRef idx="1">
+            <a:schemeClr val="accent1"/>
+          </a:fillRef>
+          <a:effectRef idx="0">
+            <a:schemeClr val="accent1"/>
+          </a:effectRef>
+          <a:fontRef idx="minor">
+            <a:schemeClr val="lt1"/>
+          </a:fontRef>
+        </p:style>
+        <p:txBody>
+          <a:bodyPr rtlCol="0" anchor="ctr"/>
+          <a:lstStyle/>
+          <a:p>
+            <a:pPr algn="ctr"/>
+            <a:endParaRPr lang="ko-KR" altLang="en-US"/>
+          </a:p>
+        </p:txBody>
+      </p:sp>
+    </p:spTree>
+    <p:extLst>
+      <p:ext uri="{BB962C8B-B14F-4D97-AF65-F5344CB8AC3E}">
+        <p14:creationId xmlns:p14="http://schemas.microsoft.com/office/powerpoint/2010/main" val="2688967127"/>
+      </p:ext>
+    </p:extLst>
+  </p:cSld>
+  <p:clrMapOvr>
+    <a:masterClrMapping/>
+  </p:clrMapOvr>
+  <p:timing>
+    <p:tnLst>
+      <p:par>
+        <p:cTn id="1" dur="indefinite" restart="never" nodeType="tmRoot"/>
+      </p:par>
+    </p:tnLst>
+  </p:timing>
+</p:sld>
+</file>
+
+<file path=ppt/slides/slide12.xml><?xml version="1.0" encoding="utf-8"?>
+<p:sld xmlns:a="http://schemas.openxmlformats.org/drawingml/2006/main" xmlns:r="http://schemas.openxmlformats.org/officeDocument/2006/relationships" xmlns:p="http://schemas.openxmlformats.org/presentationml/2006/main">
+  <p:cSld>
+    <p:spTree>
+      <p:nvGrpSpPr>
+        <p:cNvPr id="1" name=""/>
+        <p:cNvGrpSpPr/>
+        <p:nvPr/>
+      </p:nvGrpSpPr>
+      <p:grpSpPr>
+        <a:xfrm>
+          <a:off x="0" y="0"/>
+          <a:ext cx="0" cy="0"/>
+          <a:chOff x="0" y="0"/>
+          <a:chExt cx="0" cy="0"/>
+        </a:xfrm>
+      </p:grpSpPr>
+      <p:pic>
+        <p:nvPicPr>
+          <p:cNvPr id="2" name="그림 1"/>
+          <p:cNvPicPr>
+            <a:picLocks noChangeAspect="1"/>
+          </p:cNvPicPr>
+          <p:nvPr/>
+        </p:nvPicPr>
+        <p:blipFill>
+          <a:blip r:embed="rId2">
+            <a:extLst>
+              <a:ext uri="{28A0092B-C50C-407E-A947-70E740481C1C}">
+                <a14:useLocalDpi xmlns:a14="http://schemas.microsoft.com/office/drawing/2010/main" val="0"/>
+              </a:ext>
+            </a:extLst>
+          </a:blip>
+          <a:stretch>
+            <a:fillRect/>
+          </a:stretch>
+        </p:blipFill>
+        <p:spPr>
+          <a:xfrm>
+            <a:off x="4497704" y="2626995"/>
+            <a:ext cx="2360296" cy="2460734"/>
+          </a:xfrm>
+          <a:prstGeom prst="rect">
+            <a:avLst/>
+          </a:prstGeom>
+        </p:spPr>
+      </p:pic>
+      <p:sp>
+        <p:nvSpPr>
+          <p:cNvPr id="18" name="TextBox 17"/>
+          <p:cNvSpPr txBox="1"/>
+          <p:nvPr/>
+        </p:nvSpPr>
+        <p:spPr>
+          <a:xfrm>
+            <a:off x="10232967" y="706583"/>
+            <a:ext cx="1723549" cy="1015663"/>
+          </a:xfrm>
+          <a:prstGeom prst="rect">
+            <a:avLst/>
+          </a:prstGeom>
+          <a:noFill/>
+        </p:spPr>
+        <p:txBody>
+          <a:bodyPr wrap="none" rtlCol="0">
+            <a:spAutoFit/>
+          </a:bodyPr>
+          <a:lstStyle/>
+          <a:p>
+            <a:r>
+              <a:rPr lang="ko-KR" altLang="en-US" sz="6000" b="1" dirty="0" err="1" smtClean="0">
+                <a:solidFill>
+                  <a:schemeClr val="bg1"/>
+                </a:solidFill>
+              </a:rPr>
+              <a:t>끄읕</a:t>
+            </a:r>
+            <a:endParaRPr lang="ko-KR" altLang="en-US" sz="6000" b="1" dirty="0">
+              <a:solidFill>
+                <a:schemeClr val="bg1"/>
+              </a:solidFill>
+            </a:endParaRPr>
+          </a:p>
+        </p:txBody>
+      </p:sp>
+    </p:spTree>
+    <p:extLst>
+      <p:ext uri="{BB962C8B-B14F-4D97-AF65-F5344CB8AC3E}">
+        <p14:creationId xmlns:p14="http://schemas.microsoft.com/office/powerpoint/2010/main" val="2232547467"/>
       </p:ext>
     </p:extLst>
   </p:cSld>
@@ -3761,14 +4527,14 @@
       </p:grpSpPr>
       <p:sp>
         <p:nvSpPr>
-          <p:cNvPr id="4" name="TextBox 3"/>
+          <p:cNvPr id="5" name="TextBox 4"/>
           <p:cNvSpPr txBox="1"/>
           <p:nvPr/>
         </p:nvSpPr>
         <p:spPr>
           <a:xfrm>
-            <a:off x="2817551" y="4053039"/>
-            <a:ext cx="4606261" cy="369332"/>
+            <a:off x="10232967" y="706583"/>
+            <a:ext cx="1723549" cy="1015663"/>
           </a:xfrm>
           <a:prstGeom prst="rect">
             <a:avLst/>
@@ -3782,31 +4548,91 @@
           <a:lstStyle/>
           <a:p>
             <a:r>
-              <a:rPr lang="ko-KR" altLang="en-US" dirty="0" smtClean="0"/>
-              <a:t>디자인 </a:t>
-            </a:r>
-            <a:r>
-              <a:rPr lang="en-US" altLang="ko-KR" dirty="0" smtClean="0"/>
-              <a:t>: PWA</a:t>
-            </a:r>
-            <a:r>
-              <a:rPr lang="ko-KR" altLang="en-US" dirty="0" smtClean="0"/>
-              <a:t>지만 앱을 기준으로 따라하기</a:t>
-            </a:r>
-            <a:endParaRPr lang="en-US" altLang="ko-KR" dirty="0" smtClean="0"/>
-          </a:p>
-        </p:txBody>
-      </p:sp>
-      <p:sp>
-        <p:nvSpPr>
-          <p:cNvPr id="5" name="TextBox 4"/>
+              <a:rPr lang="ko-KR" altLang="en-US" sz="6000" b="1" dirty="0" smtClean="0">
+                <a:solidFill>
+                  <a:schemeClr val="bg1"/>
+                </a:solidFill>
+              </a:rPr>
+              <a:t>개요</a:t>
+            </a:r>
+            <a:endParaRPr lang="ko-KR" altLang="en-US" sz="6000" b="1" dirty="0">
+              <a:solidFill>
+                <a:schemeClr val="bg1"/>
+              </a:solidFill>
+            </a:endParaRPr>
+          </a:p>
+        </p:txBody>
+      </p:sp>
+      <p:pic>
+        <p:nvPicPr>
+          <p:cNvPr id="7" name="그림 6"/>
+          <p:cNvPicPr>
+            <a:picLocks noChangeAspect="1"/>
+          </p:cNvPicPr>
+          <p:nvPr/>
+        </p:nvPicPr>
+        <p:blipFill>
+          <a:blip r:embed="rId2">
+            <a:extLst>
+              <a:ext uri="{28A0092B-C50C-407E-A947-70E740481C1C}">
+                <a14:useLocalDpi xmlns:a14="http://schemas.microsoft.com/office/drawing/2010/main" val="0"/>
+              </a:ext>
+            </a:extLst>
+          </a:blip>
+          <a:stretch>
+            <a:fillRect/>
+          </a:stretch>
+        </p:blipFill>
+        <p:spPr>
+          <a:xfrm>
+            <a:off x="1852871" y="1830576"/>
+            <a:ext cx="3151389" cy="1832951"/>
+          </a:xfrm>
+          <a:prstGeom prst="rect">
+            <a:avLst/>
+          </a:prstGeom>
+        </p:spPr>
+      </p:pic>
+      <p:pic>
+        <p:nvPicPr>
+          <p:cNvPr id="8" name="그림 7"/>
+          <p:cNvPicPr>
+            <a:picLocks noChangeAspect="1"/>
+          </p:cNvPicPr>
+          <p:nvPr/>
+        </p:nvPicPr>
+        <p:blipFill>
+          <a:blip r:embed="rId3">
+            <a:extLst>
+              <a:ext uri="{28A0092B-C50C-407E-A947-70E740481C1C}">
+                <a14:useLocalDpi xmlns:a14="http://schemas.microsoft.com/office/drawing/2010/main" val="0"/>
+              </a:ext>
+            </a:extLst>
+          </a:blip>
+          <a:stretch>
+            <a:fillRect/>
+          </a:stretch>
+        </p:blipFill>
+        <p:spPr>
+          <a:xfrm>
+            <a:off x="2041855" y="3812586"/>
+            <a:ext cx="2773420" cy="1061999"/>
+          </a:xfrm>
+          <a:prstGeom prst="rect">
+            <a:avLst/>
+          </a:prstGeom>
+        </p:spPr>
+      </p:pic>
+      <p:sp>
+        <p:nvSpPr>
+          <p:cNvPr id="9" name="TextBox 8"/>
           <p:cNvSpPr txBox="1"/>
           <p:nvPr/>
         </p:nvSpPr>
         <p:spPr>
           <a:xfrm>
-            <a:off x="2817551" y="3627304"/>
-            <a:ext cx="5149167" cy="369332"/>
+            <a:off x="5752408" y="2562385"/>
+            <a:ext cx="1442446" cy="369332"/>
           </a:xfrm>
           <a:prstGeom prst="rect">
             <a:avLst/>
@@ -3821,19 +4647,15 @@
           <a:p>
             <a:r>
               <a:rPr lang="en-US" altLang="ko-KR" dirty="0" smtClean="0"/>
-              <a:t>(1)</a:t>
+              <a:t>React</a:t>
             </a:r>
             <a:r>
               <a:rPr lang="ko-KR" altLang="en-US" dirty="0" smtClean="0"/>
-              <a:t>사업성 </a:t>
+              <a:t> </a:t>
             </a:r>
             <a:r>
               <a:rPr lang="en-US" altLang="ko-KR" dirty="0" smtClean="0"/>
-              <a:t>: </a:t>
-            </a:r>
-            <a:r>
-              <a:rPr lang="ko-KR" altLang="en-US" dirty="0" smtClean="0"/>
-              <a:t>기존 앱이 없다고 생각하고 소개하기</a:t>
+              <a:t>18.2.0</a:t>
             </a:r>
             <a:endParaRPr lang="ko-KR" altLang="en-US" dirty="0"/>
           </a:p>
@@ -3841,14 +4663,14 @@
       </p:sp>
       <p:sp>
         <p:nvSpPr>
-          <p:cNvPr id="6" name="TextBox 5"/>
+          <p:cNvPr id="10" name="TextBox 9"/>
           <p:cNvSpPr txBox="1"/>
           <p:nvPr/>
         </p:nvSpPr>
         <p:spPr>
           <a:xfrm>
-            <a:off x="2817551" y="4478774"/>
-            <a:ext cx="4572085" cy="369332"/>
+            <a:off x="5752408" y="4084829"/>
+            <a:ext cx="2701509" cy="369332"/>
           </a:xfrm>
           <a:prstGeom prst="rect">
             <a:avLst/>
@@ -3862,31 +4684,61 @@
           <a:lstStyle/>
           <a:p>
             <a:r>
-              <a:rPr lang="ko-KR" altLang="en-US" dirty="0" smtClean="0"/>
-              <a:t>기술 </a:t>
-            </a:r>
-            <a:r>
               <a:rPr lang="en-US" altLang="ko-KR" dirty="0" smtClean="0"/>
-              <a:t>: </a:t>
-            </a:r>
-            <a:r>
-              <a:rPr lang="ko-KR" altLang="en-US" dirty="0" smtClean="0"/>
-              <a:t>사용한 스택과 코드 상 어려웠던 점</a:t>
+              <a:t>React-router-</a:t>
+            </a:r>
+            <a:r>
+              <a:rPr lang="en-US" altLang="ko-KR" dirty="0" err="1" smtClean="0"/>
+              <a:t>dom</a:t>
+            </a:r>
+            <a:r>
+              <a:rPr lang="en-US" altLang="ko-KR" dirty="0" smtClean="0"/>
+              <a:t> v6.4.3</a:t>
             </a:r>
             <a:endParaRPr lang="ko-KR" altLang="en-US" dirty="0"/>
           </a:p>
         </p:txBody>
       </p:sp>
-      <p:sp>
-        <p:nvSpPr>
-          <p:cNvPr id="7" name="TextBox 6"/>
+      <p:pic>
+        <p:nvPicPr>
+          <p:cNvPr id="11" name="그림 10"/>
+          <p:cNvPicPr>
+            <a:picLocks noChangeAspect="1"/>
+          </p:cNvPicPr>
+          <p:nvPr/>
+        </p:nvPicPr>
+        <p:blipFill>
+          <a:blip r:embed="rId4">
+            <a:extLst>
+              <a:ext uri="{28A0092B-C50C-407E-A947-70E740481C1C}">
+                <a14:useLocalDpi xmlns:a14="http://schemas.microsoft.com/office/drawing/2010/main" val="0"/>
+              </a:ext>
+            </a:extLst>
+          </a:blip>
+          <a:stretch>
+            <a:fillRect/>
+          </a:stretch>
+        </p:blipFill>
+        <p:spPr>
+          <a:xfrm>
+            <a:off x="1708610" y="5023644"/>
+            <a:ext cx="3295650" cy="1390650"/>
+          </a:xfrm>
+          <a:prstGeom prst="rect">
+            <a:avLst/>
+          </a:prstGeom>
+        </p:spPr>
+      </p:pic>
+      <p:sp>
+        <p:nvSpPr>
+          <p:cNvPr id="12" name="TextBox 11"/>
           <p:cNvSpPr txBox="1"/>
           <p:nvPr/>
         </p:nvSpPr>
         <p:spPr>
           <a:xfrm>
-            <a:off x="2834640" y="4904509"/>
-            <a:ext cx="4453358" cy="369332"/>
+            <a:off x="5752408" y="5607274"/>
+            <a:ext cx="1996957" cy="369332"/>
           </a:xfrm>
           <a:prstGeom prst="rect">
             <a:avLst/>
@@ -3894,157 +4746,18 @@
           <a:noFill/>
         </p:spPr>
         <p:txBody>
-          <a:bodyPr wrap="square" rtlCol="0">
+          <a:bodyPr wrap="none" rtlCol="0">
             <a:spAutoFit/>
           </a:bodyPr>
           <a:lstStyle/>
           <a:p>
             <a:r>
-              <a:rPr lang="ko-KR" altLang="en-US" dirty="0" smtClean="0"/>
-              <a:t>혼합 </a:t>
+              <a:rPr lang="en-US" altLang="ko-KR" dirty="0" err="1" smtClean="0"/>
+              <a:t>Tailwindcss</a:t>
             </a:r>
             <a:r>
               <a:rPr lang="en-US" altLang="ko-KR" dirty="0" smtClean="0"/>
-              <a:t>: </a:t>
-            </a:r>
-            <a:r>
-              <a:rPr lang="ko-KR" altLang="en-US" dirty="0" smtClean="0"/>
-              <a:t>전부 조금씩 섞기</a:t>
-            </a:r>
-            <a:endParaRPr lang="ko-KR" altLang="en-US" dirty="0"/>
-          </a:p>
-        </p:txBody>
-      </p:sp>
-      <p:sp>
-        <p:nvSpPr>
-          <p:cNvPr id="8" name="TextBox 7"/>
-          <p:cNvSpPr txBox="1"/>
-          <p:nvPr/>
-        </p:nvSpPr>
-        <p:spPr>
-          <a:xfrm>
-            <a:off x="2817551" y="630533"/>
-            <a:ext cx="7839366" cy="2308324"/>
-          </a:xfrm>
-          <a:prstGeom prst="rect">
-            <a:avLst/>
-          </a:prstGeom>
-          <a:noFill/>
-        </p:spPr>
-        <p:txBody>
-          <a:bodyPr wrap="square" rtlCol="0">
-            <a:spAutoFit/>
-          </a:bodyPr>
-          <a:lstStyle/>
-          <a:p>
-            <a:r>
-              <a:rPr lang="en-US" altLang="ko-KR" dirty="0" err="1" smtClean="0"/>
-              <a:t>Ppt</a:t>
-            </a:r>
-            <a:r>
-              <a:rPr lang="ko-KR" altLang="en-US" dirty="0" smtClean="0"/>
-              <a:t>로 보여주고 싶은 것</a:t>
-            </a:r>
-            <a:r>
-              <a:rPr lang="en-US" altLang="ko-KR" dirty="0" smtClean="0"/>
-              <a:t>? </a:t>
-            </a:r>
-            <a:r>
-              <a:rPr lang="ko-KR" altLang="en-US" dirty="0" smtClean="0"/>
-              <a:t>앱 만들었음</a:t>
-            </a:r>
-            <a:endParaRPr lang="en-US" altLang="ko-KR" dirty="0" smtClean="0"/>
-          </a:p>
-          <a:p>
-            <a:r>
-              <a:rPr lang="ko-KR" altLang="en-US" dirty="0" smtClean="0"/>
-              <a:t>왜 이걸로 만듦 </a:t>
-            </a:r>
-            <a:r>
-              <a:rPr lang="en-US" altLang="ko-KR" dirty="0" smtClean="0"/>
-              <a:t>?</a:t>
-            </a:r>
-            <a:r>
-              <a:rPr lang="en-US" altLang="ko-KR" dirty="0"/>
-              <a:t> </a:t>
-            </a:r>
-            <a:r>
-              <a:rPr lang="ko-KR" altLang="en-US" dirty="0" smtClean="0"/>
-              <a:t>디자인 단순하지만 지도 </a:t>
-            </a:r>
-            <a:r>
-              <a:rPr lang="en-US" altLang="ko-KR" dirty="0" smtClean="0"/>
-              <a:t>API</a:t>
-            </a:r>
-            <a:r>
-              <a:rPr lang="ko-KR" altLang="en-US" dirty="0" smtClean="0"/>
-              <a:t>와 연동하는 것이 장점이라고 생각해서</a:t>
-            </a:r>
-            <a:endParaRPr lang="en-US" altLang="ko-KR" dirty="0" smtClean="0"/>
-          </a:p>
-          <a:p>
-            <a:r>
-              <a:rPr lang="ko-KR" altLang="en-US" dirty="0" smtClean="0"/>
-              <a:t>장점이 뭐임 </a:t>
-            </a:r>
-            <a:r>
-              <a:rPr lang="en-US" altLang="ko-KR" dirty="0" smtClean="0"/>
-              <a:t>? PWA</a:t>
-            </a:r>
-            <a:r>
-              <a:rPr lang="ko-KR" altLang="en-US" dirty="0" smtClean="0"/>
-              <a:t>는 기존 </a:t>
-            </a:r>
-            <a:r>
-              <a:rPr lang="ko-KR" altLang="en-US" dirty="0" err="1" smtClean="0"/>
-              <a:t>교촌치킨이</a:t>
-            </a:r>
-            <a:r>
-              <a:rPr lang="ko-KR" altLang="en-US" dirty="0" smtClean="0"/>
-              <a:t> 앱과 웹으로 나뉘어 있는 걸 하나로 합친 </a:t>
-            </a:r>
-            <a:r>
-              <a:rPr lang="ko-KR" altLang="en-US" dirty="0" err="1" smtClean="0"/>
-              <a:t>늑김</a:t>
-            </a:r>
-            <a:endParaRPr lang="en-US" altLang="ko-KR" dirty="0" smtClean="0"/>
-          </a:p>
-          <a:p>
-            <a:r>
-              <a:rPr lang="ko-KR" altLang="en-US" dirty="0" smtClean="0"/>
-              <a:t>단점은 뭐임 개선 방법은</a:t>
-            </a:r>
-            <a:r>
-              <a:rPr lang="en-US" altLang="ko-KR" dirty="0" smtClean="0"/>
-              <a:t>? </a:t>
-            </a:r>
-            <a:r>
-              <a:rPr lang="ko-KR" altLang="en-US" dirty="0" smtClean="0"/>
-              <a:t>원본과 좀 다름 아이콘에 신경을 많이 쓸 수 없었음 지도와 연동되어서 주문할 때 가까운 곳으로 자동 배정되면 좋겠음 </a:t>
-            </a:r>
-            <a:r>
-              <a:rPr lang="ko-KR" altLang="en-US" dirty="0" err="1" smtClean="0"/>
-              <a:t>배민이나</a:t>
-            </a:r>
-            <a:r>
-              <a:rPr lang="ko-KR" altLang="en-US" dirty="0" smtClean="0"/>
-              <a:t> </a:t>
-            </a:r>
-            <a:r>
-              <a:rPr lang="ko-KR" altLang="en-US" dirty="0" err="1" smtClean="0"/>
-              <a:t>요기요같은</a:t>
-            </a:r>
-            <a:r>
-              <a:rPr lang="ko-KR" altLang="en-US" dirty="0" smtClean="0"/>
-              <a:t> 배달 </a:t>
-            </a:r>
-            <a:r>
-              <a:rPr lang="ko-KR" altLang="en-US" dirty="0" err="1" smtClean="0"/>
-              <a:t>어플과의</a:t>
-            </a:r>
-            <a:r>
-              <a:rPr lang="ko-KR" altLang="en-US" dirty="0" smtClean="0"/>
-              <a:t> 차이점도 있으면 좋겠음</a:t>
+              <a:t> v3.2.4</a:t>
             </a:r>
             <a:endParaRPr lang="ko-KR" altLang="en-US" dirty="0"/>
           </a:p>
@@ -4053,7 +4766,7 @@
     </p:spTree>
     <p:extLst>
       <p:ext uri="{BB962C8B-B14F-4D97-AF65-F5344CB8AC3E}">
-        <p14:creationId xmlns:p14="http://schemas.microsoft.com/office/powerpoint/2010/main" val="3844119653"/>
+        <p14:creationId xmlns:p14="http://schemas.microsoft.com/office/powerpoint/2010/main" val="591787501"/>
       </p:ext>
     </p:extLst>
   </p:cSld>
@@ -4089,21 +4802,216 @@
       </p:grpSpPr>
       <p:sp>
         <p:nvSpPr>
-          <p:cNvPr id="4" name="직사각형 3"/>
+          <p:cNvPr id="5" name="TextBox 4"/>
+          <p:cNvSpPr txBox="1"/>
+          <p:nvPr/>
+        </p:nvSpPr>
+        <p:spPr>
+          <a:xfrm>
+            <a:off x="10232967" y="706583"/>
+            <a:ext cx="1723549" cy="1015663"/>
+          </a:xfrm>
+          <a:prstGeom prst="rect">
+            <a:avLst/>
+          </a:prstGeom>
+          <a:noFill/>
+        </p:spPr>
+        <p:txBody>
+          <a:bodyPr wrap="none" rtlCol="0">
+            <a:spAutoFit/>
+          </a:bodyPr>
+          <a:lstStyle/>
+          <a:p>
+            <a:r>
+              <a:rPr lang="ko-KR" altLang="en-US" sz="6000" b="1" dirty="0" smtClean="0">
+                <a:solidFill>
+                  <a:schemeClr val="bg1"/>
+                </a:solidFill>
+              </a:rPr>
+              <a:t>개요</a:t>
+            </a:r>
+            <a:endParaRPr lang="ko-KR" altLang="en-US" sz="6000" b="1" dirty="0">
+              <a:solidFill>
+                <a:schemeClr val="bg1"/>
+              </a:solidFill>
+            </a:endParaRPr>
+          </a:p>
+        </p:txBody>
+      </p:sp>
+      <p:pic>
+        <p:nvPicPr>
+          <p:cNvPr id="2" name="그림 1"/>
+          <p:cNvPicPr>
+            <a:picLocks noChangeAspect="1"/>
+          </p:cNvPicPr>
+          <p:nvPr/>
+        </p:nvPicPr>
+        <p:blipFill>
+          <a:blip r:embed="rId2" cstate="print">
+            <a:extLst>
+              <a:ext uri="{28A0092B-C50C-407E-A947-70E740481C1C}">
+                <a14:useLocalDpi xmlns:a14="http://schemas.microsoft.com/office/drawing/2010/main" val="0"/>
+              </a:ext>
+            </a:extLst>
+          </a:blip>
+          <a:stretch>
+            <a:fillRect/>
+          </a:stretch>
+        </p:blipFill>
+        <p:spPr>
+          <a:xfrm>
+            <a:off x="706582" y="2730299"/>
+            <a:ext cx="4625035" cy="2536374"/>
+          </a:xfrm>
+          <a:prstGeom prst="rect">
+            <a:avLst/>
+          </a:prstGeom>
+          <a:ln>
+            <a:solidFill>
+              <a:schemeClr val="tx1"/>
+            </a:solidFill>
+          </a:ln>
+        </p:spPr>
+      </p:pic>
+      <p:pic>
+        <p:nvPicPr>
+          <p:cNvPr id="3" name="그림 2"/>
+          <p:cNvPicPr>
+            <a:picLocks noChangeAspect="1"/>
+          </p:cNvPicPr>
+          <p:nvPr/>
+        </p:nvPicPr>
+        <p:blipFill>
+          <a:blip r:embed="rId3" cstate="print">
+            <a:extLst>
+              <a:ext uri="{28A0092B-C50C-407E-A947-70E740481C1C}">
+                <a14:useLocalDpi xmlns:a14="http://schemas.microsoft.com/office/drawing/2010/main" val="0"/>
+              </a:ext>
+            </a:extLst>
+          </a:blip>
+          <a:stretch>
+            <a:fillRect/>
+          </a:stretch>
+        </p:blipFill>
+        <p:spPr>
+          <a:xfrm>
+            <a:off x="6792930" y="2730299"/>
+            <a:ext cx="4495754" cy="2536374"/>
+          </a:xfrm>
+          <a:prstGeom prst="rect">
+            <a:avLst/>
+          </a:prstGeom>
+          <a:ln>
+            <a:solidFill>
+              <a:schemeClr val="tx1"/>
+            </a:solidFill>
+          </a:ln>
+        </p:spPr>
+      </p:pic>
+      <p:sp>
+        <p:nvSpPr>
+          <p:cNvPr id="4" name="TextBox 3"/>
+          <p:cNvSpPr txBox="1"/>
+          <p:nvPr/>
+        </p:nvSpPr>
+        <p:spPr>
+          <a:xfrm>
+            <a:off x="1262849" y="5637814"/>
+            <a:ext cx="3512500" cy="369332"/>
+          </a:xfrm>
+          <a:prstGeom prst="rect">
+            <a:avLst/>
+          </a:prstGeom>
+          <a:noFill/>
+        </p:spPr>
+        <p:txBody>
+          <a:bodyPr wrap="none" rtlCol="0">
+            <a:spAutoFit/>
+          </a:bodyPr>
+          <a:lstStyle/>
+          <a:p>
+            <a:r>
+              <a:rPr lang="ko-KR" altLang="en-US" dirty="0" smtClean="0"/>
+              <a:t>▲ </a:t>
+            </a:r>
+            <a:r>
+              <a:rPr lang="ko-KR" altLang="en-US" dirty="0" err="1" smtClean="0"/>
+              <a:t>교촌치킨</a:t>
+            </a:r>
+            <a:r>
+              <a:rPr lang="ko-KR" altLang="en-US" dirty="0" smtClean="0"/>
+              <a:t> 안드로이드 버전 앱</a:t>
+            </a:r>
+            <a:endParaRPr lang="ko-KR" altLang="en-US" dirty="0"/>
+          </a:p>
+        </p:txBody>
+      </p:sp>
+      <p:sp>
+        <p:nvSpPr>
+          <p:cNvPr id="13" name="TextBox 12"/>
+          <p:cNvSpPr txBox="1"/>
+          <p:nvPr/>
+        </p:nvSpPr>
+        <p:spPr>
+          <a:xfrm>
+            <a:off x="7417606" y="5637814"/>
+            <a:ext cx="3246402" cy="369332"/>
+          </a:xfrm>
+          <a:prstGeom prst="rect">
+            <a:avLst/>
+          </a:prstGeom>
+          <a:noFill/>
+        </p:spPr>
+        <p:txBody>
+          <a:bodyPr wrap="none" rtlCol="0">
+            <a:spAutoFit/>
+          </a:bodyPr>
+          <a:lstStyle/>
+          <a:p>
+            <a:r>
+              <a:rPr lang="ko-KR" altLang="en-US" dirty="0" smtClean="0"/>
+              <a:t>▲ </a:t>
+            </a:r>
+            <a:r>
+              <a:rPr lang="ko-KR" altLang="en-US" dirty="0" err="1" smtClean="0"/>
+              <a:t>교촌치킨</a:t>
+            </a:r>
+            <a:r>
+              <a:rPr lang="ko-KR" altLang="en-US" dirty="0" smtClean="0"/>
+              <a:t> </a:t>
+            </a:r>
+            <a:r>
+              <a:rPr lang="en-US" altLang="ko-KR" dirty="0" smtClean="0"/>
+              <a:t>PC</a:t>
+            </a:r>
+            <a:r>
+              <a:rPr lang="ko-KR" altLang="en-US" dirty="0" smtClean="0"/>
+              <a:t>버전 홈페이지</a:t>
+            </a:r>
+            <a:endParaRPr lang="ko-KR" altLang="en-US" dirty="0"/>
+          </a:p>
+        </p:txBody>
+      </p:sp>
+      <p:sp>
+        <p:nvSpPr>
+          <p:cNvPr id="6" name="십자형 5"/>
           <p:cNvSpPr/>
           <p:nvPr/>
         </p:nvSpPr>
         <p:spPr>
           <a:xfrm>
-            <a:off x="1620982" y="814647"/>
-            <a:ext cx="1321723" cy="1255222"/>
-          </a:xfrm>
-          <a:prstGeom prst="rect">
+            <a:off x="5866924" y="3754528"/>
+            <a:ext cx="390699" cy="395352"/>
+          </a:xfrm>
+          <a:prstGeom prst="plus">
             <a:avLst/>
           </a:prstGeom>
           <a:solidFill>
             <a:srgbClr val="FF6600"/>
           </a:solidFill>
+          <a:ln>
+            <a:noFill/>
+          </a:ln>
         </p:spPr>
         <p:style>
           <a:lnRef idx="2">
@@ -4130,254 +5038,40 @@
           </a:p>
         </p:txBody>
       </p:sp>
-      <p:sp>
-        <p:nvSpPr>
-          <p:cNvPr id="6" name="TextBox 5"/>
-          <p:cNvSpPr txBox="1"/>
-          <p:nvPr/>
-        </p:nvSpPr>
-        <p:spPr>
-          <a:xfrm>
-            <a:off x="1620982" y="2163095"/>
-            <a:ext cx="1316386" cy="369332"/>
-          </a:xfrm>
-          <a:prstGeom prst="rect">
-            <a:avLst/>
-          </a:prstGeom>
-          <a:noFill/>
-        </p:spPr>
-        <p:txBody>
-          <a:bodyPr wrap="none" rtlCol="0">
-            <a:spAutoFit/>
-          </a:bodyPr>
-          <a:lstStyle/>
-          <a:p>
-            <a:r>
-              <a:rPr lang="ko-KR" altLang="en-US" dirty="0" smtClean="0"/>
-              <a:t>메인 컬러</a:t>
-            </a:r>
-            <a:r>
-              <a:rPr lang="en-US" altLang="ko-KR" dirty="0" smtClean="0"/>
-              <a:t>1</a:t>
-            </a:r>
-            <a:endParaRPr lang="ko-KR" altLang="en-US" dirty="0"/>
-          </a:p>
-        </p:txBody>
-      </p:sp>
-      <p:sp>
-        <p:nvSpPr>
-          <p:cNvPr id="7" name="TextBox 6"/>
-          <p:cNvSpPr txBox="1"/>
-          <p:nvPr/>
-        </p:nvSpPr>
-        <p:spPr>
-          <a:xfrm>
-            <a:off x="3057596" y="2163095"/>
-            <a:ext cx="1316386" cy="369332"/>
-          </a:xfrm>
-          <a:prstGeom prst="rect">
-            <a:avLst/>
-          </a:prstGeom>
-          <a:noFill/>
-        </p:spPr>
-        <p:txBody>
-          <a:bodyPr wrap="none" rtlCol="0">
-            <a:spAutoFit/>
-          </a:bodyPr>
-          <a:lstStyle/>
-          <a:p>
-            <a:r>
-              <a:rPr lang="ko-KR" altLang="en-US" dirty="0" smtClean="0"/>
-              <a:t>메인 컬러</a:t>
-            </a:r>
-            <a:r>
-              <a:rPr lang="en-US" altLang="ko-KR" dirty="0" smtClean="0"/>
-              <a:t>2</a:t>
-            </a:r>
-            <a:endParaRPr lang="ko-KR" altLang="en-US" dirty="0"/>
-          </a:p>
-        </p:txBody>
-      </p:sp>
-      <p:sp>
-        <p:nvSpPr>
-          <p:cNvPr id="8" name="직사각형 7"/>
-          <p:cNvSpPr/>
-          <p:nvPr/>
-        </p:nvSpPr>
-        <p:spPr>
-          <a:xfrm>
-            <a:off x="3057596" y="814647"/>
-            <a:ext cx="1321723" cy="1255222"/>
-          </a:xfrm>
-          <a:prstGeom prst="rect">
-            <a:avLst/>
-          </a:prstGeom>
-          <a:solidFill>
-            <a:schemeClr val="bg1"/>
-          </a:solidFill>
-        </p:spPr>
-        <p:style>
-          <a:lnRef idx="2">
-            <a:schemeClr val="accent1">
-              <a:shade val="50000"/>
-            </a:schemeClr>
-          </a:lnRef>
-          <a:fillRef idx="1">
-            <a:schemeClr val="accent1"/>
-          </a:fillRef>
-          <a:effectRef idx="0">
-            <a:schemeClr val="accent1"/>
-          </a:effectRef>
-          <a:fontRef idx="minor">
-            <a:schemeClr val="lt1"/>
-          </a:fontRef>
-        </p:style>
-        <p:txBody>
-          <a:bodyPr rtlCol="0" anchor="ctr"/>
-          <a:lstStyle/>
-          <a:p>
-            <a:pPr algn="ctr"/>
-            <a:endParaRPr lang="ko-KR" altLang="en-US"/>
-          </a:p>
-        </p:txBody>
-      </p:sp>
-      <p:sp>
-        <p:nvSpPr>
-          <p:cNvPr id="9" name="TextBox 8"/>
-          <p:cNvSpPr txBox="1"/>
-          <p:nvPr/>
-        </p:nvSpPr>
-        <p:spPr>
-          <a:xfrm>
-            <a:off x="4754880" y="2468880"/>
-            <a:ext cx="4011547" cy="3139321"/>
-          </a:xfrm>
-          <a:prstGeom prst="rect">
-            <a:avLst/>
-          </a:prstGeom>
-          <a:noFill/>
-        </p:spPr>
-        <p:txBody>
-          <a:bodyPr wrap="none" rtlCol="0">
-            <a:spAutoFit/>
-          </a:bodyPr>
-          <a:lstStyle/>
-          <a:p>
-            <a:r>
-              <a:rPr lang="ko-KR" altLang="en-US" dirty="0" smtClean="0"/>
-              <a:t>고른 이유</a:t>
-            </a:r>
-            <a:endParaRPr lang="en-US" altLang="ko-KR" dirty="0" smtClean="0"/>
-          </a:p>
-          <a:p>
-            <a:r>
-              <a:rPr lang="ko-KR" altLang="en-US" dirty="0" smtClean="0"/>
-              <a:t>기술 스택</a:t>
-            </a:r>
-            <a:r>
-              <a:rPr lang="en-US" altLang="ko-KR" dirty="0" smtClean="0"/>
-              <a:t> </a:t>
-            </a:r>
-            <a:r>
-              <a:rPr lang="ko-KR" altLang="en-US" dirty="0" smtClean="0"/>
-              <a:t>소개와 그 만의 장점</a:t>
-            </a:r>
-            <a:endParaRPr lang="en-US" altLang="ko-KR" dirty="0" smtClean="0"/>
-          </a:p>
-          <a:p>
-            <a:r>
-              <a:rPr lang="en-US" altLang="ko-KR" dirty="0" smtClean="0"/>
-              <a:t>PWA</a:t>
-            </a:r>
-            <a:r>
-              <a:rPr lang="ko-KR" altLang="en-US" dirty="0" smtClean="0"/>
-              <a:t>로서의 기존 앱과의 차이점 장점</a:t>
-            </a:r>
-            <a:endParaRPr lang="en-US" altLang="ko-KR" dirty="0" smtClean="0"/>
-          </a:p>
-          <a:p>
-            <a:r>
-              <a:rPr lang="en-US" altLang="ko-KR" dirty="0" smtClean="0"/>
-              <a:t>UI </a:t>
-            </a:r>
-            <a:r>
-              <a:rPr lang="ko-KR" altLang="en-US" dirty="0" smtClean="0"/>
-              <a:t>및 페이지 소개</a:t>
-            </a:r>
-            <a:endParaRPr lang="en-US" altLang="ko-KR" dirty="0" smtClean="0"/>
-          </a:p>
-          <a:p>
-            <a:pPr marL="342900" indent="-342900">
-              <a:buAutoNum type="arabicPeriod"/>
-            </a:pPr>
-            <a:r>
-              <a:rPr lang="ko-KR" altLang="en-US" dirty="0" err="1" smtClean="0"/>
-              <a:t>메인메뉴</a:t>
-            </a:r>
-            <a:endParaRPr lang="en-US" altLang="ko-KR" dirty="0" smtClean="0"/>
-          </a:p>
-          <a:p>
-            <a:pPr marL="342900" indent="-342900">
-              <a:buAutoNum type="arabicPeriod"/>
-            </a:pPr>
-            <a:r>
-              <a:rPr lang="ko-KR" altLang="en-US" dirty="0" err="1" smtClean="0"/>
-              <a:t>사이드바</a:t>
-            </a:r>
-            <a:endParaRPr lang="en-US" altLang="ko-KR" dirty="0" smtClean="0"/>
-          </a:p>
-          <a:p>
-            <a:pPr marL="342900" indent="-342900">
-              <a:buAutoNum type="arabicPeriod"/>
-            </a:pPr>
-            <a:r>
-              <a:rPr lang="ko-KR" altLang="en-US" dirty="0" err="1" smtClean="0"/>
-              <a:t>메뉴선택</a:t>
-            </a:r>
-            <a:endParaRPr lang="en-US" altLang="ko-KR" dirty="0" smtClean="0"/>
-          </a:p>
-          <a:p>
-            <a:pPr marL="342900" indent="-342900">
-              <a:buAutoNum type="arabicPeriod"/>
-            </a:pPr>
-            <a:r>
-              <a:rPr lang="ko-KR" altLang="en-US" dirty="0" err="1" smtClean="0"/>
-              <a:t>매장찾기</a:t>
-            </a:r>
-            <a:endParaRPr lang="en-US" altLang="ko-KR" dirty="0" smtClean="0"/>
-          </a:p>
-          <a:p>
-            <a:pPr marL="342900" indent="-342900">
-              <a:buAutoNum type="arabicPeriod"/>
-            </a:pPr>
-            <a:r>
-              <a:rPr lang="ko-KR" altLang="en-US" dirty="0" smtClean="0"/>
-              <a:t>이벤트</a:t>
-            </a:r>
-            <a:endParaRPr lang="en-US" altLang="ko-KR" dirty="0" smtClean="0"/>
-          </a:p>
-          <a:p>
-            <a:pPr marL="342900" indent="-342900">
-              <a:buAutoNum type="arabicPeriod"/>
-            </a:pPr>
-            <a:r>
-              <a:rPr lang="ko-KR" altLang="en-US" dirty="0" smtClean="0"/>
-              <a:t>기타 주문내역</a:t>
-            </a:r>
-            <a:endParaRPr lang="en-US" altLang="ko-KR" dirty="0" smtClean="0"/>
-          </a:p>
-          <a:p>
-            <a:pPr marL="342900" indent="-342900">
-              <a:buAutoNum type="arabicPeriod"/>
-            </a:pPr>
-            <a:endParaRPr lang="ko-KR" altLang="en-US" dirty="0"/>
-          </a:p>
-        </p:txBody>
-      </p:sp>
+      <p:pic>
+        <p:nvPicPr>
+          <p:cNvPr id="7" name="그림 6"/>
+          <p:cNvPicPr>
+            <a:picLocks noChangeAspect="1"/>
+          </p:cNvPicPr>
+          <p:nvPr/>
+        </p:nvPicPr>
+        <p:blipFill>
+          <a:blip r:embed="rId4" cstate="print">
+            <a:extLst>
+              <a:ext uri="{28A0092B-C50C-407E-A947-70E740481C1C}">
+                <a14:useLocalDpi xmlns:a14="http://schemas.microsoft.com/office/drawing/2010/main" val="0"/>
+              </a:ext>
+            </a:extLst>
+          </a:blip>
+          <a:stretch>
+            <a:fillRect/>
+          </a:stretch>
+        </p:blipFill>
+        <p:spPr>
+          <a:xfrm>
+            <a:off x="5390521" y="5569196"/>
+            <a:ext cx="1343503" cy="506567"/>
+          </a:xfrm>
+          <a:prstGeom prst="rect">
+            <a:avLst/>
+          </a:prstGeom>
+        </p:spPr>
+      </p:pic>
     </p:spTree>
     <p:extLst>
       <p:ext uri="{BB962C8B-B14F-4D97-AF65-F5344CB8AC3E}">
-        <p14:creationId xmlns:p14="http://schemas.microsoft.com/office/powerpoint/2010/main" val="1402076287"/>
+        <p14:creationId xmlns:p14="http://schemas.microsoft.com/office/powerpoint/2010/main" val="3426039971"/>
       </p:ext>
     </p:extLst>
   </p:cSld>
@@ -4439,7 +5133,7 @@
                   <a:schemeClr val="bg1"/>
                 </a:solidFill>
               </a:rPr>
-              <a:t>개요</a:t>
+              <a:t>화면</a:t>
             </a:r>
             <a:endParaRPr lang="ko-KR" altLang="en-US" sz="6000" b="1" dirty="0">
               <a:solidFill>
@@ -4449,9 +5143,41 @@
           </a:p>
         </p:txBody>
       </p:sp>
+      <p:sp>
+        <p:nvSpPr>
+          <p:cNvPr id="13" name="TextBox 12"/>
+          <p:cNvSpPr txBox="1"/>
+          <p:nvPr/>
+        </p:nvSpPr>
+        <p:spPr>
+          <a:xfrm>
+            <a:off x="332509" y="1029748"/>
+            <a:ext cx="3472617" cy="369332"/>
+          </a:xfrm>
+          <a:prstGeom prst="rect">
+            <a:avLst/>
+          </a:prstGeom>
+          <a:solidFill>
+            <a:schemeClr val="bg1"/>
+          </a:solidFill>
+        </p:spPr>
+        <p:txBody>
+          <a:bodyPr wrap="none" rtlCol="0">
+            <a:spAutoFit/>
+          </a:bodyPr>
+          <a:lstStyle/>
+          <a:p>
+            <a:r>
+              <a:rPr lang="en-US" altLang="ko-KR" dirty="0" smtClean="0"/>
+              <a:t>https://kyochonpwa.netlify.app</a:t>
+            </a:r>
+            <a:endParaRPr lang="ko-KR" altLang="en-US" dirty="0"/>
+          </a:p>
+        </p:txBody>
+      </p:sp>
       <p:pic>
         <p:nvPicPr>
-          <p:cNvPr id="7" name="그림 6"/>
+          <p:cNvPr id="20" name="그림 19"/>
           <p:cNvPicPr>
             <a:picLocks noChangeAspect="1"/>
           </p:cNvPicPr>
@@ -4471,54 +5197,121 @@
         </p:blipFill>
         <p:spPr>
           <a:xfrm>
-            <a:off x="1852871" y="1830576"/>
-            <a:ext cx="3151389" cy="1832951"/>
-          </a:xfrm>
-          <a:prstGeom prst="rect">
-            <a:avLst/>
-          </a:prstGeom>
+            <a:off x="2789053" y="2090090"/>
+            <a:ext cx="2181957" cy="4416003"/>
+          </a:xfrm>
+          <a:prstGeom prst="rect">
+            <a:avLst/>
+          </a:prstGeom>
+          <a:ln>
+            <a:solidFill>
+              <a:schemeClr val="tx1"/>
+            </a:solidFill>
+          </a:ln>
         </p:spPr>
       </p:pic>
-      <p:pic>
-        <p:nvPicPr>
-          <p:cNvPr id="8" name="그림 7"/>
-          <p:cNvPicPr>
-            <a:picLocks noChangeAspect="1"/>
-          </p:cNvPicPr>
-          <p:nvPr/>
-        </p:nvPicPr>
-        <p:blipFill>
-          <a:blip r:embed="rId3">
-            <a:extLst>
-              <a:ext uri="{28A0092B-C50C-407E-A947-70E740481C1C}">
-                <a14:useLocalDpi xmlns:a14="http://schemas.microsoft.com/office/drawing/2010/main" val="0"/>
-              </a:ext>
-            </a:extLst>
-          </a:blip>
-          <a:stretch>
-            <a:fillRect/>
-          </a:stretch>
-        </p:blipFill>
-        <p:spPr>
-          <a:xfrm>
-            <a:off x="2041855" y="3812586"/>
-            <a:ext cx="2773420" cy="1061999"/>
-          </a:xfrm>
-          <a:prstGeom prst="rect">
-            <a:avLst/>
-          </a:prstGeom>
-        </p:spPr>
-      </p:pic>
-      <p:sp>
-        <p:nvSpPr>
-          <p:cNvPr id="9" name="TextBox 8"/>
+      <p:sp>
+        <p:nvSpPr>
+          <p:cNvPr id="21" name="직사각형 20"/>
+          <p:cNvSpPr/>
+          <p:nvPr/>
+        </p:nvSpPr>
+        <p:spPr>
+          <a:xfrm>
+            <a:off x="2789053" y="2090090"/>
+            <a:ext cx="2181957" cy="309517"/>
+          </a:xfrm>
+          <a:prstGeom prst="rect">
+            <a:avLst/>
+          </a:prstGeom>
+          <a:noFill/>
+          <a:ln w="38100">
+            <a:solidFill>
+              <a:srgbClr val="FF0000"/>
+            </a:solidFill>
+          </a:ln>
+        </p:spPr>
+        <p:style>
+          <a:lnRef idx="2">
+            <a:schemeClr val="accent1">
+              <a:shade val="50000"/>
+            </a:schemeClr>
+          </a:lnRef>
+          <a:fillRef idx="1">
+            <a:schemeClr val="accent1"/>
+          </a:fillRef>
+          <a:effectRef idx="0">
+            <a:schemeClr val="accent1"/>
+          </a:effectRef>
+          <a:fontRef idx="minor">
+            <a:schemeClr val="lt1"/>
+          </a:fontRef>
+        </p:style>
+        <p:txBody>
+          <a:bodyPr rtlCol="0" anchor="ctr"/>
+          <a:lstStyle/>
+          <a:p>
+            <a:pPr algn="ctr"/>
+            <a:endParaRPr lang="ko-KR" altLang="en-US"/>
+          </a:p>
+        </p:txBody>
+      </p:sp>
+      <p:sp>
+        <p:nvSpPr>
+          <p:cNvPr id="22" name="직사각형 21"/>
+          <p:cNvSpPr/>
+          <p:nvPr/>
+        </p:nvSpPr>
+        <p:spPr>
+          <a:xfrm>
+            <a:off x="2789053" y="6033094"/>
+            <a:ext cx="2181957" cy="472999"/>
+          </a:xfrm>
+          <a:prstGeom prst="rect">
+            <a:avLst/>
+          </a:prstGeom>
+          <a:noFill/>
+          <a:ln w="38100">
+            <a:solidFill>
+              <a:srgbClr val="FF0000"/>
+            </a:solidFill>
+          </a:ln>
+        </p:spPr>
+        <p:style>
+          <a:lnRef idx="2">
+            <a:schemeClr val="accent1">
+              <a:shade val="50000"/>
+            </a:schemeClr>
+          </a:lnRef>
+          <a:fillRef idx="1">
+            <a:schemeClr val="accent1"/>
+          </a:fillRef>
+          <a:effectRef idx="0">
+            <a:schemeClr val="accent1"/>
+          </a:effectRef>
+          <a:fontRef idx="minor">
+            <a:schemeClr val="lt1"/>
+          </a:fontRef>
+        </p:style>
+        <p:txBody>
+          <a:bodyPr rtlCol="0" anchor="ctr"/>
+          <a:lstStyle/>
+          <a:p>
+            <a:pPr algn="ctr"/>
+            <a:endParaRPr lang="ko-KR" altLang="en-US"/>
+          </a:p>
+        </p:txBody>
+      </p:sp>
+      <p:sp>
+        <p:nvSpPr>
+          <p:cNvPr id="2" name="TextBox 1"/>
           <p:cNvSpPr txBox="1"/>
           <p:nvPr/>
         </p:nvSpPr>
         <p:spPr>
           <a:xfrm>
-            <a:off x="5752408" y="2562385"/>
-            <a:ext cx="1442446" cy="369332"/>
+            <a:off x="5580244" y="2060182"/>
+            <a:ext cx="1483098" cy="369332"/>
           </a:xfrm>
           <a:prstGeom prst="rect">
             <a:avLst/>
@@ -4533,15 +5326,11 @@
           <a:p>
             <a:r>
               <a:rPr lang="en-US" altLang="ko-KR" dirty="0" smtClean="0"/>
-              <a:t>React</a:t>
+              <a:t>Header </a:t>
             </a:r>
             <a:r>
               <a:rPr lang="ko-KR" altLang="en-US" dirty="0" smtClean="0"/>
-              <a:t> </a:t>
-            </a:r>
-            <a:r>
-              <a:rPr lang="en-US" altLang="ko-KR" dirty="0" smtClean="0"/>
-              <a:t>18.2.0</a:t>
+              <a:t>영역</a:t>
             </a:r>
             <a:endParaRPr lang="ko-KR" altLang="en-US" dirty="0"/>
           </a:p>
@@ -4549,14 +5338,14 @@
       </p:sp>
       <p:sp>
         <p:nvSpPr>
-          <p:cNvPr id="10" name="TextBox 9"/>
+          <p:cNvPr id="23" name="TextBox 22"/>
           <p:cNvSpPr txBox="1"/>
           <p:nvPr/>
         </p:nvSpPr>
         <p:spPr>
           <a:xfrm>
-            <a:off x="5752408" y="4084829"/>
-            <a:ext cx="2701509" cy="369332"/>
+            <a:off x="5694218" y="6084927"/>
+            <a:ext cx="1402628" cy="369332"/>
           </a:xfrm>
           <a:prstGeom prst="rect">
             <a:avLst/>
@@ -4571,60 +5360,26 @@
           <a:p>
             <a:r>
               <a:rPr lang="en-US" altLang="ko-KR" dirty="0" smtClean="0"/>
-              <a:t>React-router-</a:t>
-            </a:r>
-            <a:r>
-              <a:rPr lang="en-US" altLang="ko-KR" dirty="0" err="1" smtClean="0"/>
-              <a:t>dom</a:t>
-            </a:r>
-            <a:r>
-              <a:rPr lang="en-US" altLang="ko-KR" dirty="0" smtClean="0"/>
-              <a:t> v6.4.3</a:t>
+              <a:t>Footer </a:t>
+            </a:r>
+            <a:r>
+              <a:rPr lang="ko-KR" altLang="en-US" dirty="0" smtClean="0"/>
+              <a:t>영역</a:t>
             </a:r>
             <a:endParaRPr lang="ko-KR" altLang="en-US" dirty="0"/>
           </a:p>
         </p:txBody>
       </p:sp>
-      <p:pic>
-        <p:nvPicPr>
-          <p:cNvPr id="11" name="그림 10"/>
-          <p:cNvPicPr>
-            <a:picLocks noChangeAspect="1"/>
-          </p:cNvPicPr>
-          <p:nvPr/>
-        </p:nvPicPr>
-        <p:blipFill>
-          <a:blip r:embed="rId4">
-            <a:extLst>
-              <a:ext uri="{28A0092B-C50C-407E-A947-70E740481C1C}">
-                <a14:useLocalDpi xmlns:a14="http://schemas.microsoft.com/office/drawing/2010/main" val="0"/>
-              </a:ext>
-            </a:extLst>
-          </a:blip>
-          <a:stretch>
-            <a:fillRect/>
-          </a:stretch>
-        </p:blipFill>
-        <p:spPr>
-          <a:xfrm>
-            <a:off x="1708610" y="5023644"/>
-            <a:ext cx="3295650" cy="1390650"/>
-          </a:xfrm>
-          <a:prstGeom prst="rect">
-            <a:avLst/>
-          </a:prstGeom>
-        </p:spPr>
-      </p:pic>
-      <p:sp>
-        <p:nvSpPr>
-          <p:cNvPr id="12" name="TextBox 11"/>
+      <p:sp>
+        <p:nvSpPr>
+          <p:cNvPr id="24" name="TextBox 23"/>
           <p:cNvSpPr txBox="1"/>
           <p:nvPr/>
         </p:nvSpPr>
         <p:spPr>
           <a:xfrm>
-            <a:off x="5752408" y="5607274"/>
-            <a:ext cx="1996957" cy="369332"/>
+            <a:off x="5694218" y="3951836"/>
+            <a:ext cx="1249060" cy="369332"/>
           </a:xfrm>
           <a:prstGeom prst="rect">
             <a:avLst/>
@@ -4638,53 +5393,238 @@
           <a:lstStyle/>
           <a:p>
             <a:r>
-              <a:rPr lang="en-US" altLang="ko-KR" dirty="0" err="1" smtClean="0"/>
-              <a:t>Tailwindcss</a:t>
-            </a:r>
-            <a:r>
               <a:rPr lang="en-US" altLang="ko-KR" dirty="0" smtClean="0"/>
-              <a:t> v3.2.4</a:t>
+              <a:t>Main </a:t>
+            </a:r>
+            <a:r>
+              <a:rPr lang="ko-KR" altLang="en-US" dirty="0" smtClean="0"/>
+              <a:t>영역</a:t>
             </a:r>
             <a:endParaRPr lang="ko-KR" altLang="en-US" dirty="0"/>
           </a:p>
         </p:txBody>
       </p:sp>
-      <p:sp>
-        <p:nvSpPr>
-          <p:cNvPr id="14" name="TextBox 13"/>
-          <p:cNvSpPr txBox="1"/>
-          <p:nvPr/>
-        </p:nvSpPr>
-        <p:spPr>
-          <a:xfrm>
-            <a:off x="332509" y="1029748"/>
-            <a:ext cx="3472617" cy="369332"/>
-          </a:xfrm>
-          <a:prstGeom prst="rect">
-            <a:avLst/>
-          </a:prstGeom>
-          <a:solidFill>
-            <a:schemeClr val="bg1"/>
-          </a:solidFill>
-        </p:spPr>
-        <p:txBody>
-          <a:bodyPr wrap="none" rtlCol="0">
-            <a:spAutoFit/>
-          </a:bodyPr>
-          <a:lstStyle/>
-          <a:p>
-            <a:r>
-              <a:rPr lang="en-US" altLang="ko-KR" dirty="0" smtClean="0"/>
-              <a:t>https://kyochonpwa.netlify.app</a:t>
-            </a:r>
-            <a:endParaRPr lang="ko-KR" altLang="en-US" dirty="0"/>
-          </a:p>
-        </p:txBody>
-      </p:sp>
+      <p:cxnSp>
+        <p:nvCxnSpPr>
+          <p:cNvPr id="27" name="직선 화살표 연결선 26"/>
+          <p:cNvCxnSpPr>
+            <a:endCxn id="2" idx="1"/>
+          </p:cNvCxnSpPr>
+          <p:nvPr/>
+        </p:nvCxnSpPr>
+        <p:spPr>
+          <a:xfrm>
+            <a:off x="5081588" y="2244848"/>
+            <a:ext cx="498656" cy="0"/>
+          </a:xfrm>
+          <a:prstGeom prst="straightConnector1">
+            <a:avLst/>
+          </a:prstGeom>
+          <a:ln w="38100">
+            <a:solidFill>
+              <a:srgbClr val="FF0000"/>
+            </a:solidFill>
+            <a:tailEnd type="triangle"/>
+          </a:ln>
+        </p:spPr>
+        <p:style>
+          <a:lnRef idx="1">
+            <a:schemeClr val="accent1"/>
+          </a:lnRef>
+          <a:fillRef idx="0">
+            <a:schemeClr val="accent1"/>
+          </a:fillRef>
+          <a:effectRef idx="0">
+            <a:schemeClr val="accent1"/>
+          </a:effectRef>
+          <a:fontRef idx="minor">
+            <a:schemeClr val="tx1"/>
+          </a:fontRef>
+        </p:style>
+      </p:cxnSp>
+      <p:cxnSp>
+        <p:nvCxnSpPr>
+          <p:cNvPr id="28" name="직선 화살표 연결선 27"/>
+          <p:cNvCxnSpPr/>
+          <p:nvPr/>
+        </p:nvCxnSpPr>
+        <p:spPr>
+          <a:xfrm>
+            <a:off x="5195562" y="6283448"/>
+            <a:ext cx="498656" cy="0"/>
+          </a:xfrm>
+          <a:prstGeom prst="straightConnector1">
+            <a:avLst/>
+          </a:prstGeom>
+          <a:ln w="38100">
+            <a:solidFill>
+              <a:srgbClr val="FF0000"/>
+            </a:solidFill>
+            <a:tailEnd type="triangle"/>
+          </a:ln>
+        </p:spPr>
+        <p:style>
+          <a:lnRef idx="1">
+            <a:schemeClr val="accent1"/>
+          </a:lnRef>
+          <a:fillRef idx="0">
+            <a:schemeClr val="accent1"/>
+          </a:fillRef>
+          <a:effectRef idx="0">
+            <a:schemeClr val="accent1"/>
+          </a:effectRef>
+          <a:fontRef idx="minor">
+            <a:schemeClr val="tx1"/>
+          </a:fontRef>
+        </p:style>
+      </p:cxnSp>
+      <p:cxnSp>
+        <p:nvCxnSpPr>
+          <p:cNvPr id="30" name="직선 화살표 연결선 29"/>
+          <p:cNvCxnSpPr>
+            <a:endCxn id="24" idx="1"/>
+          </p:cNvCxnSpPr>
+          <p:nvPr/>
+        </p:nvCxnSpPr>
+        <p:spPr>
+          <a:xfrm>
+            <a:off x="5327872" y="4136502"/>
+            <a:ext cx="366346" cy="0"/>
+          </a:xfrm>
+          <a:prstGeom prst="straightConnector1">
+            <a:avLst/>
+          </a:prstGeom>
+          <a:ln w="38100">
+            <a:solidFill>
+              <a:srgbClr val="FF0000"/>
+            </a:solidFill>
+            <a:tailEnd type="triangle"/>
+          </a:ln>
+        </p:spPr>
+        <p:style>
+          <a:lnRef idx="1">
+            <a:schemeClr val="accent1"/>
+          </a:lnRef>
+          <a:fillRef idx="0">
+            <a:schemeClr val="accent1"/>
+          </a:fillRef>
+          <a:effectRef idx="0">
+            <a:schemeClr val="accent1"/>
+          </a:effectRef>
+          <a:fontRef idx="minor">
+            <a:schemeClr val="tx1"/>
+          </a:fontRef>
+        </p:style>
+      </p:cxnSp>
+      <p:cxnSp>
+        <p:nvCxnSpPr>
+          <p:cNvPr id="35" name="직선 연결선 34"/>
+          <p:cNvCxnSpPr/>
+          <p:nvPr/>
+        </p:nvCxnSpPr>
+        <p:spPr>
+          <a:xfrm>
+            <a:off x="5195562" y="2429514"/>
+            <a:ext cx="135354" cy="0"/>
+          </a:xfrm>
+          <a:prstGeom prst="line">
+            <a:avLst/>
+          </a:prstGeom>
+          <a:ln w="38100">
+            <a:solidFill>
+              <a:srgbClr val="FF0000"/>
+            </a:solidFill>
+          </a:ln>
+        </p:spPr>
+        <p:style>
+          <a:lnRef idx="1">
+            <a:schemeClr val="accent1"/>
+          </a:lnRef>
+          <a:fillRef idx="0">
+            <a:schemeClr val="accent1"/>
+          </a:fillRef>
+          <a:effectRef idx="0">
+            <a:schemeClr val="accent1"/>
+          </a:effectRef>
+          <a:fontRef idx="minor">
+            <a:schemeClr val="tx1"/>
+          </a:fontRef>
+        </p:style>
+      </p:cxnSp>
+      <p:cxnSp>
+        <p:nvCxnSpPr>
+          <p:cNvPr id="37" name="직선 연결선 36"/>
+          <p:cNvCxnSpPr/>
+          <p:nvPr/>
+        </p:nvCxnSpPr>
+        <p:spPr>
+          <a:xfrm>
+            <a:off x="5311866" y="2429514"/>
+            <a:ext cx="0" cy="3533136"/>
+          </a:xfrm>
+          <a:prstGeom prst="line">
+            <a:avLst/>
+          </a:prstGeom>
+          <a:ln w="38100">
+            <a:solidFill>
+              <a:srgbClr val="FF0000"/>
+            </a:solidFill>
+          </a:ln>
+        </p:spPr>
+        <p:style>
+          <a:lnRef idx="1">
+            <a:schemeClr val="accent1"/>
+          </a:lnRef>
+          <a:fillRef idx="0">
+            <a:schemeClr val="accent1"/>
+          </a:fillRef>
+          <a:effectRef idx="0">
+            <a:schemeClr val="accent1"/>
+          </a:effectRef>
+          <a:fontRef idx="minor">
+            <a:schemeClr val="tx1"/>
+          </a:fontRef>
+        </p:style>
+      </p:cxnSp>
+      <p:cxnSp>
+        <p:nvCxnSpPr>
+          <p:cNvPr id="38" name="직선 연결선 37"/>
+          <p:cNvCxnSpPr/>
+          <p:nvPr/>
+        </p:nvCxnSpPr>
+        <p:spPr>
+          <a:xfrm>
+            <a:off x="5201912" y="5966464"/>
+            <a:ext cx="135354" cy="0"/>
+          </a:xfrm>
+          <a:prstGeom prst="line">
+            <a:avLst/>
+          </a:prstGeom>
+          <a:ln w="38100">
+            <a:solidFill>
+              <a:srgbClr val="FF0000"/>
+            </a:solidFill>
+          </a:ln>
+        </p:spPr>
+        <p:style>
+          <a:lnRef idx="1">
+            <a:schemeClr val="accent1"/>
+          </a:lnRef>
+          <a:fillRef idx="0">
+            <a:schemeClr val="accent1"/>
+          </a:fillRef>
+          <a:effectRef idx="0">
+            <a:schemeClr val="accent1"/>
+          </a:effectRef>
+          <a:fontRef idx="minor">
+            <a:schemeClr val="tx1"/>
+          </a:fontRef>
+        </p:style>
+      </p:cxnSp>
     </p:spTree>
     <p:extLst>
       <p:ext uri="{BB962C8B-B14F-4D97-AF65-F5344CB8AC3E}">
-        <p14:creationId xmlns:p14="http://schemas.microsoft.com/office/powerpoint/2010/main" val="591787501"/>
+        <p14:creationId xmlns:p14="http://schemas.microsoft.com/office/powerpoint/2010/main" val="1395387646"/>
       </p:ext>
     </p:extLst>
   </p:cSld>
@@ -4746,7 +5686,7 @@
                   <a:schemeClr val="bg1"/>
                 </a:solidFill>
               </a:rPr>
-              <a:t>개요</a:t>
+              <a:t>화면</a:t>
             </a:r>
             <a:endParaRPr lang="ko-KR" altLang="en-US" sz="6000" b="1" dirty="0">
               <a:solidFill>
@@ -4756,16 +5696,48 @@
           </a:p>
         </p:txBody>
       </p:sp>
+      <p:sp>
+        <p:nvSpPr>
+          <p:cNvPr id="13" name="TextBox 12"/>
+          <p:cNvSpPr txBox="1"/>
+          <p:nvPr/>
+        </p:nvSpPr>
+        <p:spPr>
+          <a:xfrm>
+            <a:off x="332509" y="1029748"/>
+            <a:ext cx="3472617" cy="369332"/>
+          </a:xfrm>
+          <a:prstGeom prst="rect">
+            <a:avLst/>
+          </a:prstGeom>
+          <a:solidFill>
+            <a:schemeClr val="bg1"/>
+          </a:solidFill>
+        </p:spPr>
+        <p:txBody>
+          <a:bodyPr wrap="none" rtlCol="0">
+            <a:spAutoFit/>
+          </a:bodyPr>
+          <a:lstStyle/>
+          <a:p>
+            <a:r>
+              <a:rPr lang="en-US" altLang="ko-KR" dirty="0" smtClean="0"/>
+              <a:t>https://kyochonpwa.netlify.app</a:t>
+            </a:r>
+            <a:endParaRPr lang="ko-KR" altLang="en-US" dirty="0"/>
+          </a:p>
+        </p:txBody>
+      </p:sp>
       <p:pic>
         <p:nvPicPr>
-          <p:cNvPr id="2" name="그림 1"/>
+          <p:cNvPr id="4" name="그림 3"/>
           <p:cNvPicPr>
             <a:picLocks noChangeAspect="1"/>
           </p:cNvPicPr>
           <p:nvPr/>
         </p:nvPicPr>
         <p:blipFill>
-          <a:blip r:embed="rId2" cstate="print">
+          <a:blip r:embed="rId2">
             <a:extLst>
               <a:ext uri="{28A0092B-C50C-407E-A947-70E740481C1C}">
                 <a14:useLocalDpi xmlns:a14="http://schemas.microsoft.com/office/drawing/2010/main" val="0"/>
@@ -4778,8 +5750,8 @@
         </p:blipFill>
         <p:spPr>
           <a:xfrm>
-            <a:off x="706582" y="2730299"/>
-            <a:ext cx="4625035" cy="2536374"/>
+            <a:off x="2789053" y="2090090"/>
+            <a:ext cx="2181957" cy="4416003"/>
           </a:xfrm>
           <a:prstGeom prst="rect">
             <a:avLst/>
@@ -4791,16 +5763,170 @@
           </a:ln>
         </p:spPr>
       </p:pic>
+      <p:sp>
+        <p:nvSpPr>
+          <p:cNvPr id="2" name="직사각형 1"/>
+          <p:cNvSpPr/>
+          <p:nvPr/>
+        </p:nvSpPr>
+        <p:spPr>
+          <a:xfrm>
+            <a:off x="2789053" y="2090090"/>
+            <a:ext cx="287522" cy="309517"/>
+          </a:xfrm>
+          <a:prstGeom prst="rect">
+            <a:avLst/>
+          </a:prstGeom>
+          <a:noFill/>
+          <a:ln w="38100">
+            <a:solidFill>
+              <a:srgbClr val="FF0000"/>
+            </a:solidFill>
+          </a:ln>
+        </p:spPr>
+        <p:style>
+          <a:lnRef idx="2">
+            <a:schemeClr val="accent1">
+              <a:shade val="50000"/>
+            </a:schemeClr>
+          </a:lnRef>
+          <a:fillRef idx="1">
+            <a:schemeClr val="accent1"/>
+          </a:fillRef>
+          <a:effectRef idx="0">
+            <a:schemeClr val="accent1"/>
+          </a:effectRef>
+          <a:fontRef idx="minor">
+            <a:schemeClr val="lt1"/>
+          </a:fontRef>
+        </p:style>
+        <p:txBody>
+          <a:bodyPr rtlCol="0" anchor="ctr"/>
+          <a:lstStyle/>
+          <a:p>
+            <a:pPr algn="ctr"/>
+            <a:endParaRPr lang="ko-KR" altLang="en-US">
+              <a:noFill/>
+            </a:endParaRPr>
+          </a:p>
+        </p:txBody>
+      </p:sp>
+      <p:cxnSp>
+        <p:nvCxnSpPr>
+          <p:cNvPr id="11" name="직선 연결선 10"/>
+          <p:cNvCxnSpPr/>
+          <p:nvPr/>
+        </p:nvCxnSpPr>
+        <p:spPr>
+          <a:xfrm flipV="1">
+            <a:off x="2951018" y="1842655"/>
+            <a:ext cx="0" cy="247435"/>
+          </a:xfrm>
+          <a:prstGeom prst="line">
+            <a:avLst/>
+          </a:prstGeom>
+          <a:ln w="38100">
+            <a:solidFill>
+              <a:srgbClr val="FF0000"/>
+            </a:solidFill>
+          </a:ln>
+        </p:spPr>
+        <p:style>
+          <a:lnRef idx="1">
+            <a:schemeClr val="accent1"/>
+          </a:lnRef>
+          <a:fillRef idx="0">
+            <a:schemeClr val="accent1"/>
+          </a:fillRef>
+          <a:effectRef idx="0">
+            <a:schemeClr val="accent1"/>
+          </a:effectRef>
+          <a:fontRef idx="minor">
+            <a:schemeClr val="tx1"/>
+          </a:fontRef>
+        </p:style>
+      </p:cxnSp>
+      <p:cxnSp>
+        <p:nvCxnSpPr>
+          <p:cNvPr id="12" name="직선 연결선 11"/>
+          <p:cNvCxnSpPr/>
+          <p:nvPr/>
+        </p:nvCxnSpPr>
+        <p:spPr>
+          <a:xfrm>
+            <a:off x="2933700" y="1842655"/>
+            <a:ext cx="4602956" cy="0"/>
+          </a:xfrm>
+          <a:prstGeom prst="line">
+            <a:avLst/>
+          </a:prstGeom>
+          <a:ln w="38100">
+            <a:solidFill>
+              <a:srgbClr val="FF0000"/>
+            </a:solidFill>
+          </a:ln>
+        </p:spPr>
+        <p:style>
+          <a:lnRef idx="1">
+            <a:schemeClr val="accent1"/>
+          </a:lnRef>
+          <a:fillRef idx="0">
+            <a:schemeClr val="accent1"/>
+          </a:fillRef>
+          <a:effectRef idx="0">
+            <a:schemeClr val="accent1"/>
+          </a:effectRef>
+          <a:fontRef idx="minor">
+            <a:schemeClr val="tx1"/>
+          </a:fontRef>
+        </p:style>
+      </p:cxnSp>
+      <p:cxnSp>
+        <p:nvCxnSpPr>
+          <p:cNvPr id="14" name="직선 화살표 연결선 13"/>
+          <p:cNvCxnSpPr/>
+          <p:nvPr/>
+        </p:nvCxnSpPr>
+        <p:spPr>
+          <a:xfrm>
+            <a:off x="7514705" y="1842655"/>
+            <a:ext cx="0" cy="247435"/>
+          </a:xfrm>
+          <a:prstGeom prst="straightConnector1">
+            <a:avLst/>
+          </a:prstGeom>
+          <a:ln w="38100">
+            <a:solidFill>
+              <a:srgbClr val="FF0000"/>
+            </a:solidFill>
+            <a:tailEnd type="triangle"/>
+          </a:ln>
+        </p:spPr>
+        <p:style>
+          <a:lnRef idx="1">
+            <a:schemeClr val="accent1"/>
+          </a:lnRef>
+          <a:fillRef idx="0">
+            <a:schemeClr val="accent1"/>
+          </a:fillRef>
+          <a:effectRef idx="0">
+            <a:schemeClr val="accent1"/>
+          </a:effectRef>
+          <a:fontRef idx="minor">
+            <a:schemeClr val="tx1"/>
+          </a:fontRef>
+        </p:style>
+      </p:cxnSp>
       <p:pic>
         <p:nvPicPr>
-          <p:cNvPr id="3" name="그림 2"/>
+          <p:cNvPr id="15" name="그림 14"/>
           <p:cNvPicPr>
             <a:picLocks noChangeAspect="1"/>
           </p:cNvPicPr>
           <p:nvPr/>
         </p:nvPicPr>
         <p:blipFill>
-          <a:blip r:embed="rId3" cstate="print">
+          <a:blip r:embed="rId3">
             <a:extLst>
               <a:ext uri="{28A0092B-C50C-407E-A947-70E740481C1C}">
                 <a14:useLocalDpi xmlns:a14="http://schemas.microsoft.com/office/drawing/2010/main" val="0"/>
@@ -4813,8 +5939,8 @@
         </p:blipFill>
         <p:spPr>
           <a:xfrm>
-            <a:off x="6792930" y="2730299"/>
-            <a:ext cx="4495754" cy="2536374"/>
+            <a:off x="6507724" y="2090090"/>
+            <a:ext cx="2167541" cy="4416003"/>
           </a:xfrm>
           <a:prstGeom prst="rect">
             <a:avLst/>
@@ -4826,202 +5952,10 @@
           </a:ln>
         </p:spPr>
       </p:pic>
-      <p:sp>
-        <p:nvSpPr>
-          <p:cNvPr id="4" name="TextBox 3"/>
-          <p:cNvSpPr txBox="1"/>
-          <p:nvPr/>
-        </p:nvSpPr>
-        <p:spPr>
-          <a:xfrm>
-            <a:off x="1262849" y="5637814"/>
-            <a:ext cx="3512500" cy="369332"/>
-          </a:xfrm>
-          <a:prstGeom prst="rect">
-            <a:avLst/>
-          </a:prstGeom>
-          <a:noFill/>
-        </p:spPr>
-        <p:txBody>
-          <a:bodyPr wrap="none" rtlCol="0">
-            <a:spAutoFit/>
-          </a:bodyPr>
-          <a:lstStyle/>
-          <a:p>
-            <a:r>
-              <a:rPr lang="ko-KR" altLang="en-US" dirty="0" smtClean="0"/>
-              <a:t>▲ </a:t>
-            </a:r>
-            <a:r>
-              <a:rPr lang="ko-KR" altLang="en-US" dirty="0" err="1" smtClean="0"/>
-              <a:t>교촌치킨</a:t>
-            </a:r>
-            <a:r>
-              <a:rPr lang="ko-KR" altLang="en-US" dirty="0" smtClean="0"/>
-              <a:t> 안드로이드 버전 앱</a:t>
-            </a:r>
-            <a:endParaRPr lang="ko-KR" altLang="en-US" dirty="0"/>
-          </a:p>
-        </p:txBody>
-      </p:sp>
-      <p:sp>
-        <p:nvSpPr>
-          <p:cNvPr id="13" name="TextBox 12"/>
-          <p:cNvSpPr txBox="1"/>
-          <p:nvPr/>
-        </p:nvSpPr>
-        <p:spPr>
-          <a:xfrm>
-            <a:off x="7417606" y="5637814"/>
-            <a:ext cx="3246402" cy="369332"/>
-          </a:xfrm>
-          <a:prstGeom prst="rect">
-            <a:avLst/>
-          </a:prstGeom>
-          <a:noFill/>
-        </p:spPr>
-        <p:txBody>
-          <a:bodyPr wrap="none" rtlCol="0">
-            <a:spAutoFit/>
-          </a:bodyPr>
-          <a:lstStyle/>
-          <a:p>
-            <a:r>
-              <a:rPr lang="ko-KR" altLang="en-US" dirty="0" smtClean="0"/>
-              <a:t>▲ </a:t>
-            </a:r>
-            <a:r>
-              <a:rPr lang="ko-KR" altLang="en-US" dirty="0" err="1" smtClean="0"/>
-              <a:t>교촌치킨</a:t>
-            </a:r>
-            <a:r>
-              <a:rPr lang="ko-KR" altLang="en-US" dirty="0" smtClean="0"/>
-              <a:t> </a:t>
-            </a:r>
-            <a:r>
-              <a:rPr lang="en-US" altLang="ko-KR" dirty="0" smtClean="0"/>
-              <a:t>PC</a:t>
-            </a:r>
-            <a:r>
-              <a:rPr lang="ko-KR" altLang="en-US" dirty="0" smtClean="0"/>
-              <a:t>버전 홈페이지</a:t>
-            </a:r>
-            <a:endParaRPr lang="ko-KR" altLang="en-US" dirty="0"/>
-          </a:p>
-        </p:txBody>
-      </p:sp>
-      <p:sp>
-        <p:nvSpPr>
-          <p:cNvPr id="6" name="십자형 5"/>
-          <p:cNvSpPr/>
-          <p:nvPr/>
-        </p:nvSpPr>
-        <p:spPr>
-          <a:xfrm>
-            <a:off x="5866924" y="3754528"/>
-            <a:ext cx="390699" cy="395352"/>
-          </a:xfrm>
-          <a:prstGeom prst="plus">
-            <a:avLst/>
-          </a:prstGeom>
-          <a:solidFill>
-            <a:srgbClr val="FF6600"/>
-          </a:solidFill>
-          <a:ln>
-            <a:noFill/>
-          </a:ln>
-        </p:spPr>
-        <p:style>
-          <a:lnRef idx="2">
-            <a:schemeClr val="accent1">
-              <a:shade val="50000"/>
-            </a:schemeClr>
-          </a:lnRef>
-          <a:fillRef idx="1">
-            <a:schemeClr val="accent1"/>
-          </a:fillRef>
-          <a:effectRef idx="0">
-            <a:schemeClr val="accent1"/>
-          </a:effectRef>
-          <a:fontRef idx="minor">
-            <a:schemeClr val="lt1"/>
-          </a:fontRef>
-        </p:style>
-        <p:txBody>
-          <a:bodyPr rtlCol="0" anchor="ctr"/>
-          <a:lstStyle/>
-          <a:p>
-            <a:pPr algn="ctr"/>
-            <a:endParaRPr lang="ko-KR" altLang="en-US"/>
-          </a:p>
-        </p:txBody>
-      </p:sp>
-      <p:pic>
-        <p:nvPicPr>
-          <p:cNvPr id="7" name="그림 6"/>
-          <p:cNvPicPr>
-            <a:picLocks noChangeAspect="1"/>
-          </p:cNvPicPr>
-          <p:nvPr/>
-        </p:nvPicPr>
-        <p:blipFill>
-          <a:blip r:embed="rId4" cstate="print">
-            <a:extLst>
-              <a:ext uri="{28A0092B-C50C-407E-A947-70E740481C1C}">
-                <a14:useLocalDpi xmlns:a14="http://schemas.microsoft.com/office/drawing/2010/main" val="0"/>
-              </a:ext>
-            </a:extLst>
-          </a:blip>
-          <a:stretch>
-            <a:fillRect/>
-          </a:stretch>
-        </p:blipFill>
-        <p:spPr>
-          <a:xfrm>
-            <a:off x="5390521" y="5569196"/>
-            <a:ext cx="1343503" cy="506567"/>
-          </a:xfrm>
-          <a:prstGeom prst="rect">
-            <a:avLst/>
-          </a:prstGeom>
-        </p:spPr>
-      </p:pic>
-      <p:sp>
-        <p:nvSpPr>
-          <p:cNvPr id="8" name="TextBox 7"/>
-          <p:cNvSpPr txBox="1"/>
-          <p:nvPr/>
-        </p:nvSpPr>
-        <p:spPr>
-          <a:xfrm>
-            <a:off x="332509" y="1029748"/>
-            <a:ext cx="3472617" cy="369332"/>
-          </a:xfrm>
-          <a:prstGeom prst="rect">
-            <a:avLst/>
-          </a:prstGeom>
-          <a:solidFill>
-            <a:schemeClr val="bg1"/>
-          </a:solidFill>
-        </p:spPr>
-        <p:txBody>
-          <a:bodyPr wrap="none" rtlCol="0">
-            <a:spAutoFit/>
-          </a:bodyPr>
-          <a:lstStyle/>
-          <a:p>
-            <a:r>
-              <a:rPr lang="en-US" altLang="ko-KR" dirty="0" smtClean="0"/>
-              <a:t>https://kyochonpwa.netlify.app</a:t>
-            </a:r>
-            <a:endParaRPr lang="ko-KR" altLang="en-US" dirty="0"/>
-          </a:p>
-        </p:txBody>
-      </p:sp>
     </p:spTree>
     <p:extLst>
       <p:ext uri="{BB962C8B-B14F-4D97-AF65-F5344CB8AC3E}">
-        <p14:creationId xmlns:p14="http://schemas.microsoft.com/office/powerpoint/2010/main" val="3426039971"/>
+        <p14:creationId xmlns:p14="http://schemas.microsoft.com/office/powerpoint/2010/main" val="1758901099"/>
       </p:ext>
     </p:extLst>
   </p:cSld>
@@ -5127,7 +6061,7 @@
       </p:sp>
       <p:pic>
         <p:nvPicPr>
-          <p:cNvPr id="20" name="그림 19"/>
+          <p:cNvPr id="4" name="그림 3"/>
           <p:cNvPicPr>
             <a:picLocks noChangeAspect="1"/>
           </p:cNvPicPr>
@@ -5147,7 +6081,7 @@
         </p:blipFill>
         <p:spPr>
           <a:xfrm>
-            <a:off x="2789053" y="2242490"/>
+            <a:off x="2789053" y="2090090"/>
             <a:ext cx="2181957" cy="4416003"/>
           </a:xfrm>
           <a:prstGeom prst="rect">
@@ -5162,14 +6096,14 @@
       </p:pic>
       <p:sp>
         <p:nvSpPr>
-          <p:cNvPr id="21" name="직사각형 20"/>
+          <p:cNvPr id="2" name="직사각형 1"/>
           <p:cNvSpPr/>
           <p:nvPr/>
         </p:nvSpPr>
         <p:spPr>
           <a:xfrm>
-            <a:off x="2789053" y="2242490"/>
-            <a:ext cx="2181957" cy="309517"/>
+            <a:off x="2789053" y="2090090"/>
+            <a:ext cx="287522" cy="309517"/>
           </a:xfrm>
           <a:prstGeom prst="rect">
             <a:avLst/>
@@ -5202,179 +6136,30 @@
           <a:lstStyle/>
           <a:p>
             <a:pPr algn="ctr"/>
-            <a:endParaRPr lang="ko-KR" altLang="en-US"/>
-          </a:p>
-        </p:txBody>
-      </p:sp>
-      <p:sp>
-        <p:nvSpPr>
-          <p:cNvPr id="22" name="직사각형 21"/>
-          <p:cNvSpPr/>
-          <p:nvPr/>
-        </p:nvSpPr>
-        <p:spPr>
-          <a:xfrm>
-            <a:off x="2789053" y="6185494"/>
-            <a:ext cx="2181957" cy="472999"/>
-          </a:xfrm>
-          <a:prstGeom prst="rect">
-            <a:avLst/>
-          </a:prstGeom>
-          <a:noFill/>
+            <a:endParaRPr lang="ko-KR" altLang="en-US">
+              <a:noFill/>
+            </a:endParaRPr>
+          </a:p>
+        </p:txBody>
+      </p:sp>
+      <p:cxnSp>
+        <p:nvCxnSpPr>
+          <p:cNvPr id="11" name="직선 연결선 10"/>
+          <p:cNvCxnSpPr/>
+          <p:nvPr/>
+        </p:nvCxnSpPr>
+        <p:spPr>
+          <a:xfrm flipV="1">
+            <a:off x="2951018" y="1842655"/>
+            <a:ext cx="0" cy="247435"/>
+          </a:xfrm>
+          <a:prstGeom prst="line">
+            <a:avLst/>
+          </a:prstGeom>
           <a:ln w="38100">
             <a:solidFill>
               <a:srgbClr val="FF0000"/>
             </a:solidFill>
-          </a:ln>
-        </p:spPr>
-        <p:style>
-          <a:lnRef idx="2">
-            <a:schemeClr val="accent1">
-              <a:shade val="50000"/>
-            </a:schemeClr>
-          </a:lnRef>
-          <a:fillRef idx="1">
-            <a:schemeClr val="accent1"/>
-          </a:fillRef>
-          <a:effectRef idx="0">
-            <a:schemeClr val="accent1"/>
-          </a:effectRef>
-          <a:fontRef idx="minor">
-            <a:schemeClr val="lt1"/>
-          </a:fontRef>
-        </p:style>
-        <p:txBody>
-          <a:bodyPr rtlCol="0" anchor="ctr"/>
-          <a:lstStyle/>
-          <a:p>
-            <a:pPr algn="ctr"/>
-            <a:endParaRPr lang="ko-KR" altLang="en-US"/>
-          </a:p>
-        </p:txBody>
-      </p:sp>
-      <p:sp>
-        <p:nvSpPr>
-          <p:cNvPr id="2" name="TextBox 1"/>
-          <p:cNvSpPr txBox="1"/>
-          <p:nvPr/>
-        </p:nvSpPr>
-        <p:spPr>
-          <a:xfrm>
-            <a:off x="5580244" y="2212582"/>
-            <a:ext cx="1483098" cy="369332"/>
-          </a:xfrm>
-          <a:prstGeom prst="rect">
-            <a:avLst/>
-          </a:prstGeom>
-          <a:noFill/>
-        </p:spPr>
-        <p:txBody>
-          <a:bodyPr wrap="none" rtlCol="0">
-            <a:spAutoFit/>
-          </a:bodyPr>
-          <a:lstStyle/>
-          <a:p>
-            <a:r>
-              <a:rPr lang="en-US" altLang="ko-KR" dirty="0" smtClean="0"/>
-              <a:t>Header </a:t>
-            </a:r>
-            <a:r>
-              <a:rPr lang="ko-KR" altLang="en-US" dirty="0" smtClean="0"/>
-              <a:t>영역</a:t>
-            </a:r>
-            <a:endParaRPr lang="ko-KR" altLang="en-US" dirty="0"/>
-          </a:p>
-        </p:txBody>
-      </p:sp>
-      <p:sp>
-        <p:nvSpPr>
-          <p:cNvPr id="23" name="TextBox 22"/>
-          <p:cNvSpPr txBox="1"/>
-          <p:nvPr/>
-        </p:nvSpPr>
-        <p:spPr>
-          <a:xfrm>
-            <a:off x="5694218" y="6237327"/>
-            <a:ext cx="1402628" cy="369332"/>
-          </a:xfrm>
-          <a:prstGeom prst="rect">
-            <a:avLst/>
-          </a:prstGeom>
-          <a:noFill/>
-        </p:spPr>
-        <p:txBody>
-          <a:bodyPr wrap="none" rtlCol="0">
-            <a:spAutoFit/>
-          </a:bodyPr>
-          <a:lstStyle/>
-          <a:p>
-            <a:r>
-              <a:rPr lang="en-US" altLang="ko-KR" dirty="0" smtClean="0"/>
-              <a:t>Footer </a:t>
-            </a:r>
-            <a:r>
-              <a:rPr lang="ko-KR" altLang="en-US" dirty="0" smtClean="0"/>
-              <a:t>영역</a:t>
-            </a:r>
-            <a:endParaRPr lang="ko-KR" altLang="en-US" dirty="0"/>
-          </a:p>
-        </p:txBody>
-      </p:sp>
-      <p:sp>
-        <p:nvSpPr>
-          <p:cNvPr id="24" name="TextBox 23"/>
-          <p:cNvSpPr txBox="1"/>
-          <p:nvPr/>
-        </p:nvSpPr>
-        <p:spPr>
-          <a:xfrm>
-            <a:off x="5694218" y="4104236"/>
-            <a:ext cx="1249060" cy="369332"/>
-          </a:xfrm>
-          <a:prstGeom prst="rect">
-            <a:avLst/>
-          </a:prstGeom>
-          <a:noFill/>
-        </p:spPr>
-        <p:txBody>
-          <a:bodyPr wrap="none" rtlCol="0">
-            <a:spAutoFit/>
-          </a:bodyPr>
-          <a:lstStyle/>
-          <a:p>
-            <a:r>
-              <a:rPr lang="en-US" altLang="ko-KR" dirty="0" smtClean="0"/>
-              <a:t>Main </a:t>
-            </a:r>
-            <a:r>
-              <a:rPr lang="ko-KR" altLang="en-US" dirty="0" smtClean="0"/>
-              <a:t>영역</a:t>
-            </a:r>
-            <a:endParaRPr lang="ko-KR" altLang="en-US" dirty="0"/>
-          </a:p>
-        </p:txBody>
-      </p:sp>
-      <p:cxnSp>
-        <p:nvCxnSpPr>
-          <p:cNvPr id="27" name="직선 화살표 연결선 26"/>
-          <p:cNvCxnSpPr>
-            <a:endCxn id="2" idx="1"/>
-          </p:cNvCxnSpPr>
-          <p:nvPr/>
-        </p:nvCxnSpPr>
-        <p:spPr>
-          <a:xfrm>
-            <a:off x="5081588" y="2397248"/>
-            <a:ext cx="498656" cy="0"/>
-          </a:xfrm>
-          <a:prstGeom prst="straightConnector1">
-            <a:avLst/>
-          </a:prstGeom>
-          <a:ln w="38100">
-            <a:solidFill>
-              <a:srgbClr val="FF0000"/>
-            </a:solidFill>
-            <a:tailEnd type="triangle"/>
           </a:ln>
         </p:spPr>
         <p:style>
@@ -5394,23 +6179,22 @@
       </p:cxnSp>
       <p:cxnSp>
         <p:nvCxnSpPr>
-          <p:cNvPr id="28" name="직선 화살표 연결선 27"/>
+          <p:cNvPr id="12" name="직선 연결선 11"/>
           <p:cNvCxnSpPr/>
           <p:nvPr/>
         </p:nvCxnSpPr>
         <p:spPr>
           <a:xfrm>
-            <a:off x="5195562" y="6435848"/>
-            <a:ext cx="498656" cy="0"/>
-          </a:xfrm>
-          <a:prstGeom prst="straightConnector1">
+            <a:off x="2933700" y="1842655"/>
+            <a:ext cx="4602956" cy="0"/>
+          </a:xfrm>
+          <a:prstGeom prst="line">
             <a:avLst/>
           </a:prstGeom>
           <a:ln w="38100">
             <a:solidFill>
               <a:srgbClr val="FF0000"/>
             </a:solidFill>
-            <a:tailEnd type="triangle"/>
           </a:ln>
         </p:spPr>
         <p:style>
@@ -5430,16 +6214,14 @@
       </p:cxnSp>
       <p:cxnSp>
         <p:nvCxnSpPr>
-          <p:cNvPr id="30" name="직선 화살표 연결선 29"/>
-          <p:cNvCxnSpPr>
-            <a:endCxn id="24" idx="1"/>
-          </p:cNvCxnSpPr>
+          <p:cNvPr id="14" name="직선 화살표 연결선 13"/>
+          <p:cNvCxnSpPr/>
           <p:nvPr/>
         </p:nvCxnSpPr>
         <p:spPr>
           <a:xfrm>
-            <a:off x="5327872" y="4288902"/>
-            <a:ext cx="366346" cy="0"/>
+            <a:off x="7514705" y="1842655"/>
+            <a:ext cx="0" cy="247435"/>
           </a:xfrm>
           <a:prstGeom prst="straightConnector1">
             <a:avLst/>
@@ -5466,24 +6248,155 @@
           </a:fontRef>
         </p:style>
       </p:cxnSp>
-      <p:cxnSp>
-        <p:nvCxnSpPr>
-          <p:cNvPr id="35" name="직선 연결선 34"/>
-          <p:cNvCxnSpPr/>
-          <p:nvPr/>
-        </p:nvCxnSpPr>
-        <p:spPr>
-          <a:xfrm>
-            <a:off x="5195562" y="2581914"/>
-            <a:ext cx="135354" cy="0"/>
-          </a:xfrm>
-          <a:prstGeom prst="line">
-            <a:avLst/>
-          </a:prstGeom>
+      <p:pic>
+        <p:nvPicPr>
+          <p:cNvPr id="15" name="그림 14"/>
+          <p:cNvPicPr>
+            <a:picLocks noChangeAspect="1"/>
+          </p:cNvPicPr>
+          <p:nvPr/>
+        </p:nvPicPr>
+        <p:blipFill>
+          <a:blip r:embed="rId3">
+            <a:extLst>
+              <a:ext uri="{28A0092B-C50C-407E-A947-70E740481C1C}">
+                <a14:useLocalDpi xmlns:a14="http://schemas.microsoft.com/office/drawing/2010/main" val="0"/>
+              </a:ext>
+            </a:extLst>
+          </a:blip>
+          <a:stretch>
+            <a:fillRect/>
+          </a:stretch>
+        </p:blipFill>
+        <p:spPr>
+          <a:xfrm>
+            <a:off x="6507724" y="2090090"/>
+            <a:ext cx="2167541" cy="4416003"/>
+          </a:xfrm>
+          <a:prstGeom prst="rect">
+            <a:avLst/>
+          </a:prstGeom>
+          <a:ln>
+            <a:solidFill>
+              <a:schemeClr val="tx1"/>
+            </a:solidFill>
+          </a:ln>
+        </p:spPr>
+      </p:pic>
+      <p:sp>
+        <p:nvSpPr>
+          <p:cNvPr id="10" name="직사각형 9"/>
+          <p:cNvSpPr/>
+          <p:nvPr/>
+        </p:nvSpPr>
+        <p:spPr>
+          <a:xfrm>
+            <a:off x="2789053" y="6033094"/>
+            <a:ext cx="2181957" cy="472999"/>
+          </a:xfrm>
+          <a:prstGeom prst="rect">
+            <a:avLst/>
+          </a:prstGeom>
+          <a:noFill/>
           <a:ln w="38100">
             <a:solidFill>
               <a:srgbClr val="FF0000"/>
             </a:solidFill>
+          </a:ln>
+        </p:spPr>
+        <p:style>
+          <a:lnRef idx="2">
+            <a:schemeClr val="accent1">
+              <a:shade val="50000"/>
+            </a:schemeClr>
+          </a:lnRef>
+          <a:fillRef idx="1">
+            <a:schemeClr val="accent1"/>
+          </a:fillRef>
+          <a:effectRef idx="0">
+            <a:schemeClr val="accent1"/>
+          </a:effectRef>
+          <a:fontRef idx="minor">
+            <a:schemeClr val="lt1"/>
+          </a:fontRef>
+        </p:style>
+        <p:txBody>
+          <a:bodyPr rtlCol="0" anchor="ctr"/>
+          <a:lstStyle/>
+          <a:p>
+            <a:pPr algn="ctr"/>
+            <a:endParaRPr lang="ko-KR" altLang="en-US"/>
+          </a:p>
+        </p:txBody>
+      </p:sp>
+      <p:sp>
+        <p:nvSpPr>
+          <p:cNvPr id="16" name="직사각형 15"/>
+          <p:cNvSpPr/>
+          <p:nvPr/>
+        </p:nvSpPr>
+        <p:spPr>
+          <a:xfrm>
+            <a:off x="6507724" y="4061591"/>
+            <a:ext cx="1613811" cy="1006402"/>
+          </a:xfrm>
+          <a:prstGeom prst="rect">
+            <a:avLst/>
+          </a:prstGeom>
+          <a:noFill/>
+          <a:ln w="38100">
+            <a:solidFill>
+              <a:srgbClr val="FF0000"/>
+            </a:solidFill>
+          </a:ln>
+        </p:spPr>
+        <p:style>
+          <a:lnRef idx="2">
+            <a:schemeClr val="accent1">
+              <a:shade val="50000"/>
+            </a:schemeClr>
+          </a:lnRef>
+          <a:fillRef idx="1">
+            <a:schemeClr val="accent1"/>
+          </a:fillRef>
+          <a:effectRef idx="0">
+            <a:schemeClr val="accent1"/>
+          </a:effectRef>
+          <a:fontRef idx="minor">
+            <a:schemeClr val="lt1"/>
+          </a:fontRef>
+        </p:style>
+        <p:txBody>
+          <a:bodyPr rtlCol="0" anchor="ctr"/>
+          <a:lstStyle/>
+          <a:p>
+            <a:pPr algn="ctr"/>
+            <a:endParaRPr lang="ko-KR" altLang="en-US"/>
+          </a:p>
+        </p:txBody>
+      </p:sp>
+      <p:cxnSp>
+        <p:nvCxnSpPr>
+          <p:cNvPr id="6" name="꺾인 연결선 5"/>
+          <p:cNvCxnSpPr>
+            <a:stCxn id="10" idx="3"/>
+            <a:endCxn id="16" idx="1"/>
+          </p:cNvCxnSpPr>
+          <p:nvPr/>
+        </p:nvCxnSpPr>
+        <p:spPr>
+          <a:xfrm flipV="1">
+            <a:off x="4971010" y="4564792"/>
+            <a:ext cx="1536714" cy="1704802"/>
+          </a:xfrm>
+          <a:prstGeom prst="bentConnector3">
+            <a:avLst/>
+          </a:prstGeom>
+          <a:ln w="38100">
+            <a:solidFill>
+              <a:srgbClr val="FF0000"/>
+            </a:solidFill>
+            <a:tailEnd type="triangle"/>
           </a:ln>
         </p:spPr>
         <p:style>
@@ -5501,20 +6414,21 @@
           </a:fontRef>
         </p:style>
       </p:cxnSp>
-      <p:cxnSp>
-        <p:nvCxnSpPr>
-          <p:cNvPr id="37" name="직선 연결선 36"/>
-          <p:cNvCxnSpPr/>
-          <p:nvPr/>
-        </p:nvCxnSpPr>
-        <p:spPr>
-          <a:xfrm>
-            <a:off x="5311866" y="2581914"/>
-            <a:ext cx="0" cy="3533136"/>
-          </a:xfrm>
-          <a:prstGeom prst="line">
-            <a:avLst/>
-          </a:prstGeom>
+      <p:sp>
+        <p:nvSpPr>
+          <p:cNvPr id="17" name="직사각형 16"/>
+          <p:cNvSpPr/>
+          <p:nvPr/>
+        </p:nvSpPr>
+        <p:spPr>
+          <a:xfrm>
+            <a:off x="6507724" y="2090090"/>
+            <a:ext cx="287522" cy="309517"/>
+          </a:xfrm>
+          <a:prstGeom prst="rect">
+            <a:avLst/>
+          </a:prstGeom>
+          <a:noFill/>
           <a:ln w="38100">
             <a:solidFill>
               <a:srgbClr val="FF0000"/>
@@ -5522,38 +6436,53 @@
           </a:ln>
         </p:spPr>
         <p:style>
-          <a:lnRef idx="1">
-            <a:schemeClr val="accent1"/>
+          <a:lnRef idx="2">
+            <a:schemeClr val="accent1">
+              <a:shade val="50000"/>
+            </a:schemeClr>
           </a:lnRef>
-          <a:fillRef idx="0">
+          <a:fillRef idx="1">
             <a:schemeClr val="accent1"/>
           </a:fillRef>
           <a:effectRef idx="0">
             <a:schemeClr val="accent1"/>
           </a:effectRef>
           <a:fontRef idx="minor">
-            <a:schemeClr val="tx1"/>
+            <a:schemeClr val="lt1"/>
           </a:fontRef>
         </p:style>
-      </p:cxnSp>
+        <p:txBody>
+          <a:bodyPr rtlCol="0" anchor="ctr"/>
+          <a:lstStyle/>
+          <a:p>
+            <a:pPr algn="ctr"/>
+            <a:endParaRPr lang="ko-KR" altLang="en-US">
+              <a:noFill/>
+            </a:endParaRPr>
+          </a:p>
+        </p:txBody>
+      </p:sp>
       <p:cxnSp>
         <p:nvCxnSpPr>
-          <p:cNvPr id="38" name="직선 연결선 37"/>
-          <p:cNvCxnSpPr/>
+          <p:cNvPr id="7" name="직선 화살표 연결선 6"/>
+          <p:cNvCxnSpPr>
+            <a:stCxn id="17" idx="1"/>
+          </p:cNvCxnSpPr>
           <p:nvPr/>
         </p:nvCxnSpPr>
         <p:spPr>
-          <a:xfrm>
-            <a:off x="5201912" y="6118864"/>
-            <a:ext cx="135354" cy="0"/>
-          </a:xfrm>
-          <a:prstGeom prst="line">
+          <a:xfrm flipH="1" flipV="1">
+            <a:off x="4971010" y="2244848"/>
+            <a:ext cx="1536714" cy="1"/>
+          </a:xfrm>
+          <a:prstGeom prst="straightConnector1">
             <a:avLst/>
           </a:prstGeom>
           <a:ln w="38100">
             <a:solidFill>
               <a:srgbClr val="FF0000"/>
             </a:solidFill>
+            <a:tailEnd type="triangle"/>
           </a:ln>
         </p:spPr>
         <p:style>
@@ -5574,7 +6503,7 @@
     </p:spTree>
     <p:extLst>
       <p:ext uri="{BB962C8B-B14F-4D97-AF65-F5344CB8AC3E}">
-        <p14:creationId xmlns:p14="http://schemas.microsoft.com/office/powerpoint/2010/main" val="1395387646"/>
+        <p14:creationId xmlns:p14="http://schemas.microsoft.com/office/powerpoint/2010/main" val="1100415294"/>
       </p:ext>
     </p:extLst>
   </p:cSld>
@@ -5680,7 +6609,7 @@
       </p:sp>
       <p:pic>
         <p:nvPicPr>
-          <p:cNvPr id="4" name="그림 3"/>
+          <p:cNvPr id="3" name="그림 2"/>
           <p:cNvPicPr>
             <a:picLocks noChangeAspect="1"/>
           </p:cNvPicPr>
@@ -5700,35 +6629,33 @@
         </p:blipFill>
         <p:spPr>
           <a:xfrm>
-            <a:off x="2789053" y="2242490"/>
-            <a:ext cx="2181957" cy="4416003"/>
-          </a:xfrm>
-          <a:prstGeom prst="rect">
-            <a:avLst/>
-          </a:prstGeom>
-          <a:ln>
-            <a:solidFill>
-              <a:schemeClr val="tx1"/>
-            </a:solidFill>
+            <a:off x="4771505" y="823834"/>
+            <a:ext cx="3581900" cy="781159"/>
+          </a:xfrm>
+          <a:prstGeom prst="rect">
+            <a:avLst/>
+          </a:prstGeom>
+          <a:ln w="76200">
+            <a:noFill/>
           </a:ln>
         </p:spPr>
       </p:pic>
       <p:sp>
         <p:nvSpPr>
-          <p:cNvPr id="2" name="직사각형 1"/>
+          <p:cNvPr id="4" name="직사각형 3"/>
           <p:cNvSpPr/>
           <p:nvPr/>
         </p:nvSpPr>
         <p:spPr>
           <a:xfrm>
-            <a:off x="2789053" y="2242490"/>
-            <a:ext cx="287522" cy="309517"/>
+            <a:off x="4771505" y="823834"/>
+            <a:ext cx="906088" cy="781159"/>
           </a:xfrm>
           <a:prstGeom prst="rect">
             <a:avLst/>
           </a:prstGeom>
           <a:noFill/>
-          <a:ln w="38100">
+          <a:ln w="76200">
             <a:solidFill>
               <a:srgbClr val="FF0000"/>
             </a:solidFill>
@@ -5755,121 +6682,13 @@
           <a:lstStyle/>
           <a:p>
             <a:pPr algn="ctr"/>
-            <a:endParaRPr lang="ko-KR" altLang="en-US">
-              <a:noFill/>
-            </a:endParaRPr>
-          </a:p>
-        </p:txBody>
-      </p:sp>
-      <p:cxnSp>
-        <p:nvCxnSpPr>
-          <p:cNvPr id="11" name="직선 연결선 10"/>
-          <p:cNvCxnSpPr/>
-          <p:nvPr/>
-        </p:nvCxnSpPr>
-        <p:spPr>
-          <a:xfrm flipV="1">
-            <a:off x="2951018" y="1995055"/>
-            <a:ext cx="0" cy="247435"/>
-          </a:xfrm>
-          <a:prstGeom prst="line">
-            <a:avLst/>
-          </a:prstGeom>
-          <a:ln w="38100">
-            <a:solidFill>
-              <a:srgbClr val="FF0000"/>
-            </a:solidFill>
-          </a:ln>
-        </p:spPr>
-        <p:style>
-          <a:lnRef idx="1">
-            <a:schemeClr val="accent1"/>
-          </a:lnRef>
-          <a:fillRef idx="0">
-            <a:schemeClr val="accent1"/>
-          </a:fillRef>
-          <a:effectRef idx="0">
-            <a:schemeClr val="accent1"/>
-          </a:effectRef>
-          <a:fontRef idx="minor">
-            <a:schemeClr val="tx1"/>
-          </a:fontRef>
-        </p:style>
-      </p:cxnSp>
-      <p:cxnSp>
-        <p:nvCxnSpPr>
-          <p:cNvPr id="12" name="직선 연결선 11"/>
-          <p:cNvCxnSpPr/>
-          <p:nvPr/>
-        </p:nvCxnSpPr>
-        <p:spPr>
-          <a:xfrm>
-            <a:off x="2933700" y="1995055"/>
-            <a:ext cx="4602956" cy="0"/>
-          </a:xfrm>
-          <a:prstGeom prst="line">
-            <a:avLst/>
-          </a:prstGeom>
-          <a:ln w="38100">
-            <a:solidFill>
-              <a:srgbClr val="FF0000"/>
-            </a:solidFill>
-          </a:ln>
-        </p:spPr>
-        <p:style>
-          <a:lnRef idx="1">
-            <a:schemeClr val="accent1"/>
-          </a:lnRef>
-          <a:fillRef idx="0">
-            <a:schemeClr val="accent1"/>
-          </a:fillRef>
-          <a:effectRef idx="0">
-            <a:schemeClr val="accent1"/>
-          </a:effectRef>
-          <a:fontRef idx="minor">
-            <a:schemeClr val="tx1"/>
-          </a:fontRef>
-        </p:style>
-      </p:cxnSp>
-      <p:cxnSp>
-        <p:nvCxnSpPr>
-          <p:cNvPr id="14" name="직선 화살표 연결선 13"/>
-          <p:cNvCxnSpPr/>
-          <p:nvPr/>
-        </p:nvCxnSpPr>
-        <p:spPr>
-          <a:xfrm>
-            <a:off x="7514705" y="1995055"/>
-            <a:ext cx="0" cy="247435"/>
-          </a:xfrm>
-          <a:prstGeom prst="straightConnector1">
-            <a:avLst/>
-          </a:prstGeom>
-          <a:ln w="38100">
-            <a:solidFill>
-              <a:srgbClr val="FF0000"/>
-            </a:solidFill>
-            <a:tailEnd type="triangle"/>
-          </a:ln>
-        </p:spPr>
-        <p:style>
-          <a:lnRef idx="1">
-            <a:schemeClr val="accent1"/>
-          </a:lnRef>
-          <a:fillRef idx="0">
-            <a:schemeClr val="accent1"/>
-          </a:fillRef>
-          <a:effectRef idx="0">
-            <a:schemeClr val="accent1"/>
-          </a:effectRef>
-          <a:fontRef idx="minor">
-            <a:schemeClr val="tx1"/>
-          </a:fontRef>
-        </p:style>
-      </p:cxnSp>
+            <a:endParaRPr lang="ko-KR" altLang="en-US"/>
+          </a:p>
+        </p:txBody>
+      </p:sp>
       <p:pic>
         <p:nvPicPr>
-          <p:cNvPr id="15" name="그림 14"/>
+          <p:cNvPr id="6" name="그림 5"/>
           <p:cNvPicPr>
             <a:picLocks noChangeAspect="1"/>
           </p:cNvPicPr>
@@ -5889,8 +6708,8 @@
         </p:blipFill>
         <p:spPr>
           <a:xfrm>
-            <a:off x="6507724" y="2242490"/>
-            <a:ext cx="2167541" cy="4416003"/>
+            <a:off x="646486" y="2044930"/>
+            <a:ext cx="2144487" cy="4305994"/>
           </a:xfrm>
           <a:prstGeom prst="rect">
             <a:avLst/>
@@ -5902,10 +6721,386 @@
           </a:ln>
         </p:spPr>
       </p:pic>
+      <p:pic>
+        <p:nvPicPr>
+          <p:cNvPr id="7" name="그림 6"/>
+          <p:cNvPicPr>
+            <a:picLocks noChangeAspect="1"/>
+          </p:cNvPicPr>
+          <p:nvPr/>
+        </p:nvPicPr>
+        <p:blipFill>
+          <a:blip r:embed="rId4">
+            <a:extLst>
+              <a:ext uri="{28A0092B-C50C-407E-A947-70E740481C1C}">
+                <a14:useLocalDpi xmlns:a14="http://schemas.microsoft.com/office/drawing/2010/main" val="0"/>
+              </a:ext>
+            </a:extLst>
+          </a:blip>
+          <a:stretch>
+            <a:fillRect/>
+          </a:stretch>
+        </p:blipFill>
+        <p:spPr>
+          <a:xfrm>
+            <a:off x="3032368" y="2044930"/>
+            <a:ext cx="2124743" cy="4305994"/>
+          </a:xfrm>
+          <a:prstGeom prst="rect">
+            <a:avLst/>
+          </a:prstGeom>
+          <a:ln>
+            <a:solidFill>
+              <a:schemeClr val="tx1"/>
+            </a:solidFill>
+          </a:ln>
+        </p:spPr>
+      </p:pic>
+      <p:pic>
+        <p:nvPicPr>
+          <p:cNvPr id="8" name="그림 7"/>
+          <p:cNvPicPr>
+            <a:picLocks noChangeAspect="1"/>
+          </p:cNvPicPr>
+          <p:nvPr/>
+        </p:nvPicPr>
+        <p:blipFill>
+          <a:blip r:embed="rId5">
+            <a:extLst>
+              <a:ext uri="{28A0092B-C50C-407E-A947-70E740481C1C}">
+                <a14:useLocalDpi xmlns:a14="http://schemas.microsoft.com/office/drawing/2010/main" val="0"/>
+              </a:ext>
+            </a:extLst>
+          </a:blip>
+          <a:stretch>
+            <a:fillRect/>
+          </a:stretch>
+        </p:blipFill>
+        <p:spPr>
+          <a:xfrm>
+            <a:off x="5398506" y="2044930"/>
+            <a:ext cx="2138889" cy="4305994"/>
+          </a:xfrm>
+          <a:prstGeom prst="rect">
+            <a:avLst/>
+          </a:prstGeom>
+          <a:ln>
+            <a:solidFill>
+              <a:schemeClr val="tx1"/>
+            </a:solidFill>
+          </a:ln>
+        </p:spPr>
+      </p:pic>
+      <p:sp>
+        <p:nvSpPr>
+          <p:cNvPr id="9" name="직사각형 8"/>
+          <p:cNvSpPr/>
+          <p:nvPr/>
+        </p:nvSpPr>
+        <p:spPr>
+          <a:xfrm>
+            <a:off x="646486" y="2286000"/>
+            <a:ext cx="2144487" cy="315884"/>
+          </a:xfrm>
+          <a:prstGeom prst="rect">
+            <a:avLst/>
+          </a:prstGeom>
+          <a:noFill/>
+          <a:ln w="38100">
+            <a:solidFill>
+              <a:srgbClr val="FF0000"/>
+            </a:solidFill>
+          </a:ln>
+        </p:spPr>
+        <p:style>
+          <a:lnRef idx="2">
+            <a:schemeClr val="accent1">
+              <a:shade val="50000"/>
+            </a:schemeClr>
+          </a:lnRef>
+          <a:fillRef idx="1">
+            <a:schemeClr val="accent1"/>
+          </a:fillRef>
+          <a:effectRef idx="0">
+            <a:schemeClr val="accent1"/>
+          </a:effectRef>
+          <a:fontRef idx="minor">
+            <a:schemeClr val="lt1"/>
+          </a:fontRef>
+        </p:style>
+        <p:txBody>
+          <a:bodyPr rtlCol="0" anchor="ctr"/>
+          <a:lstStyle/>
+          <a:p>
+            <a:pPr algn="ctr"/>
+            <a:endParaRPr lang="ko-KR" altLang="en-US"/>
+          </a:p>
+        </p:txBody>
+      </p:sp>
+      <p:sp>
+        <p:nvSpPr>
+          <p:cNvPr id="11" name="직사각형 10"/>
+          <p:cNvSpPr/>
+          <p:nvPr/>
+        </p:nvSpPr>
+        <p:spPr>
+          <a:xfrm>
+            <a:off x="3022495" y="2286000"/>
+            <a:ext cx="2144487" cy="315884"/>
+          </a:xfrm>
+          <a:prstGeom prst="rect">
+            <a:avLst/>
+          </a:prstGeom>
+          <a:noFill/>
+          <a:ln w="38100">
+            <a:solidFill>
+              <a:srgbClr val="FF0000"/>
+            </a:solidFill>
+          </a:ln>
+        </p:spPr>
+        <p:style>
+          <a:lnRef idx="2">
+            <a:schemeClr val="accent1">
+              <a:shade val="50000"/>
+            </a:schemeClr>
+          </a:lnRef>
+          <a:fillRef idx="1">
+            <a:schemeClr val="accent1"/>
+          </a:fillRef>
+          <a:effectRef idx="0">
+            <a:schemeClr val="accent1"/>
+          </a:effectRef>
+          <a:fontRef idx="minor">
+            <a:schemeClr val="lt1"/>
+          </a:fontRef>
+        </p:style>
+        <p:txBody>
+          <a:bodyPr rtlCol="0" anchor="ctr"/>
+          <a:lstStyle/>
+          <a:p>
+            <a:pPr algn="ctr"/>
+            <a:endParaRPr lang="ko-KR" altLang="en-US"/>
+          </a:p>
+        </p:txBody>
+      </p:sp>
+      <p:sp>
+        <p:nvSpPr>
+          <p:cNvPr id="12" name="직사각형 11"/>
+          <p:cNvSpPr/>
+          <p:nvPr/>
+        </p:nvSpPr>
+        <p:spPr>
+          <a:xfrm>
+            <a:off x="5388635" y="2286000"/>
+            <a:ext cx="2144487" cy="315884"/>
+          </a:xfrm>
+          <a:prstGeom prst="rect">
+            <a:avLst/>
+          </a:prstGeom>
+          <a:noFill/>
+          <a:ln w="38100">
+            <a:solidFill>
+              <a:srgbClr val="FF0000"/>
+            </a:solidFill>
+          </a:ln>
+        </p:spPr>
+        <p:style>
+          <a:lnRef idx="2">
+            <a:schemeClr val="accent1">
+              <a:shade val="50000"/>
+            </a:schemeClr>
+          </a:lnRef>
+          <a:fillRef idx="1">
+            <a:schemeClr val="accent1"/>
+          </a:fillRef>
+          <a:effectRef idx="0">
+            <a:schemeClr val="accent1"/>
+          </a:effectRef>
+          <a:fontRef idx="minor">
+            <a:schemeClr val="lt1"/>
+          </a:fontRef>
+        </p:style>
+        <p:txBody>
+          <a:bodyPr rtlCol="0" anchor="ctr"/>
+          <a:lstStyle/>
+          <a:p>
+            <a:pPr algn="ctr"/>
+            <a:endParaRPr lang="ko-KR" altLang="en-US"/>
+          </a:p>
+        </p:txBody>
+      </p:sp>
+      <p:pic>
+        <p:nvPicPr>
+          <p:cNvPr id="14" name="그림 13"/>
+          <p:cNvPicPr>
+            <a:picLocks noChangeAspect="1"/>
+          </p:cNvPicPr>
+          <p:nvPr/>
+        </p:nvPicPr>
+        <p:blipFill>
+          <a:blip r:embed="rId6">
+            <a:extLst>
+              <a:ext uri="{28A0092B-C50C-407E-A947-70E740481C1C}">
+                <a14:useLocalDpi xmlns:a14="http://schemas.microsoft.com/office/drawing/2010/main" val="0"/>
+              </a:ext>
+            </a:extLst>
+          </a:blip>
+          <a:stretch>
+            <a:fillRect/>
+          </a:stretch>
+        </p:blipFill>
+        <p:spPr>
+          <a:xfrm>
+            <a:off x="7911742" y="2554635"/>
+            <a:ext cx="3467584" cy="3286584"/>
+          </a:xfrm>
+          <a:prstGeom prst="rect">
+            <a:avLst/>
+          </a:prstGeom>
+        </p:spPr>
+      </p:pic>
+      <p:sp>
+        <p:nvSpPr>
+          <p:cNvPr id="16" name="직사각형 15"/>
+          <p:cNvSpPr/>
+          <p:nvPr/>
+        </p:nvSpPr>
+        <p:spPr>
+          <a:xfrm>
+            <a:off x="646486" y="2044930"/>
+            <a:ext cx="267914" cy="241070"/>
+          </a:xfrm>
+          <a:prstGeom prst="rect">
+            <a:avLst/>
+          </a:prstGeom>
+          <a:noFill/>
+          <a:ln w="38100">
+            <a:solidFill>
+              <a:srgbClr val="FF0000"/>
+            </a:solidFill>
+          </a:ln>
+        </p:spPr>
+        <p:style>
+          <a:lnRef idx="2">
+            <a:schemeClr val="accent1">
+              <a:shade val="50000"/>
+            </a:schemeClr>
+          </a:lnRef>
+          <a:fillRef idx="1">
+            <a:schemeClr val="accent1"/>
+          </a:fillRef>
+          <a:effectRef idx="0">
+            <a:schemeClr val="accent1"/>
+          </a:effectRef>
+          <a:fontRef idx="minor">
+            <a:schemeClr val="lt1"/>
+          </a:fontRef>
+        </p:style>
+        <p:txBody>
+          <a:bodyPr rtlCol="0" anchor="ctr"/>
+          <a:lstStyle/>
+          <a:p>
+            <a:pPr algn="ctr"/>
+            <a:endParaRPr lang="ko-KR" altLang="en-US"/>
+          </a:p>
+        </p:txBody>
+      </p:sp>
+      <p:sp>
+        <p:nvSpPr>
+          <p:cNvPr id="17" name="직사각형 16"/>
+          <p:cNvSpPr/>
+          <p:nvPr/>
+        </p:nvSpPr>
+        <p:spPr>
+          <a:xfrm>
+            <a:off x="3022495" y="2044930"/>
+            <a:ext cx="267914" cy="241070"/>
+          </a:xfrm>
+          <a:prstGeom prst="rect">
+            <a:avLst/>
+          </a:prstGeom>
+          <a:noFill/>
+          <a:ln w="38100">
+            <a:solidFill>
+              <a:srgbClr val="FF0000"/>
+            </a:solidFill>
+          </a:ln>
+        </p:spPr>
+        <p:style>
+          <a:lnRef idx="2">
+            <a:schemeClr val="accent1">
+              <a:shade val="50000"/>
+            </a:schemeClr>
+          </a:lnRef>
+          <a:fillRef idx="1">
+            <a:schemeClr val="accent1"/>
+          </a:fillRef>
+          <a:effectRef idx="0">
+            <a:schemeClr val="accent1"/>
+          </a:effectRef>
+          <a:fontRef idx="minor">
+            <a:schemeClr val="lt1"/>
+          </a:fontRef>
+        </p:style>
+        <p:txBody>
+          <a:bodyPr rtlCol="0" anchor="ctr"/>
+          <a:lstStyle/>
+          <a:p>
+            <a:pPr algn="ctr"/>
+            <a:endParaRPr lang="ko-KR" altLang="en-US"/>
+          </a:p>
+        </p:txBody>
+      </p:sp>
+      <p:sp>
+        <p:nvSpPr>
+          <p:cNvPr id="18" name="직사각형 17"/>
+          <p:cNvSpPr/>
+          <p:nvPr/>
+        </p:nvSpPr>
+        <p:spPr>
+          <a:xfrm>
+            <a:off x="5387077" y="2044930"/>
+            <a:ext cx="267914" cy="241070"/>
+          </a:xfrm>
+          <a:prstGeom prst="rect">
+            <a:avLst/>
+          </a:prstGeom>
+          <a:noFill/>
+          <a:ln w="38100">
+            <a:solidFill>
+              <a:srgbClr val="FF0000"/>
+            </a:solidFill>
+          </a:ln>
+        </p:spPr>
+        <p:style>
+          <a:lnRef idx="2">
+            <a:schemeClr val="accent1">
+              <a:shade val="50000"/>
+            </a:schemeClr>
+          </a:lnRef>
+          <a:fillRef idx="1">
+            <a:schemeClr val="accent1"/>
+          </a:fillRef>
+          <a:effectRef idx="0">
+            <a:schemeClr val="accent1"/>
+          </a:effectRef>
+          <a:fontRef idx="minor">
+            <a:schemeClr val="lt1"/>
+          </a:fontRef>
+        </p:style>
+        <p:txBody>
+          <a:bodyPr rtlCol="0" anchor="ctr"/>
+          <a:lstStyle/>
+          <a:p>
+            <a:pPr algn="ctr"/>
+            <a:endParaRPr lang="ko-KR" altLang="en-US"/>
+          </a:p>
+        </p:txBody>
+      </p:sp>
     </p:spTree>
     <p:extLst>
       <p:ext uri="{BB962C8B-B14F-4D97-AF65-F5344CB8AC3E}">
-        <p14:creationId xmlns:p14="http://schemas.microsoft.com/office/powerpoint/2010/main" val="1758901099"/>
+        <p14:creationId xmlns:p14="http://schemas.microsoft.com/office/powerpoint/2010/main" val="4187477116"/>
       </p:ext>
     </p:extLst>
   </p:cSld>
@@ -6011,7 +7206,7 @@
       </p:sp>
       <p:pic>
         <p:nvPicPr>
-          <p:cNvPr id="4" name="그림 3"/>
+          <p:cNvPr id="3" name="그림 2"/>
           <p:cNvPicPr>
             <a:picLocks noChangeAspect="1"/>
           </p:cNvPicPr>
@@ -6031,35 +7226,33 @@
         </p:blipFill>
         <p:spPr>
           <a:xfrm>
-            <a:off x="2789053" y="2242490"/>
-            <a:ext cx="2181957" cy="4416003"/>
-          </a:xfrm>
-          <a:prstGeom prst="rect">
-            <a:avLst/>
-          </a:prstGeom>
-          <a:ln>
-            <a:solidFill>
-              <a:schemeClr val="tx1"/>
-            </a:solidFill>
+            <a:off x="4771505" y="823834"/>
+            <a:ext cx="3581900" cy="781159"/>
+          </a:xfrm>
+          <a:prstGeom prst="rect">
+            <a:avLst/>
+          </a:prstGeom>
+          <a:ln w="76200">
+            <a:noFill/>
           </a:ln>
         </p:spPr>
       </p:pic>
       <p:sp>
         <p:nvSpPr>
-          <p:cNvPr id="2" name="직사각형 1"/>
+          <p:cNvPr id="4" name="직사각형 3"/>
           <p:cNvSpPr/>
           <p:nvPr/>
         </p:nvSpPr>
         <p:spPr>
           <a:xfrm>
-            <a:off x="2789053" y="2242490"/>
-            <a:ext cx="287522" cy="309517"/>
+            <a:off x="5656367" y="823833"/>
+            <a:ext cx="906088" cy="781159"/>
           </a:xfrm>
           <a:prstGeom prst="rect">
             <a:avLst/>
           </a:prstGeom>
           <a:noFill/>
-          <a:ln w="38100">
+          <a:ln w="76200">
             <a:solidFill>
               <a:srgbClr val="FF0000"/>
             </a:solidFill>
@@ -6086,121 +7279,13 @@
           <a:lstStyle/>
           <a:p>
             <a:pPr algn="ctr"/>
-            <a:endParaRPr lang="ko-KR" altLang="en-US">
-              <a:noFill/>
-            </a:endParaRPr>
-          </a:p>
-        </p:txBody>
-      </p:sp>
-      <p:cxnSp>
-        <p:nvCxnSpPr>
-          <p:cNvPr id="11" name="직선 연결선 10"/>
-          <p:cNvCxnSpPr/>
-          <p:nvPr/>
-        </p:nvCxnSpPr>
-        <p:spPr>
-          <a:xfrm flipV="1">
-            <a:off x="2951018" y="1995055"/>
-            <a:ext cx="0" cy="247435"/>
-          </a:xfrm>
-          <a:prstGeom prst="line">
-            <a:avLst/>
-          </a:prstGeom>
-          <a:ln w="38100">
-            <a:solidFill>
-              <a:srgbClr val="FF0000"/>
-            </a:solidFill>
-          </a:ln>
-        </p:spPr>
-        <p:style>
-          <a:lnRef idx="1">
-            <a:schemeClr val="accent1"/>
-          </a:lnRef>
-          <a:fillRef idx="0">
-            <a:schemeClr val="accent1"/>
-          </a:fillRef>
-          <a:effectRef idx="0">
-            <a:schemeClr val="accent1"/>
-          </a:effectRef>
-          <a:fontRef idx="minor">
-            <a:schemeClr val="tx1"/>
-          </a:fontRef>
-        </p:style>
-      </p:cxnSp>
-      <p:cxnSp>
-        <p:nvCxnSpPr>
-          <p:cNvPr id="12" name="직선 연결선 11"/>
-          <p:cNvCxnSpPr/>
-          <p:nvPr/>
-        </p:nvCxnSpPr>
-        <p:spPr>
-          <a:xfrm>
-            <a:off x="2933700" y="1995055"/>
-            <a:ext cx="4602956" cy="0"/>
-          </a:xfrm>
-          <a:prstGeom prst="line">
-            <a:avLst/>
-          </a:prstGeom>
-          <a:ln w="38100">
-            <a:solidFill>
-              <a:srgbClr val="FF0000"/>
-            </a:solidFill>
-          </a:ln>
-        </p:spPr>
-        <p:style>
-          <a:lnRef idx="1">
-            <a:schemeClr val="accent1"/>
-          </a:lnRef>
-          <a:fillRef idx="0">
-            <a:schemeClr val="accent1"/>
-          </a:fillRef>
-          <a:effectRef idx="0">
-            <a:schemeClr val="accent1"/>
-          </a:effectRef>
-          <a:fontRef idx="minor">
-            <a:schemeClr val="tx1"/>
-          </a:fontRef>
-        </p:style>
-      </p:cxnSp>
-      <p:cxnSp>
-        <p:nvCxnSpPr>
-          <p:cNvPr id="14" name="직선 화살표 연결선 13"/>
-          <p:cNvCxnSpPr/>
-          <p:nvPr/>
-        </p:nvCxnSpPr>
-        <p:spPr>
-          <a:xfrm>
-            <a:off x="7514705" y="1995055"/>
-            <a:ext cx="0" cy="247435"/>
-          </a:xfrm>
-          <a:prstGeom prst="straightConnector1">
-            <a:avLst/>
-          </a:prstGeom>
-          <a:ln w="38100">
-            <a:solidFill>
-              <a:srgbClr val="FF0000"/>
-            </a:solidFill>
-            <a:tailEnd type="triangle"/>
-          </a:ln>
-        </p:spPr>
-        <p:style>
-          <a:lnRef idx="1">
-            <a:schemeClr val="accent1"/>
-          </a:lnRef>
-          <a:fillRef idx="0">
-            <a:schemeClr val="accent1"/>
-          </a:fillRef>
-          <a:effectRef idx="0">
-            <a:schemeClr val="accent1"/>
-          </a:effectRef>
-          <a:fontRef idx="minor">
-            <a:schemeClr val="tx1"/>
-          </a:fontRef>
-        </p:style>
-      </p:cxnSp>
+            <a:endParaRPr lang="ko-KR" altLang="en-US"/>
+          </a:p>
+        </p:txBody>
+      </p:sp>
       <p:pic>
         <p:nvPicPr>
-          <p:cNvPr id="15" name="그림 14"/>
+          <p:cNvPr id="16" name="그림 15"/>
           <p:cNvPicPr>
             <a:picLocks noChangeAspect="1"/>
           </p:cNvPicPr>
@@ -6220,8 +7305,8 @@
         </p:blipFill>
         <p:spPr>
           <a:xfrm>
-            <a:off x="6507724" y="2242490"/>
-            <a:ext cx="2167541" cy="4416003"/>
+            <a:off x="635847" y="2039435"/>
+            <a:ext cx="2140684" cy="4361073"/>
           </a:xfrm>
           <a:prstGeom prst="rect">
             <a:avLst/>
@@ -6235,14 +7320,14 @@
       </p:pic>
       <p:sp>
         <p:nvSpPr>
-          <p:cNvPr id="10" name="직사각형 9"/>
+          <p:cNvPr id="17" name="직사각형 16"/>
           <p:cNvSpPr/>
           <p:nvPr/>
         </p:nvSpPr>
         <p:spPr>
           <a:xfrm>
-            <a:off x="2789053" y="6185494"/>
-            <a:ext cx="2181957" cy="472999"/>
+            <a:off x="632044" y="2280505"/>
+            <a:ext cx="2144487" cy="315884"/>
           </a:xfrm>
           <a:prstGeom prst="rect">
             <a:avLst/>
@@ -6281,14 +7366,14 @@
       </p:sp>
       <p:sp>
         <p:nvSpPr>
-          <p:cNvPr id="16" name="직사각형 15"/>
+          <p:cNvPr id="18" name="직사각형 17"/>
           <p:cNvSpPr/>
           <p:nvPr/>
         </p:nvSpPr>
         <p:spPr>
           <a:xfrm>
-            <a:off x="6507724" y="4213991"/>
-            <a:ext cx="1613811" cy="1006402"/>
+            <a:off x="632044" y="2039435"/>
+            <a:ext cx="267914" cy="241070"/>
           </a:xfrm>
           <a:prstGeom prst="rect">
             <a:avLst/>
@@ -6325,49 +7410,213 @@
           </a:p>
         </p:txBody>
       </p:sp>
-      <p:cxnSp>
-        <p:nvCxnSpPr>
-          <p:cNvPr id="6" name="꺾인 연결선 5"/>
-          <p:cNvCxnSpPr>
-            <a:stCxn id="10" idx="3"/>
-            <a:endCxn id="16" idx="1"/>
-          </p:cNvCxnSpPr>
-          <p:nvPr/>
-        </p:nvCxnSpPr>
-        <p:spPr>
-          <a:xfrm flipV="1">
-            <a:off x="4971010" y="4717192"/>
-            <a:ext cx="1536714" cy="1704802"/>
-          </a:xfrm>
-          <a:prstGeom prst="bentConnector3">
-            <a:avLst/>
-          </a:prstGeom>
+      <p:sp>
+        <p:nvSpPr>
+          <p:cNvPr id="19" name="직사각형 18"/>
+          <p:cNvSpPr/>
+          <p:nvPr/>
+        </p:nvSpPr>
+        <p:spPr>
+          <a:xfrm>
+            <a:off x="2356069" y="2644272"/>
+            <a:ext cx="254727" cy="241070"/>
+          </a:xfrm>
+          <a:prstGeom prst="rect">
+            <a:avLst/>
+          </a:prstGeom>
+          <a:noFill/>
           <a:ln w="38100">
             <a:solidFill>
               <a:srgbClr val="FF0000"/>
             </a:solidFill>
-            <a:tailEnd type="triangle"/>
           </a:ln>
         </p:spPr>
         <p:style>
-          <a:lnRef idx="1">
-            <a:schemeClr val="accent1"/>
+          <a:lnRef idx="2">
+            <a:schemeClr val="accent1">
+              <a:shade val="50000"/>
+            </a:schemeClr>
           </a:lnRef>
-          <a:fillRef idx="0">
+          <a:fillRef idx="1">
             <a:schemeClr val="accent1"/>
           </a:fillRef>
           <a:effectRef idx="0">
             <a:schemeClr val="accent1"/>
           </a:effectRef>
           <a:fontRef idx="minor">
-            <a:schemeClr val="tx1"/>
+            <a:schemeClr val="lt1"/>
           </a:fontRef>
         </p:style>
-      </p:cxnSp>
+        <p:txBody>
+          <a:bodyPr rtlCol="0" anchor="ctr"/>
+          <a:lstStyle/>
+          <a:p>
+            <a:pPr algn="ctr"/>
+            <a:endParaRPr lang="ko-KR" altLang="en-US"/>
+          </a:p>
+        </p:txBody>
+      </p:sp>
+      <p:pic>
+        <p:nvPicPr>
+          <p:cNvPr id="20" name="그림 19"/>
+          <p:cNvPicPr>
+            <a:picLocks noChangeAspect="1"/>
+          </p:cNvPicPr>
+          <p:nvPr/>
+        </p:nvPicPr>
+        <p:blipFill>
+          <a:blip r:embed="rId4">
+            <a:extLst>
+              <a:ext uri="{28A0092B-C50C-407E-A947-70E740481C1C}">
+                <a14:useLocalDpi xmlns:a14="http://schemas.microsoft.com/office/drawing/2010/main" val="0"/>
+              </a:ext>
+            </a:extLst>
+          </a:blip>
+          <a:stretch>
+            <a:fillRect/>
+          </a:stretch>
+        </p:blipFill>
+        <p:spPr>
+          <a:xfrm>
+            <a:off x="3020245" y="2039435"/>
+            <a:ext cx="2183409" cy="4361073"/>
+          </a:xfrm>
+          <a:prstGeom prst="rect">
+            <a:avLst/>
+          </a:prstGeom>
+          <a:ln>
+            <a:solidFill>
+              <a:schemeClr val="tx1"/>
+            </a:solidFill>
+          </a:ln>
+        </p:spPr>
+      </p:pic>
+      <p:sp>
+        <p:nvSpPr>
+          <p:cNvPr id="21" name="직사각형 20"/>
+          <p:cNvSpPr/>
+          <p:nvPr/>
+        </p:nvSpPr>
+        <p:spPr>
+          <a:xfrm>
+            <a:off x="3020245" y="2280505"/>
+            <a:ext cx="2183409" cy="315884"/>
+          </a:xfrm>
+          <a:prstGeom prst="rect">
+            <a:avLst/>
+          </a:prstGeom>
+          <a:noFill/>
+          <a:ln w="38100">
+            <a:solidFill>
+              <a:srgbClr val="FF0000"/>
+            </a:solidFill>
+          </a:ln>
+        </p:spPr>
+        <p:style>
+          <a:lnRef idx="2">
+            <a:schemeClr val="accent1">
+              <a:shade val="50000"/>
+            </a:schemeClr>
+          </a:lnRef>
+          <a:fillRef idx="1">
+            <a:schemeClr val="accent1"/>
+          </a:fillRef>
+          <a:effectRef idx="0">
+            <a:schemeClr val="accent1"/>
+          </a:effectRef>
+          <a:fontRef idx="minor">
+            <a:schemeClr val="lt1"/>
+          </a:fontRef>
+        </p:style>
+        <p:txBody>
+          <a:bodyPr rtlCol="0" anchor="ctr"/>
+          <a:lstStyle/>
+          <a:p>
+            <a:pPr algn="ctr"/>
+            <a:endParaRPr lang="ko-KR" altLang="en-US"/>
+          </a:p>
+        </p:txBody>
+      </p:sp>
+      <p:sp>
+        <p:nvSpPr>
+          <p:cNvPr id="22" name="직사각형 21"/>
+          <p:cNvSpPr/>
+          <p:nvPr/>
+        </p:nvSpPr>
+        <p:spPr>
+          <a:xfrm>
+            <a:off x="3020244" y="2039435"/>
+            <a:ext cx="272777" cy="241070"/>
+          </a:xfrm>
+          <a:prstGeom prst="rect">
+            <a:avLst/>
+          </a:prstGeom>
+          <a:noFill/>
+          <a:ln w="38100">
+            <a:solidFill>
+              <a:srgbClr val="FF0000"/>
+            </a:solidFill>
+          </a:ln>
+        </p:spPr>
+        <p:style>
+          <a:lnRef idx="2">
+            <a:schemeClr val="accent1">
+              <a:shade val="50000"/>
+            </a:schemeClr>
+          </a:lnRef>
+          <a:fillRef idx="1">
+            <a:schemeClr val="accent1"/>
+          </a:fillRef>
+          <a:effectRef idx="0">
+            <a:schemeClr val="accent1"/>
+          </a:effectRef>
+          <a:fontRef idx="minor">
+            <a:schemeClr val="lt1"/>
+          </a:fontRef>
+        </p:style>
+        <p:txBody>
+          <a:bodyPr rtlCol="0" anchor="ctr"/>
+          <a:lstStyle/>
+          <a:p>
+            <a:pPr algn="ctr"/>
+            <a:endParaRPr lang="ko-KR" altLang="en-US"/>
+          </a:p>
+        </p:txBody>
+      </p:sp>
+      <p:pic>
+        <p:nvPicPr>
+          <p:cNvPr id="12" name="그림 11"/>
+          <p:cNvPicPr>
+            <a:picLocks noChangeAspect="1"/>
+          </p:cNvPicPr>
+          <p:nvPr/>
+        </p:nvPicPr>
+        <p:blipFill>
+          <a:blip r:embed="rId5">
+            <a:extLst>
+              <a:ext uri="{28A0092B-C50C-407E-A947-70E740481C1C}">
+                <a14:useLocalDpi xmlns:a14="http://schemas.microsoft.com/office/drawing/2010/main" val="0"/>
+              </a:ext>
+            </a:extLst>
+          </a:blip>
+          <a:stretch>
+            <a:fillRect/>
+          </a:stretch>
+        </p:blipFill>
+        <p:spPr>
+          <a:xfrm>
+            <a:off x="7469097" y="2596389"/>
+            <a:ext cx="4229924" cy="2893433"/>
+          </a:xfrm>
+          <a:prstGeom prst="rect">
+            <a:avLst/>
+          </a:prstGeom>
+        </p:spPr>
+      </p:pic>
     </p:spTree>
     <p:extLst>
       <p:ext uri="{BB962C8B-B14F-4D97-AF65-F5344CB8AC3E}">
-        <p14:creationId xmlns:p14="http://schemas.microsoft.com/office/powerpoint/2010/main" val="1100415294"/>
+        <p14:creationId xmlns:p14="http://schemas.microsoft.com/office/powerpoint/2010/main" val="202199321"/>
       </p:ext>
     </p:extLst>
   </p:cSld>
@@ -6512,7 +7761,7 @@
         </p:nvSpPr>
         <p:spPr>
           <a:xfrm>
-            <a:off x="4771505" y="823834"/>
+            <a:off x="5656367" y="823833"/>
             <a:ext cx="906088" cy="781159"/>
           </a:xfrm>
           <a:prstGeom prst="rect">
@@ -6550,10 +7799,197 @@
           </a:p>
         </p:txBody>
       </p:sp>
+      <p:pic>
+        <p:nvPicPr>
+          <p:cNvPr id="16" name="그림 15"/>
+          <p:cNvPicPr>
+            <a:picLocks noChangeAspect="1"/>
+          </p:cNvPicPr>
+          <p:nvPr/>
+        </p:nvPicPr>
+        <p:blipFill>
+          <a:blip r:embed="rId3">
+            <a:extLst>
+              <a:ext uri="{28A0092B-C50C-407E-A947-70E740481C1C}">
+                <a14:useLocalDpi xmlns:a14="http://schemas.microsoft.com/office/drawing/2010/main" val="0"/>
+              </a:ext>
+            </a:extLst>
+          </a:blip>
+          <a:stretch>
+            <a:fillRect/>
+          </a:stretch>
+        </p:blipFill>
+        <p:spPr>
+          <a:xfrm>
+            <a:off x="593121" y="2039435"/>
+            <a:ext cx="2183410" cy="4378311"/>
+          </a:xfrm>
+          <a:prstGeom prst="rect">
+            <a:avLst/>
+          </a:prstGeom>
+          <a:ln>
+            <a:solidFill>
+              <a:schemeClr val="tx1"/>
+            </a:solidFill>
+          </a:ln>
+        </p:spPr>
+      </p:pic>
+      <p:sp>
+        <p:nvSpPr>
+          <p:cNvPr id="17" name="직사각형 16"/>
+          <p:cNvSpPr/>
+          <p:nvPr/>
+        </p:nvSpPr>
+        <p:spPr>
+          <a:xfrm>
+            <a:off x="593122" y="2280505"/>
+            <a:ext cx="2183409" cy="315884"/>
+          </a:xfrm>
+          <a:prstGeom prst="rect">
+            <a:avLst/>
+          </a:prstGeom>
+          <a:noFill/>
+          <a:ln w="38100">
+            <a:solidFill>
+              <a:srgbClr val="FF0000"/>
+            </a:solidFill>
+          </a:ln>
+        </p:spPr>
+        <p:style>
+          <a:lnRef idx="2">
+            <a:schemeClr val="accent1">
+              <a:shade val="50000"/>
+            </a:schemeClr>
+          </a:lnRef>
+          <a:fillRef idx="1">
+            <a:schemeClr val="accent1"/>
+          </a:fillRef>
+          <a:effectRef idx="0">
+            <a:schemeClr val="accent1"/>
+          </a:effectRef>
+          <a:fontRef idx="minor">
+            <a:schemeClr val="lt1"/>
+          </a:fontRef>
+        </p:style>
+        <p:txBody>
+          <a:bodyPr rtlCol="0" anchor="ctr"/>
+          <a:lstStyle/>
+          <a:p>
+            <a:pPr algn="ctr"/>
+            <a:endParaRPr lang="ko-KR" altLang="en-US"/>
+          </a:p>
+        </p:txBody>
+      </p:sp>
+      <p:sp>
+        <p:nvSpPr>
+          <p:cNvPr id="18" name="직사각형 17"/>
+          <p:cNvSpPr/>
+          <p:nvPr/>
+        </p:nvSpPr>
+        <p:spPr>
+          <a:xfrm>
+            <a:off x="593121" y="2039435"/>
+            <a:ext cx="272777" cy="241070"/>
+          </a:xfrm>
+          <a:prstGeom prst="rect">
+            <a:avLst/>
+          </a:prstGeom>
+          <a:noFill/>
+          <a:ln w="38100">
+            <a:solidFill>
+              <a:srgbClr val="FF0000"/>
+            </a:solidFill>
+          </a:ln>
+        </p:spPr>
+        <p:style>
+          <a:lnRef idx="2">
+            <a:schemeClr val="accent1">
+              <a:shade val="50000"/>
+            </a:schemeClr>
+          </a:lnRef>
+          <a:fillRef idx="1">
+            <a:schemeClr val="accent1"/>
+          </a:fillRef>
+          <a:effectRef idx="0">
+            <a:schemeClr val="accent1"/>
+          </a:effectRef>
+          <a:fontRef idx="minor">
+            <a:schemeClr val="lt1"/>
+          </a:fontRef>
+        </p:style>
+        <p:txBody>
+          <a:bodyPr rtlCol="0" anchor="ctr"/>
+          <a:lstStyle/>
+          <a:p>
+            <a:pPr algn="ctr"/>
+            <a:endParaRPr lang="ko-KR" altLang="en-US"/>
+          </a:p>
+        </p:txBody>
+      </p:sp>
+      <p:pic>
+        <p:nvPicPr>
+          <p:cNvPr id="6" name="그림 5"/>
+          <p:cNvPicPr>
+            <a:picLocks noChangeAspect="1"/>
+          </p:cNvPicPr>
+          <p:nvPr/>
+        </p:nvPicPr>
+        <p:blipFill>
+          <a:blip r:embed="rId4">
+            <a:extLst>
+              <a:ext uri="{28A0092B-C50C-407E-A947-70E740481C1C}">
+                <a14:useLocalDpi xmlns:a14="http://schemas.microsoft.com/office/drawing/2010/main" val="0"/>
+              </a:ext>
+            </a:extLst>
+          </a:blip>
+          <a:stretch>
+            <a:fillRect/>
+          </a:stretch>
+        </p:blipFill>
+        <p:spPr>
+          <a:xfrm>
+            <a:off x="3651961" y="2039435"/>
+            <a:ext cx="2457450" cy="1857375"/>
+          </a:xfrm>
+          <a:prstGeom prst="rect">
+            <a:avLst/>
+          </a:prstGeom>
+        </p:spPr>
+      </p:pic>
+      <p:pic>
+        <p:nvPicPr>
+          <p:cNvPr id="7" name="그림 6"/>
+          <p:cNvPicPr>
+            <a:picLocks noChangeAspect="1"/>
+          </p:cNvPicPr>
+          <p:nvPr/>
+        </p:nvPicPr>
+        <p:blipFill>
+          <a:blip r:embed="rId5">
+            <a:extLst>
+              <a:ext uri="{28A0092B-C50C-407E-A947-70E740481C1C}">
+                <a14:useLocalDpi xmlns:a14="http://schemas.microsoft.com/office/drawing/2010/main" val="0"/>
+              </a:ext>
+            </a:extLst>
+          </a:blip>
+          <a:stretch>
+            <a:fillRect/>
+          </a:stretch>
+        </p:blipFill>
+        <p:spPr>
+          <a:xfrm>
+            <a:off x="3651961" y="4179059"/>
+            <a:ext cx="6458851" cy="2238687"/>
+          </a:xfrm>
+          <a:prstGeom prst="rect">
+            <a:avLst/>
+          </a:prstGeom>
+        </p:spPr>
+      </p:pic>
     </p:spTree>
     <p:extLst>
       <p:ext uri="{BB962C8B-B14F-4D97-AF65-F5344CB8AC3E}">
-        <p14:creationId xmlns:p14="http://schemas.microsoft.com/office/powerpoint/2010/main" val="4187477116"/>
+        <p14:creationId xmlns:p14="http://schemas.microsoft.com/office/powerpoint/2010/main" val="3688909295"/>
       </p:ext>
     </p:extLst>
   </p:cSld>

--- a/kyochon.pptx
+++ b/kyochon.pptx
@@ -5,7 +5,7 @@
     <p:sldMasterId id="2147483648" r:id="rId1"/>
   </p:sldMasterIdLst>
   <p:notesMasterIdLst>
-    <p:notesMasterId r:id="rId14"/>
+    <p:notesMasterId r:id="rId17"/>
   </p:notesMasterIdLst>
   <p:sldIdLst>
     <p:sldId id="256" r:id="rId2"/>
@@ -15,11 +15,14 @@
     <p:sldId id="267" r:id="rId6"/>
     <p:sldId id="269" r:id="rId7"/>
     <p:sldId id="268" r:id="rId8"/>
-    <p:sldId id="271" r:id="rId9"/>
-    <p:sldId id="274" r:id="rId10"/>
-    <p:sldId id="270" r:id="rId11"/>
-    <p:sldId id="272" r:id="rId12"/>
-    <p:sldId id="275" r:id="rId13"/>
+    <p:sldId id="276" r:id="rId9"/>
+    <p:sldId id="277" r:id="rId10"/>
+    <p:sldId id="271" r:id="rId11"/>
+    <p:sldId id="278" r:id="rId12"/>
+    <p:sldId id="274" r:id="rId13"/>
+    <p:sldId id="279" r:id="rId14"/>
+    <p:sldId id="272" r:id="rId15"/>
+    <p:sldId id="275" r:id="rId16"/>
   </p:sldIdLst>
   <p:sldSz cx="12192000" cy="6858000"/>
   <p:notesSz cx="6858000" cy="9144000"/>
@@ -3621,7 +3624,7 @@
         </p:nvSpPr>
         <p:spPr>
           <a:xfrm>
-            <a:off x="6562455" y="806178"/>
+            <a:off x="5656367" y="823833"/>
             <a:ext cx="906088" cy="781159"/>
           </a:xfrm>
           <a:prstGeom prst="rect">
@@ -3661,7 +3664,7 @@
       </p:sp>
       <p:pic>
         <p:nvPicPr>
-          <p:cNvPr id="9" name="그림 8"/>
+          <p:cNvPr id="16" name="그림 15"/>
           <p:cNvPicPr>
             <a:picLocks noChangeAspect="1"/>
           </p:cNvPicPr>
@@ -3681,17 +3684,160 @@
         </p:blipFill>
         <p:spPr>
           <a:xfrm>
-            <a:off x="7911034" y="2580409"/>
-            <a:ext cx="3328465" cy="3296110"/>
-          </a:xfrm>
-          <a:prstGeom prst="rect">
-            <a:avLst/>
-          </a:prstGeom>
+            <a:off x="635847" y="2039435"/>
+            <a:ext cx="2140684" cy="4361073"/>
+          </a:xfrm>
+          <a:prstGeom prst="rect">
+            <a:avLst/>
+          </a:prstGeom>
+          <a:ln>
+            <a:solidFill>
+              <a:schemeClr val="tx1"/>
+            </a:solidFill>
+          </a:ln>
         </p:spPr>
       </p:pic>
+      <p:sp>
+        <p:nvSpPr>
+          <p:cNvPr id="17" name="직사각형 16"/>
+          <p:cNvSpPr/>
+          <p:nvPr/>
+        </p:nvSpPr>
+        <p:spPr>
+          <a:xfrm>
+            <a:off x="632044" y="2280505"/>
+            <a:ext cx="2144487" cy="315884"/>
+          </a:xfrm>
+          <a:prstGeom prst="rect">
+            <a:avLst/>
+          </a:prstGeom>
+          <a:noFill/>
+          <a:ln w="38100">
+            <a:solidFill>
+              <a:srgbClr val="FF0000"/>
+            </a:solidFill>
+          </a:ln>
+        </p:spPr>
+        <p:style>
+          <a:lnRef idx="2">
+            <a:schemeClr val="accent1">
+              <a:shade val="50000"/>
+            </a:schemeClr>
+          </a:lnRef>
+          <a:fillRef idx="1">
+            <a:schemeClr val="accent1"/>
+          </a:fillRef>
+          <a:effectRef idx="0">
+            <a:schemeClr val="accent1"/>
+          </a:effectRef>
+          <a:fontRef idx="minor">
+            <a:schemeClr val="lt1"/>
+          </a:fontRef>
+        </p:style>
+        <p:txBody>
+          <a:bodyPr rtlCol="0" anchor="ctr"/>
+          <a:lstStyle/>
+          <a:p>
+            <a:pPr algn="ctr"/>
+            <a:endParaRPr lang="ko-KR" altLang="en-US"/>
+          </a:p>
+        </p:txBody>
+      </p:sp>
+      <p:sp>
+        <p:nvSpPr>
+          <p:cNvPr id="18" name="직사각형 17"/>
+          <p:cNvSpPr/>
+          <p:nvPr/>
+        </p:nvSpPr>
+        <p:spPr>
+          <a:xfrm>
+            <a:off x="632044" y="2039435"/>
+            <a:ext cx="267914" cy="241070"/>
+          </a:xfrm>
+          <a:prstGeom prst="rect">
+            <a:avLst/>
+          </a:prstGeom>
+          <a:noFill/>
+          <a:ln w="38100">
+            <a:solidFill>
+              <a:srgbClr val="FF0000"/>
+            </a:solidFill>
+          </a:ln>
+        </p:spPr>
+        <p:style>
+          <a:lnRef idx="2">
+            <a:schemeClr val="accent1">
+              <a:shade val="50000"/>
+            </a:schemeClr>
+          </a:lnRef>
+          <a:fillRef idx="1">
+            <a:schemeClr val="accent1"/>
+          </a:fillRef>
+          <a:effectRef idx="0">
+            <a:schemeClr val="accent1"/>
+          </a:effectRef>
+          <a:fontRef idx="minor">
+            <a:schemeClr val="lt1"/>
+          </a:fontRef>
+        </p:style>
+        <p:txBody>
+          <a:bodyPr rtlCol="0" anchor="ctr"/>
+          <a:lstStyle/>
+          <a:p>
+            <a:pPr algn="ctr"/>
+            <a:endParaRPr lang="ko-KR" altLang="en-US"/>
+          </a:p>
+        </p:txBody>
+      </p:sp>
+      <p:sp>
+        <p:nvSpPr>
+          <p:cNvPr id="19" name="직사각형 18"/>
+          <p:cNvSpPr/>
+          <p:nvPr/>
+        </p:nvSpPr>
+        <p:spPr>
+          <a:xfrm>
+            <a:off x="2356069" y="2644272"/>
+            <a:ext cx="254727" cy="241070"/>
+          </a:xfrm>
+          <a:prstGeom prst="rect">
+            <a:avLst/>
+          </a:prstGeom>
+          <a:noFill/>
+          <a:ln w="38100">
+            <a:solidFill>
+              <a:srgbClr val="FF0000"/>
+            </a:solidFill>
+          </a:ln>
+        </p:spPr>
+        <p:style>
+          <a:lnRef idx="2">
+            <a:schemeClr val="accent1">
+              <a:shade val="50000"/>
+            </a:schemeClr>
+          </a:lnRef>
+          <a:fillRef idx="1">
+            <a:schemeClr val="accent1"/>
+          </a:fillRef>
+          <a:effectRef idx="0">
+            <a:schemeClr val="accent1"/>
+          </a:effectRef>
+          <a:fontRef idx="minor">
+            <a:schemeClr val="lt1"/>
+          </a:fontRef>
+        </p:style>
+        <p:txBody>
+          <a:bodyPr rtlCol="0" anchor="ctr"/>
+          <a:lstStyle/>
+          <a:p>
+            <a:pPr algn="ctr"/>
+            <a:endParaRPr lang="ko-KR" altLang="en-US"/>
+          </a:p>
+        </p:txBody>
+      </p:sp>
       <p:pic>
         <p:nvPicPr>
-          <p:cNvPr id="16" name="그림 15"/>
+          <p:cNvPr id="12" name="그림 11"/>
           <p:cNvPicPr>
             <a:picLocks noChangeAspect="1"/>
           </p:cNvPicPr>
@@ -3711,242 +3857,18 @@
         </p:blipFill>
         <p:spPr>
           <a:xfrm>
-            <a:off x="642213" y="2044930"/>
-            <a:ext cx="2134614" cy="4320052"/>
-          </a:xfrm>
-          <a:prstGeom prst="rect">
-            <a:avLst/>
-          </a:prstGeom>
-          <a:ln>
-            <a:solidFill>
-              <a:schemeClr val="tx1"/>
-            </a:solidFill>
-          </a:ln>
+            <a:off x="7469097" y="2596389"/>
+            <a:ext cx="4229924" cy="2893433"/>
+          </a:xfrm>
+          <a:prstGeom prst="rect">
+            <a:avLst/>
+          </a:prstGeom>
         </p:spPr>
       </p:pic>
-      <p:pic>
-        <p:nvPicPr>
-          <p:cNvPr id="17" name="그림 16"/>
-          <p:cNvPicPr>
-            <a:picLocks noChangeAspect="1"/>
-          </p:cNvPicPr>
-          <p:nvPr/>
-        </p:nvPicPr>
-        <p:blipFill>
-          <a:blip r:embed="rId5">
-            <a:extLst>
-              <a:ext uri="{28A0092B-C50C-407E-A947-70E740481C1C}">
-                <a14:useLocalDpi xmlns:a14="http://schemas.microsoft.com/office/drawing/2010/main" val="0"/>
-              </a:ext>
-            </a:extLst>
-          </a:blip>
-          <a:stretch>
-            <a:fillRect/>
-          </a:stretch>
-        </p:blipFill>
-        <p:spPr>
-          <a:xfrm>
-            <a:off x="3024365" y="2044930"/>
-            <a:ext cx="2098311" cy="4320052"/>
-          </a:xfrm>
-          <a:prstGeom prst="rect">
-            <a:avLst/>
-          </a:prstGeom>
-          <a:ln>
-            <a:solidFill>
-              <a:schemeClr val="tx1"/>
-            </a:solidFill>
-          </a:ln>
-        </p:spPr>
-      </p:pic>
-      <p:sp>
-        <p:nvSpPr>
-          <p:cNvPr id="18" name="직사각형 17"/>
-          <p:cNvSpPr/>
-          <p:nvPr/>
-        </p:nvSpPr>
-        <p:spPr>
-          <a:xfrm>
-            <a:off x="642213" y="2286000"/>
-            <a:ext cx="2144487" cy="315884"/>
-          </a:xfrm>
-          <a:prstGeom prst="rect">
-            <a:avLst/>
-          </a:prstGeom>
-          <a:noFill/>
-          <a:ln w="38100">
-            <a:solidFill>
-              <a:srgbClr val="FF0000"/>
-            </a:solidFill>
-          </a:ln>
-        </p:spPr>
-        <p:style>
-          <a:lnRef idx="2">
-            <a:schemeClr val="accent1">
-              <a:shade val="50000"/>
-            </a:schemeClr>
-          </a:lnRef>
-          <a:fillRef idx="1">
-            <a:schemeClr val="accent1"/>
-          </a:fillRef>
-          <a:effectRef idx="0">
-            <a:schemeClr val="accent1"/>
-          </a:effectRef>
-          <a:fontRef idx="minor">
-            <a:schemeClr val="lt1"/>
-          </a:fontRef>
-        </p:style>
-        <p:txBody>
-          <a:bodyPr rtlCol="0" anchor="ctr"/>
-          <a:lstStyle/>
-          <a:p>
-            <a:pPr algn="ctr"/>
-            <a:endParaRPr lang="ko-KR" altLang="en-US"/>
-          </a:p>
-        </p:txBody>
-      </p:sp>
-      <p:sp>
-        <p:nvSpPr>
-          <p:cNvPr id="19" name="직사각형 18"/>
-          <p:cNvSpPr/>
-          <p:nvPr/>
-        </p:nvSpPr>
-        <p:spPr>
-          <a:xfrm>
-            <a:off x="642213" y="2044930"/>
-            <a:ext cx="267914" cy="241070"/>
-          </a:xfrm>
-          <a:prstGeom prst="rect">
-            <a:avLst/>
-          </a:prstGeom>
-          <a:noFill/>
-          <a:ln w="38100">
-            <a:solidFill>
-              <a:srgbClr val="FF0000"/>
-            </a:solidFill>
-          </a:ln>
-        </p:spPr>
-        <p:style>
-          <a:lnRef idx="2">
-            <a:schemeClr val="accent1">
-              <a:shade val="50000"/>
-            </a:schemeClr>
-          </a:lnRef>
-          <a:fillRef idx="1">
-            <a:schemeClr val="accent1"/>
-          </a:fillRef>
-          <a:effectRef idx="0">
-            <a:schemeClr val="accent1"/>
-          </a:effectRef>
-          <a:fontRef idx="minor">
-            <a:schemeClr val="lt1"/>
-          </a:fontRef>
-        </p:style>
-        <p:txBody>
-          <a:bodyPr rtlCol="0" anchor="ctr"/>
-          <a:lstStyle/>
-          <a:p>
-            <a:pPr algn="ctr"/>
-            <a:endParaRPr lang="ko-KR" altLang="en-US"/>
-          </a:p>
-        </p:txBody>
-      </p:sp>
-      <p:sp>
-        <p:nvSpPr>
-          <p:cNvPr id="20" name="직사각형 19"/>
-          <p:cNvSpPr/>
-          <p:nvPr/>
-        </p:nvSpPr>
-        <p:spPr>
-          <a:xfrm>
-            <a:off x="3024365" y="2286000"/>
-            <a:ext cx="2098311" cy="315884"/>
-          </a:xfrm>
-          <a:prstGeom prst="rect">
-            <a:avLst/>
-          </a:prstGeom>
-          <a:noFill/>
-          <a:ln w="38100">
-            <a:solidFill>
-              <a:srgbClr val="FF0000"/>
-            </a:solidFill>
-          </a:ln>
-        </p:spPr>
-        <p:style>
-          <a:lnRef idx="2">
-            <a:schemeClr val="accent1">
-              <a:shade val="50000"/>
-            </a:schemeClr>
-          </a:lnRef>
-          <a:fillRef idx="1">
-            <a:schemeClr val="accent1"/>
-          </a:fillRef>
-          <a:effectRef idx="0">
-            <a:schemeClr val="accent1"/>
-          </a:effectRef>
-          <a:fontRef idx="minor">
-            <a:schemeClr val="lt1"/>
-          </a:fontRef>
-        </p:style>
-        <p:txBody>
-          <a:bodyPr rtlCol="0" anchor="ctr"/>
-          <a:lstStyle/>
-          <a:p>
-            <a:pPr algn="ctr"/>
-            <a:endParaRPr lang="ko-KR" altLang="en-US"/>
-          </a:p>
-        </p:txBody>
-      </p:sp>
-      <p:sp>
-        <p:nvSpPr>
-          <p:cNvPr id="21" name="직사각형 20"/>
-          <p:cNvSpPr/>
-          <p:nvPr/>
-        </p:nvSpPr>
-        <p:spPr>
-          <a:xfrm>
-            <a:off x="3024365" y="2044930"/>
-            <a:ext cx="267914" cy="241070"/>
-          </a:xfrm>
-          <a:prstGeom prst="rect">
-            <a:avLst/>
-          </a:prstGeom>
-          <a:noFill/>
-          <a:ln w="38100">
-            <a:solidFill>
-              <a:srgbClr val="FF0000"/>
-            </a:solidFill>
-          </a:ln>
-        </p:spPr>
-        <p:style>
-          <a:lnRef idx="2">
-            <a:schemeClr val="accent1">
-              <a:shade val="50000"/>
-            </a:schemeClr>
-          </a:lnRef>
-          <a:fillRef idx="1">
-            <a:schemeClr val="accent1"/>
-          </a:fillRef>
-          <a:effectRef idx="0">
-            <a:schemeClr val="accent1"/>
-          </a:effectRef>
-          <a:fontRef idx="minor">
-            <a:schemeClr val="lt1"/>
-          </a:fontRef>
-        </p:style>
-        <p:txBody>
-          <a:bodyPr rtlCol="0" anchor="ctr"/>
-          <a:lstStyle/>
-          <a:p>
-            <a:pPr algn="ctr"/>
-            <a:endParaRPr lang="ko-KR" altLang="en-US"/>
-          </a:p>
-        </p:txBody>
-      </p:sp>
     </p:spTree>
     <p:extLst>
       <p:ext uri="{BB962C8B-B14F-4D97-AF65-F5344CB8AC3E}">
-        <p14:creationId xmlns:p14="http://schemas.microsoft.com/office/powerpoint/2010/main" val="2136604123"/>
+        <p14:creationId xmlns:p14="http://schemas.microsoft.com/office/powerpoint/2010/main" val="202199321"/>
       </p:ext>
     </p:extLst>
   </p:cSld>
@@ -4091,7 +4013,7 @@
         </p:nvSpPr>
         <p:spPr>
           <a:xfrm>
-            <a:off x="7447317" y="823834"/>
+            <a:off x="5656367" y="823833"/>
             <a:ext cx="906088" cy="781159"/>
           </a:xfrm>
           <a:prstGeom prst="rect">
@@ -4131,7 +4053,7 @@
       </p:sp>
       <p:pic>
         <p:nvPicPr>
-          <p:cNvPr id="11" name="그림 10"/>
+          <p:cNvPr id="16" name="그림 15"/>
           <p:cNvPicPr>
             <a:picLocks noChangeAspect="1"/>
           </p:cNvPicPr>
@@ -4151,8 +4073,8 @@
         </p:blipFill>
         <p:spPr>
           <a:xfrm>
-            <a:off x="636143" y="2044930"/>
-            <a:ext cx="2140684" cy="4355578"/>
+            <a:off x="635847" y="2039435"/>
+            <a:ext cx="2140684" cy="4361073"/>
           </a:xfrm>
           <a:prstGeom prst="rect">
             <a:avLst/>
@@ -4164,9 +4086,147 @@
           </a:ln>
         </p:spPr>
       </p:pic>
+      <p:sp>
+        <p:nvSpPr>
+          <p:cNvPr id="17" name="직사각형 16"/>
+          <p:cNvSpPr/>
+          <p:nvPr/>
+        </p:nvSpPr>
+        <p:spPr>
+          <a:xfrm>
+            <a:off x="632044" y="2280505"/>
+            <a:ext cx="2144487" cy="315884"/>
+          </a:xfrm>
+          <a:prstGeom prst="rect">
+            <a:avLst/>
+          </a:prstGeom>
+          <a:noFill/>
+          <a:ln w="38100">
+            <a:solidFill>
+              <a:srgbClr val="FF0000"/>
+            </a:solidFill>
+          </a:ln>
+        </p:spPr>
+        <p:style>
+          <a:lnRef idx="2">
+            <a:schemeClr val="accent1">
+              <a:shade val="50000"/>
+            </a:schemeClr>
+          </a:lnRef>
+          <a:fillRef idx="1">
+            <a:schemeClr val="accent1"/>
+          </a:fillRef>
+          <a:effectRef idx="0">
+            <a:schemeClr val="accent1"/>
+          </a:effectRef>
+          <a:fontRef idx="minor">
+            <a:schemeClr val="lt1"/>
+          </a:fontRef>
+        </p:style>
+        <p:txBody>
+          <a:bodyPr rtlCol="0" anchor="ctr"/>
+          <a:lstStyle/>
+          <a:p>
+            <a:pPr algn="ctr"/>
+            <a:endParaRPr lang="ko-KR" altLang="en-US"/>
+          </a:p>
+        </p:txBody>
+      </p:sp>
+      <p:sp>
+        <p:nvSpPr>
+          <p:cNvPr id="18" name="직사각형 17"/>
+          <p:cNvSpPr/>
+          <p:nvPr/>
+        </p:nvSpPr>
+        <p:spPr>
+          <a:xfrm>
+            <a:off x="632044" y="2039435"/>
+            <a:ext cx="267914" cy="241070"/>
+          </a:xfrm>
+          <a:prstGeom prst="rect">
+            <a:avLst/>
+          </a:prstGeom>
+          <a:noFill/>
+          <a:ln w="38100">
+            <a:solidFill>
+              <a:srgbClr val="FF0000"/>
+            </a:solidFill>
+          </a:ln>
+        </p:spPr>
+        <p:style>
+          <a:lnRef idx="2">
+            <a:schemeClr val="accent1">
+              <a:shade val="50000"/>
+            </a:schemeClr>
+          </a:lnRef>
+          <a:fillRef idx="1">
+            <a:schemeClr val="accent1"/>
+          </a:fillRef>
+          <a:effectRef idx="0">
+            <a:schemeClr val="accent1"/>
+          </a:effectRef>
+          <a:fontRef idx="minor">
+            <a:schemeClr val="lt1"/>
+          </a:fontRef>
+        </p:style>
+        <p:txBody>
+          <a:bodyPr rtlCol="0" anchor="ctr"/>
+          <a:lstStyle/>
+          <a:p>
+            <a:pPr algn="ctr"/>
+            <a:endParaRPr lang="ko-KR" altLang="en-US"/>
+          </a:p>
+        </p:txBody>
+      </p:sp>
+      <p:sp>
+        <p:nvSpPr>
+          <p:cNvPr id="19" name="직사각형 18"/>
+          <p:cNvSpPr/>
+          <p:nvPr/>
+        </p:nvSpPr>
+        <p:spPr>
+          <a:xfrm>
+            <a:off x="2356069" y="2644272"/>
+            <a:ext cx="254727" cy="241070"/>
+          </a:xfrm>
+          <a:prstGeom prst="rect">
+            <a:avLst/>
+          </a:prstGeom>
+          <a:noFill/>
+          <a:ln w="38100">
+            <a:solidFill>
+              <a:srgbClr val="FF0000"/>
+            </a:solidFill>
+          </a:ln>
+        </p:spPr>
+        <p:style>
+          <a:lnRef idx="2">
+            <a:schemeClr val="accent1">
+              <a:shade val="50000"/>
+            </a:schemeClr>
+          </a:lnRef>
+          <a:fillRef idx="1">
+            <a:schemeClr val="accent1"/>
+          </a:fillRef>
+          <a:effectRef idx="0">
+            <a:schemeClr val="accent1"/>
+          </a:effectRef>
+          <a:fontRef idx="minor">
+            <a:schemeClr val="lt1"/>
+          </a:fontRef>
+        </p:style>
+        <p:txBody>
+          <a:bodyPr rtlCol="0" anchor="ctr"/>
+          <a:lstStyle/>
+          <a:p>
+            <a:pPr algn="ctr"/>
+            <a:endParaRPr lang="ko-KR" altLang="en-US"/>
+          </a:p>
+        </p:txBody>
+      </p:sp>
       <p:pic>
         <p:nvPicPr>
-          <p:cNvPr id="12" name="그림 11"/>
+          <p:cNvPr id="20" name="그림 19"/>
           <p:cNvPicPr>
             <a:picLocks noChangeAspect="1"/>
           </p:cNvPicPr>
@@ -4186,8 +4246,8 @@
         </p:blipFill>
         <p:spPr>
           <a:xfrm>
-            <a:off x="3036281" y="2044930"/>
-            <a:ext cx="2169204" cy="4355578"/>
+            <a:off x="3020245" y="2039435"/>
+            <a:ext cx="2183409" cy="4361073"/>
           </a:xfrm>
           <a:prstGeom prst="rect">
             <a:avLst/>
@@ -4201,14 +4261,14 @@
       </p:pic>
       <p:sp>
         <p:nvSpPr>
-          <p:cNvPr id="14" name="직사각형 13"/>
+          <p:cNvPr id="21" name="직사각형 20"/>
           <p:cNvSpPr/>
           <p:nvPr/>
         </p:nvSpPr>
         <p:spPr>
           <a:xfrm>
-            <a:off x="636143" y="2044930"/>
-            <a:ext cx="267914" cy="241070"/>
+            <a:off x="3020245" y="2280505"/>
+            <a:ext cx="2183409" cy="315884"/>
           </a:xfrm>
           <a:prstGeom prst="rect">
             <a:avLst/>
@@ -4247,14 +4307,14 @@
       </p:sp>
       <p:sp>
         <p:nvSpPr>
-          <p:cNvPr id="15" name="직사각형 14"/>
+          <p:cNvPr id="22" name="직사각형 21"/>
           <p:cNvSpPr/>
           <p:nvPr/>
         </p:nvSpPr>
         <p:spPr>
           <a:xfrm>
-            <a:off x="3036281" y="2044930"/>
-            <a:ext cx="267914" cy="241070"/>
+            <a:off x="3020244" y="2039435"/>
+            <a:ext cx="272777" cy="241070"/>
           </a:xfrm>
           <a:prstGeom prst="rect">
             <a:avLst/>
@@ -4291,22 +4351,227 @@
           </a:p>
         </p:txBody>
       </p:sp>
-      <p:sp>
-        <p:nvSpPr>
-          <p:cNvPr id="16" name="직사각형 15"/>
+      <p:pic>
+        <p:nvPicPr>
+          <p:cNvPr id="12" name="그림 11"/>
+          <p:cNvPicPr>
+            <a:picLocks noChangeAspect="1"/>
+          </p:cNvPicPr>
+          <p:nvPr/>
+        </p:nvPicPr>
+        <p:blipFill>
+          <a:blip r:embed="rId5">
+            <a:extLst>
+              <a:ext uri="{28A0092B-C50C-407E-A947-70E740481C1C}">
+                <a14:useLocalDpi xmlns:a14="http://schemas.microsoft.com/office/drawing/2010/main" val="0"/>
+              </a:ext>
+            </a:extLst>
+          </a:blip>
+          <a:stretch>
+            <a:fillRect/>
+          </a:stretch>
+        </p:blipFill>
+        <p:spPr>
+          <a:xfrm>
+            <a:off x="7469097" y="2596389"/>
+            <a:ext cx="4229924" cy="2893433"/>
+          </a:xfrm>
+          <a:prstGeom prst="rect">
+            <a:avLst/>
+          </a:prstGeom>
+        </p:spPr>
+      </p:pic>
+    </p:spTree>
+    <p:extLst>
+      <p:ext uri="{BB962C8B-B14F-4D97-AF65-F5344CB8AC3E}">
+        <p14:creationId xmlns:p14="http://schemas.microsoft.com/office/powerpoint/2010/main" val="3587170568"/>
+      </p:ext>
+    </p:extLst>
+  </p:cSld>
+  <p:clrMapOvr>
+    <a:masterClrMapping/>
+  </p:clrMapOvr>
+  <p:timing>
+    <p:tnLst>
+      <p:par>
+        <p:cTn id="1" dur="indefinite" restart="never" nodeType="tmRoot"/>
+      </p:par>
+    </p:tnLst>
+  </p:timing>
+</p:sld>
+</file>
+
+<file path=ppt/slides/slide12.xml><?xml version="1.0" encoding="utf-8"?>
+<p:sld xmlns:a="http://schemas.openxmlformats.org/drawingml/2006/main" xmlns:r="http://schemas.openxmlformats.org/officeDocument/2006/relationships" xmlns:p="http://schemas.openxmlformats.org/presentationml/2006/main">
+  <p:cSld>
+    <p:spTree>
+      <p:nvGrpSpPr>
+        <p:cNvPr id="1" name=""/>
+        <p:cNvGrpSpPr/>
+        <p:nvPr/>
+      </p:nvGrpSpPr>
+      <p:grpSpPr>
+        <a:xfrm>
+          <a:off x="0" y="0"/>
+          <a:ext cx="0" cy="0"/>
+          <a:chOff x="0" y="0"/>
+          <a:chExt cx="0" cy="0"/>
+        </a:xfrm>
+      </p:grpSpPr>
+      <p:pic>
+        <p:nvPicPr>
+          <p:cNvPr id="11" name="그림 10"/>
+          <p:cNvPicPr>
+            <a:picLocks noChangeAspect="1"/>
+          </p:cNvPicPr>
+          <p:nvPr/>
+        </p:nvPicPr>
+        <p:blipFill>
+          <a:blip r:embed="rId2">
+            <a:extLst>
+              <a:ext uri="{28A0092B-C50C-407E-A947-70E740481C1C}">
+                <a14:useLocalDpi xmlns:a14="http://schemas.microsoft.com/office/drawing/2010/main" val="0"/>
+              </a:ext>
+            </a:extLst>
+          </a:blip>
+          <a:stretch>
+            <a:fillRect/>
+          </a:stretch>
+        </p:blipFill>
+        <p:spPr>
+          <a:xfrm>
+            <a:off x="626373" y="2039435"/>
+            <a:ext cx="2158471" cy="4361073"/>
+          </a:xfrm>
+          <a:prstGeom prst="rect">
+            <a:avLst/>
+          </a:prstGeom>
+          <a:ln>
+            <a:solidFill>
+              <a:schemeClr val="tx1"/>
+            </a:solidFill>
+          </a:ln>
+        </p:spPr>
+      </p:pic>
+      <p:sp>
+        <p:nvSpPr>
+          <p:cNvPr id="5" name="TextBox 4"/>
+          <p:cNvSpPr txBox="1"/>
+          <p:nvPr/>
+        </p:nvSpPr>
+        <p:spPr>
+          <a:xfrm>
+            <a:off x="10232967" y="706583"/>
+            <a:ext cx="1723549" cy="1015663"/>
+          </a:xfrm>
+          <a:prstGeom prst="rect">
+            <a:avLst/>
+          </a:prstGeom>
+          <a:noFill/>
+        </p:spPr>
+        <p:txBody>
+          <a:bodyPr wrap="none" rtlCol="0">
+            <a:spAutoFit/>
+          </a:bodyPr>
+          <a:lstStyle/>
+          <a:p>
+            <a:r>
+              <a:rPr lang="ko-KR" altLang="en-US" sz="6000" b="1" dirty="0" smtClean="0">
+                <a:solidFill>
+                  <a:schemeClr val="bg1"/>
+                </a:solidFill>
+              </a:rPr>
+              <a:t>화면</a:t>
+            </a:r>
+            <a:endParaRPr lang="ko-KR" altLang="en-US" sz="6000" b="1" dirty="0">
+              <a:solidFill>
+                <a:schemeClr val="bg1"/>
+              </a:solidFill>
+            </a:endParaRPr>
+          </a:p>
+        </p:txBody>
+      </p:sp>
+      <p:sp>
+        <p:nvSpPr>
+          <p:cNvPr id="13" name="TextBox 12"/>
+          <p:cNvSpPr txBox="1"/>
+          <p:nvPr/>
+        </p:nvSpPr>
+        <p:spPr>
+          <a:xfrm>
+            <a:off x="332509" y="1029748"/>
+            <a:ext cx="3472617" cy="369332"/>
+          </a:xfrm>
+          <a:prstGeom prst="rect">
+            <a:avLst/>
+          </a:prstGeom>
+          <a:solidFill>
+            <a:schemeClr val="bg1"/>
+          </a:solidFill>
+        </p:spPr>
+        <p:txBody>
+          <a:bodyPr wrap="none" rtlCol="0">
+            <a:spAutoFit/>
+          </a:bodyPr>
+          <a:lstStyle/>
+          <a:p>
+            <a:r>
+              <a:rPr lang="en-US" altLang="ko-KR" dirty="0" smtClean="0"/>
+              <a:t>https://kyochonpwa.netlify.app</a:t>
+            </a:r>
+            <a:endParaRPr lang="ko-KR" altLang="en-US" dirty="0"/>
+          </a:p>
+        </p:txBody>
+      </p:sp>
+      <p:pic>
+        <p:nvPicPr>
+          <p:cNvPr id="3" name="그림 2"/>
+          <p:cNvPicPr>
+            <a:picLocks noChangeAspect="1"/>
+          </p:cNvPicPr>
+          <p:nvPr/>
+        </p:nvPicPr>
+        <p:blipFill>
+          <a:blip r:embed="rId3">
+            <a:extLst>
+              <a:ext uri="{28A0092B-C50C-407E-A947-70E740481C1C}">
+                <a14:useLocalDpi xmlns:a14="http://schemas.microsoft.com/office/drawing/2010/main" val="0"/>
+              </a:ext>
+            </a:extLst>
+          </a:blip>
+          <a:stretch>
+            <a:fillRect/>
+          </a:stretch>
+        </p:blipFill>
+        <p:spPr>
+          <a:xfrm>
+            <a:off x="4771505" y="823834"/>
+            <a:ext cx="3581900" cy="781159"/>
+          </a:xfrm>
+          <a:prstGeom prst="rect">
+            <a:avLst/>
+          </a:prstGeom>
+          <a:ln w="76200">
+            <a:noFill/>
+          </a:ln>
+        </p:spPr>
+      </p:pic>
+      <p:sp>
+        <p:nvSpPr>
+          <p:cNvPr id="4" name="직사각형 3"/>
           <p:cNvSpPr/>
           <p:nvPr/>
         </p:nvSpPr>
         <p:spPr>
           <a:xfrm>
-            <a:off x="642214" y="2286000"/>
-            <a:ext cx="2134614" cy="315884"/>
+            <a:off x="5656367" y="823833"/>
+            <a:ext cx="906088" cy="781159"/>
           </a:xfrm>
           <a:prstGeom prst="rect">
             <a:avLst/>
           </a:prstGeom>
           <a:noFill/>
-          <a:ln w="38100">
+          <a:ln w="76200">
             <a:solidFill>
               <a:srgbClr val="FF0000"/>
             </a:solidFill>
@@ -4345,7 +4610,1069 @@
         </p:nvSpPr>
         <p:spPr>
           <a:xfrm>
-            <a:off x="3036281" y="2286000"/>
+            <a:off x="626375" y="2280505"/>
+            <a:ext cx="2158470" cy="315884"/>
+          </a:xfrm>
+          <a:prstGeom prst="rect">
+            <a:avLst/>
+          </a:prstGeom>
+          <a:noFill/>
+          <a:ln w="38100">
+            <a:solidFill>
+              <a:srgbClr val="FF0000"/>
+            </a:solidFill>
+          </a:ln>
+        </p:spPr>
+        <p:style>
+          <a:lnRef idx="2">
+            <a:schemeClr val="accent1">
+              <a:shade val="50000"/>
+            </a:schemeClr>
+          </a:lnRef>
+          <a:fillRef idx="1">
+            <a:schemeClr val="accent1"/>
+          </a:fillRef>
+          <a:effectRef idx="0">
+            <a:schemeClr val="accent1"/>
+          </a:effectRef>
+          <a:fontRef idx="minor">
+            <a:schemeClr val="lt1"/>
+          </a:fontRef>
+        </p:style>
+        <p:txBody>
+          <a:bodyPr rtlCol="0" anchor="ctr"/>
+          <a:lstStyle/>
+          <a:p>
+            <a:pPr algn="ctr"/>
+            <a:endParaRPr lang="ko-KR" altLang="en-US"/>
+          </a:p>
+        </p:txBody>
+      </p:sp>
+      <p:sp>
+        <p:nvSpPr>
+          <p:cNvPr id="18" name="직사각형 17"/>
+          <p:cNvSpPr/>
+          <p:nvPr/>
+        </p:nvSpPr>
+        <p:spPr>
+          <a:xfrm>
+            <a:off x="626373" y="2039435"/>
+            <a:ext cx="272777" cy="241070"/>
+          </a:xfrm>
+          <a:prstGeom prst="rect">
+            <a:avLst/>
+          </a:prstGeom>
+          <a:noFill/>
+          <a:ln w="38100">
+            <a:solidFill>
+              <a:srgbClr val="FF0000"/>
+            </a:solidFill>
+          </a:ln>
+        </p:spPr>
+        <p:style>
+          <a:lnRef idx="2">
+            <a:schemeClr val="accent1">
+              <a:shade val="50000"/>
+            </a:schemeClr>
+          </a:lnRef>
+          <a:fillRef idx="1">
+            <a:schemeClr val="accent1"/>
+          </a:fillRef>
+          <a:effectRef idx="0">
+            <a:schemeClr val="accent1"/>
+          </a:effectRef>
+          <a:fontRef idx="minor">
+            <a:schemeClr val="lt1"/>
+          </a:fontRef>
+        </p:style>
+        <p:txBody>
+          <a:bodyPr rtlCol="0" anchor="ctr"/>
+          <a:lstStyle/>
+          <a:p>
+            <a:pPr algn="ctr"/>
+            <a:endParaRPr lang="ko-KR" altLang="en-US"/>
+          </a:p>
+        </p:txBody>
+      </p:sp>
+      <p:pic>
+        <p:nvPicPr>
+          <p:cNvPr id="6" name="그림 5"/>
+          <p:cNvPicPr>
+            <a:picLocks noChangeAspect="1"/>
+          </p:cNvPicPr>
+          <p:nvPr/>
+        </p:nvPicPr>
+        <p:blipFill>
+          <a:blip r:embed="rId4">
+            <a:extLst>
+              <a:ext uri="{28A0092B-C50C-407E-A947-70E740481C1C}">
+                <a14:useLocalDpi xmlns:a14="http://schemas.microsoft.com/office/drawing/2010/main" val="0"/>
+              </a:ext>
+            </a:extLst>
+          </a:blip>
+          <a:stretch>
+            <a:fillRect/>
+          </a:stretch>
+        </p:blipFill>
+        <p:spPr>
+          <a:xfrm>
+            <a:off x="3651961" y="2039435"/>
+            <a:ext cx="2457450" cy="1857375"/>
+          </a:xfrm>
+          <a:prstGeom prst="rect">
+            <a:avLst/>
+          </a:prstGeom>
+        </p:spPr>
+      </p:pic>
+      <p:pic>
+        <p:nvPicPr>
+          <p:cNvPr id="9" name="그림 8"/>
+          <p:cNvPicPr>
+            <a:picLocks noChangeAspect="1"/>
+          </p:cNvPicPr>
+          <p:nvPr/>
+        </p:nvPicPr>
+        <p:blipFill>
+          <a:blip r:embed="rId5">
+            <a:extLst>
+              <a:ext uri="{28A0092B-C50C-407E-A947-70E740481C1C}">
+                <a14:useLocalDpi xmlns:a14="http://schemas.microsoft.com/office/drawing/2010/main" val="0"/>
+              </a:ext>
+            </a:extLst>
+          </a:blip>
+          <a:stretch>
+            <a:fillRect/>
+          </a:stretch>
+        </p:blipFill>
+        <p:spPr>
+          <a:xfrm>
+            <a:off x="3651961" y="4115971"/>
+            <a:ext cx="5572903" cy="2257740"/>
+          </a:xfrm>
+          <a:prstGeom prst="rect">
+            <a:avLst/>
+          </a:prstGeom>
+        </p:spPr>
+      </p:pic>
+      <p:sp>
+        <p:nvSpPr>
+          <p:cNvPr id="8" name="직사각형 7"/>
+          <p:cNvSpPr/>
+          <p:nvPr/>
+        </p:nvSpPr>
+        <p:spPr>
+          <a:xfrm>
+            <a:off x="4488872" y="5976851"/>
+            <a:ext cx="1520786" cy="315884"/>
+          </a:xfrm>
+          <a:prstGeom prst="rect">
+            <a:avLst/>
+          </a:prstGeom>
+          <a:noFill/>
+          <a:ln w="38100">
+            <a:solidFill>
+              <a:srgbClr val="FF0000"/>
+            </a:solidFill>
+          </a:ln>
+        </p:spPr>
+        <p:style>
+          <a:lnRef idx="2">
+            <a:schemeClr val="accent1">
+              <a:shade val="50000"/>
+            </a:schemeClr>
+          </a:lnRef>
+          <a:fillRef idx="1">
+            <a:schemeClr val="accent1"/>
+          </a:fillRef>
+          <a:effectRef idx="0">
+            <a:schemeClr val="accent1"/>
+          </a:effectRef>
+          <a:fontRef idx="minor">
+            <a:schemeClr val="lt1"/>
+          </a:fontRef>
+        </p:style>
+        <p:txBody>
+          <a:bodyPr rtlCol="0" anchor="ctr"/>
+          <a:lstStyle/>
+          <a:p>
+            <a:pPr algn="ctr"/>
+            <a:endParaRPr lang="ko-KR" altLang="en-US"/>
+          </a:p>
+        </p:txBody>
+      </p:sp>
+    </p:spTree>
+    <p:extLst>
+      <p:ext uri="{BB962C8B-B14F-4D97-AF65-F5344CB8AC3E}">
+        <p14:creationId xmlns:p14="http://schemas.microsoft.com/office/powerpoint/2010/main" val="3688909295"/>
+      </p:ext>
+    </p:extLst>
+  </p:cSld>
+  <p:clrMapOvr>
+    <a:masterClrMapping/>
+  </p:clrMapOvr>
+  <p:timing>
+    <p:tnLst>
+      <p:par>
+        <p:cTn id="1" dur="indefinite" restart="never" nodeType="tmRoot"/>
+      </p:par>
+    </p:tnLst>
+  </p:timing>
+</p:sld>
+</file>
+
+<file path=ppt/slides/slide13.xml><?xml version="1.0" encoding="utf-8"?>
+<p:sld xmlns:a="http://schemas.openxmlformats.org/drawingml/2006/main" xmlns:r="http://schemas.openxmlformats.org/officeDocument/2006/relationships" xmlns:p="http://schemas.openxmlformats.org/presentationml/2006/main">
+  <p:cSld>
+    <p:spTree>
+      <p:nvGrpSpPr>
+        <p:cNvPr id="1" name=""/>
+        <p:cNvGrpSpPr/>
+        <p:nvPr/>
+      </p:nvGrpSpPr>
+      <p:grpSpPr>
+        <a:xfrm>
+          <a:off x="0" y="0"/>
+          <a:ext cx="0" cy="0"/>
+          <a:chOff x="0" y="0"/>
+          <a:chExt cx="0" cy="0"/>
+        </a:xfrm>
+      </p:grpSpPr>
+      <p:sp>
+        <p:nvSpPr>
+          <p:cNvPr id="5" name="TextBox 4"/>
+          <p:cNvSpPr txBox="1"/>
+          <p:nvPr/>
+        </p:nvSpPr>
+        <p:spPr>
+          <a:xfrm>
+            <a:off x="10232967" y="706583"/>
+            <a:ext cx="1723549" cy="1015663"/>
+          </a:xfrm>
+          <a:prstGeom prst="rect">
+            <a:avLst/>
+          </a:prstGeom>
+          <a:noFill/>
+        </p:spPr>
+        <p:txBody>
+          <a:bodyPr wrap="none" rtlCol="0">
+            <a:spAutoFit/>
+          </a:bodyPr>
+          <a:lstStyle/>
+          <a:p>
+            <a:r>
+              <a:rPr lang="ko-KR" altLang="en-US" sz="6000" b="1" dirty="0" smtClean="0">
+                <a:solidFill>
+                  <a:schemeClr val="bg1"/>
+                </a:solidFill>
+              </a:rPr>
+              <a:t>화면</a:t>
+            </a:r>
+            <a:endParaRPr lang="ko-KR" altLang="en-US" sz="6000" b="1" dirty="0">
+              <a:solidFill>
+                <a:schemeClr val="bg1"/>
+              </a:solidFill>
+            </a:endParaRPr>
+          </a:p>
+        </p:txBody>
+      </p:sp>
+      <p:sp>
+        <p:nvSpPr>
+          <p:cNvPr id="13" name="TextBox 12"/>
+          <p:cNvSpPr txBox="1"/>
+          <p:nvPr/>
+        </p:nvSpPr>
+        <p:spPr>
+          <a:xfrm>
+            <a:off x="332509" y="1029748"/>
+            <a:ext cx="3472617" cy="369332"/>
+          </a:xfrm>
+          <a:prstGeom prst="rect">
+            <a:avLst/>
+          </a:prstGeom>
+          <a:solidFill>
+            <a:schemeClr val="bg1"/>
+          </a:solidFill>
+        </p:spPr>
+        <p:txBody>
+          <a:bodyPr wrap="none" rtlCol="0">
+            <a:spAutoFit/>
+          </a:bodyPr>
+          <a:lstStyle/>
+          <a:p>
+            <a:r>
+              <a:rPr lang="en-US" altLang="ko-KR" dirty="0" smtClean="0"/>
+              <a:t>https://kyochonpwa.netlify.app</a:t>
+            </a:r>
+            <a:endParaRPr lang="ko-KR" altLang="en-US" dirty="0"/>
+          </a:p>
+        </p:txBody>
+      </p:sp>
+      <p:pic>
+        <p:nvPicPr>
+          <p:cNvPr id="3" name="그림 2"/>
+          <p:cNvPicPr>
+            <a:picLocks noChangeAspect="1"/>
+          </p:cNvPicPr>
+          <p:nvPr/>
+        </p:nvPicPr>
+        <p:blipFill>
+          <a:blip r:embed="rId2">
+            <a:extLst>
+              <a:ext uri="{28A0092B-C50C-407E-A947-70E740481C1C}">
+                <a14:useLocalDpi xmlns:a14="http://schemas.microsoft.com/office/drawing/2010/main" val="0"/>
+              </a:ext>
+            </a:extLst>
+          </a:blip>
+          <a:stretch>
+            <a:fillRect/>
+          </a:stretch>
+        </p:blipFill>
+        <p:spPr>
+          <a:xfrm>
+            <a:off x="4771505" y="823834"/>
+            <a:ext cx="3581900" cy="781159"/>
+          </a:xfrm>
+          <a:prstGeom prst="rect">
+            <a:avLst/>
+          </a:prstGeom>
+          <a:ln w="76200">
+            <a:noFill/>
+          </a:ln>
+        </p:spPr>
+      </p:pic>
+      <p:sp>
+        <p:nvSpPr>
+          <p:cNvPr id="4" name="직사각형 3"/>
+          <p:cNvSpPr/>
+          <p:nvPr/>
+        </p:nvSpPr>
+        <p:spPr>
+          <a:xfrm>
+            <a:off x="6562455" y="806178"/>
+            <a:ext cx="906088" cy="781159"/>
+          </a:xfrm>
+          <a:prstGeom prst="rect">
+            <a:avLst/>
+          </a:prstGeom>
+          <a:noFill/>
+          <a:ln w="76200">
+            <a:solidFill>
+              <a:srgbClr val="FF0000"/>
+            </a:solidFill>
+          </a:ln>
+        </p:spPr>
+        <p:style>
+          <a:lnRef idx="2">
+            <a:schemeClr val="accent1">
+              <a:shade val="50000"/>
+            </a:schemeClr>
+          </a:lnRef>
+          <a:fillRef idx="1">
+            <a:schemeClr val="accent1"/>
+          </a:fillRef>
+          <a:effectRef idx="0">
+            <a:schemeClr val="accent1"/>
+          </a:effectRef>
+          <a:fontRef idx="minor">
+            <a:schemeClr val="lt1"/>
+          </a:fontRef>
+        </p:style>
+        <p:txBody>
+          <a:bodyPr rtlCol="0" anchor="ctr"/>
+          <a:lstStyle/>
+          <a:p>
+            <a:pPr algn="ctr"/>
+            <a:endParaRPr lang="ko-KR" altLang="en-US"/>
+          </a:p>
+        </p:txBody>
+      </p:sp>
+      <p:pic>
+        <p:nvPicPr>
+          <p:cNvPr id="9" name="그림 8"/>
+          <p:cNvPicPr>
+            <a:picLocks noChangeAspect="1"/>
+          </p:cNvPicPr>
+          <p:nvPr/>
+        </p:nvPicPr>
+        <p:blipFill>
+          <a:blip r:embed="rId3">
+            <a:extLst>
+              <a:ext uri="{28A0092B-C50C-407E-A947-70E740481C1C}">
+                <a14:useLocalDpi xmlns:a14="http://schemas.microsoft.com/office/drawing/2010/main" val="0"/>
+              </a:ext>
+            </a:extLst>
+          </a:blip>
+          <a:stretch>
+            <a:fillRect/>
+          </a:stretch>
+        </p:blipFill>
+        <p:spPr>
+          <a:xfrm>
+            <a:off x="7911034" y="2580409"/>
+            <a:ext cx="3328465" cy="3296110"/>
+          </a:xfrm>
+          <a:prstGeom prst="rect">
+            <a:avLst/>
+          </a:prstGeom>
+        </p:spPr>
+      </p:pic>
+      <p:pic>
+        <p:nvPicPr>
+          <p:cNvPr id="16" name="그림 15"/>
+          <p:cNvPicPr>
+            <a:picLocks noChangeAspect="1"/>
+          </p:cNvPicPr>
+          <p:nvPr/>
+        </p:nvPicPr>
+        <p:blipFill>
+          <a:blip r:embed="rId4">
+            <a:extLst>
+              <a:ext uri="{28A0092B-C50C-407E-A947-70E740481C1C}">
+                <a14:useLocalDpi xmlns:a14="http://schemas.microsoft.com/office/drawing/2010/main" val="0"/>
+              </a:ext>
+            </a:extLst>
+          </a:blip>
+          <a:stretch>
+            <a:fillRect/>
+          </a:stretch>
+        </p:blipFill>
+        <p:spPr>
+          <a:xfrm>
+            <a:off x="633900" y="2036617"/>
+            <a:ext cx="2134614" cy="4320052"/>
+          </a:xfrm>
+          <a:prstGeom prst="rect">
+            <a:avLst/>
+          </a:prstGeom>
+          <a:ln>
+            <a:solidFill>
+              <a:schemeClr val="tx1"/>
+            </a:solidFill>
+          </a:ln>
+        </p:spPr>
+      </p:pic>
+      <p:pic>
+        <p:nvPicPr>
+          <p:cNvPr id="17" name="그림 16"/>
+          <p:cNvPicPr>
+            <a:picLocks noChangeAspect="1"/>
+          </p:cNvPicPr>
+          <p:nvPr/>
+        </p:nvPicPr>
+        <p:blipFill>
+          <a:blip r:embed="rId5">
+            <a:extLst>
+              <a:ext uri="{28A0092B-C50C-407E-A947-70E740481C1C}">
+                <a14:useLocalDpi xmlns:a14="http://schemas.microsoft.com/office/drawing/2010/main" val="0"/>
+              </a:ext>
+            </a:extLst>
+          </a:blip>
+          <a:stretch>
+            <a:fillRect/>
+          </a:stretch>
+        </p:blipFill>
+        <p:spPr>
+          <a:xfrm>
+            <a:off x="3016052" y="2036617"/>
+            <a:ext cx="2098311" cy="4320052"/>
+          </a:xfrm>
+          <a:prstGeom prst="rect">
+            <a:avLst/>
+          </a:prstGeom>
+          <a:ln>
+            <a:solidFill>
+              <a:schemeClr val="tx1"/>
+            </a:solidFill>
+          </a:ln>
+        </p:spPr>
+      </p:pic>
+      <p:sp>
+        <p:nvSpPr>
+          <p:cNvPr id="18" name="직사각형 17"/>
+          <p:cNvSpPr/>
+          <p:nvPr/>
+        </p:nvSpPr>
+        <p:spPr>
+          <a:xfrm>
+            <a:off x="633900" y="2277687"/>
+            <a:ext cx="2144487" cy="315884"/>
+          </a:xfrm>
+          <a:prstGeom prst="rect">
+            <a:avLst/>
+          </a:prstGeom>
+          <a:noFill/>
+          <a:ln w="38100">
+            <a:solidFill>
+              <a:srgbClr val="FF0000"/>
+            </a:solidFill>
+          </a:ln>
+        </p:spPr>
+        <p:style>
+          <a:lnRef idx="2">
+            <a:schemeClr val="accent1">
+              <a:shade val="50000"/>
+            </a:schemeClr>
+          </a:lnRef>
+          <a:fillRef idx="1">
+            <a:schemeClr val="accent1"/>
+          </a:fillRef>
+          <a:effectRef idx="0">
+            <a:schemeClr val="accent1"/>
+          </a:effectRef>
+          <a:fontRef idx="minor">
+            <a:schemeClr val="lt1"/>
+          </a:fontRef>
+        </p:style>
+        <p:txBody>
+          <a:bodyPr rtlCol="0" anchor="ctr"/>
+          <a:lstStyle/>
+          <a:p>
+            <a:pPr algn="ctr"/>
+            <a:endParaRPr lang="ko-KR" altLang="en-US"/>
+          </a:p>
+        </p:txBody>
+      </p:sp>
+      <p:sp>
+        <p:nvSpPr>
+          <p:cNvPr id="19" name="직사각형 18"/>
+          <p:cNvSpPr/>
+          <p:nvPr/>
+        </p:nvSpPr>
+        <p:spPr>
+          <a:xfrm>
+            <a:off x="633900" y="2036617"/>
+            <a:ext cx="267914" cy="241070"/>
+          </a:xfrm>
+          <a:prstGeom prst="rect">
+            <a:avLst/>
+          </a:prstGeom>
+          <a:noFill/>
+          <a:ln w="38100">
+            <a:solidFill>
+              <a:srgbClr val="FF0000"/>
+            </a:solidFill>
+          </a:ln>
+        </p:spPr>
+        <p:style>
+          <a:lnRef idx="2">
+            <a:schemeClr val="accent1">
+              <a:shade val="50000"/>
+            </a:schemeClr>
+          </a:lnRef>
+          <a:fillRef idx="1">
+            <a:schemeClr val="accent1"/>
+          </a:fillRef>
+          <a:effectRef idx="0">
+            <a:schemeClr val="accent1"/>
+          </a:effectRef>
+          <a:fontRef idx="minor">
+            <a:schemeClr val="lt1"/>
+          </a:fontRef>
+        </p:style>
+        <p:txBody>
+          <a:bodyPr rtlCol="0" anchor="ctr"/>
+          <a:lstStyle/>
+          <a:p>
+            <a:pPr algn="ctr"/>
+            <a:endParaRPr lang="ko-KR" altLang="en-US"/>
+          </a:p>
+        </p:txBody>
+      </p:sp>
+      <p:sp>
+        <p:nvSpPr>
+          <p:cNvPr id="20" name="직사각형 19"/>
+          <p:cNvSpPr/>
+          <p:nvPr/>
+        </p:nvSpPr>
+        <p:spPr>
+          <a:xfrm>
+            <a:off x="3016052" y="2277687"/>
+            <a:ext cx="2098311" cy="315884"/>
+          </a:xfrm>
+          <a:prstGeom prst="rect">
+            <a:avLst/>
+          </a:prstGeom>
+          <a:noFill/>
+          <a:ln w="38100">
+            <a:solidFill>
+              <a:srgbClr val="FF0000"/>
+            </a:solidFill>
+          </a:ln>
+        </p:spPr>
+        <p:style>
+          <a:lnRef idx="2">
+            <a:schemeClr val="accent1">
+              <a:shade val="50000"/>
+            </a:schemeClr>
+          </a:lnRef>
+          <a:fillRef idx="1">
+            <a:schemeClr val="accent1"/>
+          </a:fillRef>
+          <a:effectRef idx="0">
+            <a:schemeClr val="accent1"/>
+          </a:effectRef>
+          <a:fontRef idx="minor">
+            <a:schemeClr val="lt1"/>
+          </a:fontRef>
+        </p:style>
+        <p:txBody>
+          <a:bodyPr rtlCol="0" anchor="ctr"/>
+          <a:lstStyle/>
+          <a:p>
+            <a:pPr algn="ctr"/>
+            <a:endParaRPr lang="ko-KR" altLang="en-US"/>
+          </a:p>
+        </p:txBody>
+      </p:sp>
+      <p:sp>
+        <p:nvSpPr>
+          <p:cNvPr id="21" name="직사각형 20"/>
+          <p:cNvSpPr/>
+          <p:nvPr/>
+        </p:nvSpPr>
+        <p:spPr>
+          <a:xfrm>
+            <a:off x="3016052" y="2036617"/>
+            <a:ext cx="267914" cy="241070"/>
+          </a:xfrm>
+          <a:prstGeom prst="rect">
+            <a:avLst/>
+          </a:prstGeom>
+          <a:noFill/>
+          <a:ln w="38100">
+            <a:solidFill>
+              <a:srgbClr val="FF0000"/>
+            </a:solidFill>
+          </a:ln>
+        </p:spPr>
+        <p:style>
+          <a:lnRef idx="2">
+            <a:schemeClr val="accent1">
+              <a:shade val="50000"/>
+            </a:schemeClr>
+          </a:lnRef>
+          <a:fillRef idx="1">
+            <a:schemeClr val="accent1"/>
+          </a:fillRef>
+          <a:effectRef idx="0">
+            <a:schemeClr val="accent1"/>
+          </a:effectRef>
+          <a:fontRef idx="minor">
+            <a:schemeClr val="lt1"/>
+          </a:fontRef>
+        </p:style>
+        <p:txBody>
+          <a:bodyPr rtlCol="0" anchor="ctr"/>
+          <a:lstStyle/>
+          <a:p>
+            <a:pPr algn="ctr"/>
+            <a:endParaRPr lang="ko-KR" altLang="en-US"/>
+          </a:p>
+        </p:txBody>
+      </p:sp>
+    </p:spTree>
+    <p:extLst>
+      <p:ext uri="{BB962C8B-B14F-4D97-AF65-F5344CB8AC3E}">
+        <p14:creationId xmlns:p14="http://schemas.microsoft.com/office/powerpoint/2010/main" val="189066367"/>
+      </p:ext>
+    </p:extLst>
+  </p:cSld>
+  <p:clrMapOvr>
+    <a:masterClrMapping/>
+  </p:clrMapOvr>
+  <p:timing>
+    <p:tnLst>
+      <p:par>
+        <p:cTn id="1" dur="indefinite" restart="never" nodeType="tmRoot"/>
+      </p:par>
+    </p:tnLst>
+  </p:timing>
+</p:sld>
+</file>
+
+<file path=ppt/slides/slide14.xml><?xml version="1.0" encoding="utf-8"?>
+<p:sld xmlns:a="http://schemas.openxmlformats.org/drawingml/2006/main" xmlns:r="http://schemas.openxmlformats.org/officeDocument/2006/relationships" xmlns:p="http://schemas.openxmlformats.org/presentationml/2006/main">
+  <p:cSld>
+    <p:spTree>
+      <p:nvGrpSpPr>
+        <p:cNvPr id="1" name=""/>
+        <p:cNvGrpSpPr/>
+        <p:nvPr/>
+      </p:nvGrpSpPr>
+      <p:grpSpPr>
+        <a:xfrm>
+          <a:off x="0" y="0"/>
+          <a:ext cx="0" cy="0"/>
+          <a:chOff x="0" y="0"/>
+          <a:chExt cx="0" cy="0"/>
+        </a:xfrm>
+      </p:grpSpPr>
+      <p:sp>
+        <p:nvSpPr>
+          <p:cNvPr id="5" name="TextBox 4"/>
+          <p:cNvSpPr txBox="1"/>
+          <p:nvPr/>
+        </p:nvSpPr>
+        <p:spPr>
+          <a:xfrm>
+            <a:off x="10232967" y="706583"/>
+            <a:ext cx="1723549" cy="1015663"/>
+          </a:xfrm>
+          <a:prstGeom prst="rect">
+            <a:avLst/>
+          </a:prstGeom>
+          <a:noFill/>
+        </p:spPr>
+        <p:txBody>
+          <a:bodyPr wrap="none" rtlCol="0">
+            <a:spAutoFit/>
+          </a:bodyPr>
+          <a:lstStyle/>
+          <a:p>
+            <a:r>
+              <a:rPr lang="ko-KR" altLang="en-US" sz="6000" b="1" dirty="0" smtClean="0">
+                <a:solidFill>
+                  <a:schemeClr val="bg1"/>
+                </a:solidFill>
+              </a:rPr>
+              <a:t>화면</a:t>
+            </a:r>
+            <a:endParaRPr lang="ko-KR" altLang="en-US" sz="6000" b="1" dirty="0">
+              <a:solidFill>
+                <a:schemeClr val="bg1"/>
+              </a:solidFill>
+            </a:endParaRPr>
+          </a:p>
+        </p:txBody>
+      </p:sp>
+      <p:sp>
+        <p:nvSpPr>
+          <p:cNvPr id="13" name="TextBox 12"/>
+          <p:cNvSpPr txBox="1"/>
+          <p:nvPr/>
+        </p:nvSpPr>
+        <p:spPr>
+          <a:xfrm>
+            <a:off x="332509" y="1029748"/>
+            <a:ext cx="3472617" cy="369332"/>
+          </a:xfrm>
+          <a:prstGeom prst="rect">
+            <a:avLst/>
+          </a:prstGeom>
+          <a:solidFill>
+            <a:schemeClr val="bg1"/>
+          </a:solidFill>
+        </p:spPr>
+        <p:txBody>
+          <a:bodyPr wrap="none" rtlCol="0">
+            <a:spAutoFit/>
+          </a:bodyPr>
+          <a:lstStyle/>
+          <a:p>
+            <a:r>
+              <a:rPr lang="en-US" altLang="ko-KR" dirty="0" smtClean="0"/>
+              <a:t>https://kyochonpwa.netlify.app</a:t>
+            </a:r>
+            <a:endParaRPr lang="ko-KR" altLang="en-US" dirty="0"/>
+          </a:p>
+        </p:txBody>
+      </p:sp>
+      <p:pic>
+        <p:nvPicPr>
+          <p:cNvPr id="3" name="그림 2"/>
+          <p:cNvPicPr>
+            <a:picLocks noChangeAspect="1"/>
+          </p:cNvPicPr>
+          <p:nvPr/>
+        </p:nvPicPr>
+        <p:blipFill>
+          <a:blip r:embed="rId2">
+            <a:extLst>
+              <a:ext uri="{28A0092B-C50C-407E-A947-70E740481C1C}">
+                <a14:useLocalDpi xmlns:a14="http://schemas.microsoft.com/office/drawing/2010/main" val="0"/>
+              </a:ext>
+            </a:extLst>
+          </a:blip>
+          <a:stretch>
+            <a:fillRect/>
+          </a:stretch>
+        </p:blipFill>
+        <p:spPr>
+          <a:xfrm>
+            <a:off x="4771505" y="823834"/>
+            <a:ext cx="3581900" cy="781159"/>
+          </a:xfrm>
+          <a:prstGeom prst="rect">
+            <a:avLst/>
+          </a:prstGeom>
+          <a:ln w="76200">
+            <a:noFill/>
+          </a:ln>
+        </p:spPr>
+      </p:pic>
+      <p:sp>
+        <p:nvSpPr>
+          <p:cNvPr id="4" name="직사각형 3"/>
+          <p:cNvSpPr/>
+          <p:nvPr/>
+        </p:nvSpPr>
+        <p:spPr>
+          <a:xfrm>
+            <a:off x="7447317" y="823834"/>
+            <a:ext cx="906088" cy="781159"/>
+          </a:xfrm>
+          <a:prstGeom prst="rect">
+            <a:avLst/>
+          </a:prstGeom>
+          <a:noFill/>
+          <a:ln w="76200">
+            <a:solidFill>
+              <a:srgbClr val="FF0000"/>
+            </a:solidFill>
+          </a:ln>
+        </p:spPr>
+        <p:style>
+          <a:lnRef idx="2">
+            <a:schemeClr val="accent1">
+              <a:shade val="50000"/>
+            </a:schemeClr>
+          </a:lnRef>
+          <a:fillRef idx="1">
+            <a:schemeClr val="accent1"/>
+          </a:fillRef>
+          <a:effectRef idx="0">
+            <a:schemeClr val="accent1"/>
+          </a:effectRef>
+          <a:fontRef idx="minor">
+            <a:schemeClr val="lt1"/>
+          </a:fontRef>
+        </p:style>
+        <p:txBody>
+          <a:bodyPr rtlCol="0" anchor="ctr"/>
+          <a:lstStyle/>
+          <a:p>
+            <a:pPr algn="ctr"/>
+            <a:endParaRPr lang="ko-KR" altLang="en-US"/>
+          </a:p>
+        </p:txBody>
+      </p:sp>
+      <p:pic>
+        <p:nvPicPr>
+          <p:cNvPr id="11" name="그림 10"/>
+          <p:cNvPicPr>
+            <a:picLocks noChangeAspect="1"/>
+          </p:cNvPicPr>
+          <p:nvPr/>
+        </p:nvPicPr>
+        <p:blipFill>
+          <a:blip r:embed="rId3">
+            <a:extLst>
+              <a:ext uri="{28A0092B-C50C-407E-A947-70E740481C1C}">
+                <a14:useLocalDpi xmlns:a14="http://schemas.microsoft.com/office/drawing/2010/main" val="0"/>
+              </a:ext>
+            </a:extLst>
+          </a:blip>
+          <a:stretch>
+            <a:fillRect/>
+          </a:stretch>
+        </p:blipFill>
+        <p:spPr>
+          <a:xfrm>
+            <a:off x="627830" y="2036617"/>
+            <a:ext cx="2140684" cy="4355578"/>
+          </a:xfrm>
+          <a:prstGeom prst="rect">
+            <a:avLst/>
+          </a:prstGeom>
+          <a:ln>
+            <a:solidFill>
+              <a:schemeClr val="tx1"/>
+            </a:solidFill>
+          </a:ln>
+        </p:spPr>
+      </p:pic>
+      <p:pic>
+        <p:nvPicPr>
+          <p:cNvPr id="12" name="그림 11"/>
+          <p:cNvPicPr>
+            <a:picLocks noChangeAspect="1"/>
+          </p:cNvPicPr>
+          <p:nvPr/>
+        </p:nvPicPr>
+        <p:blipFill>
+          <a:blip r:embed="rId4">
+            <a:extLst>
+              <a:ext uri="{28A0092B-C50C-407E-A947-70E740481C1C}">
+                <a14:useLocalDpi xmlns:a14="http://schemas.microsoft.com/office/drawing/2010/main" val="0"/>
+              </a:ext>
+            </a:extLst>
+          </a:blip>
+          <a:stretch>
+            <a:fillRect/>
+          </a:stretch>
+        </p:blipFill>
+        <p:spPr>
+          <a:xfrm>
+            <a:off x="3027968" y="2036617"/>
+            <a:ext cx="2169204" cy="4355578"/>
+          </a:xfrm>
+          <a:prstGeom prst="rect">
+            <a:avLst/>
+          </a:prstGeom>
+          <a:ln>
+            <a:solidFill>
+              <a:schemeClr val="tx1"/>
+            </a:solidFill>
+          </a:ln>
+        </p:spPr>
+      </p:pic>
+      <p:sp>
+        <p:nvSpPr>
+          <p:cNvPr id="14" name="직사각형 13"/>
+          <p:cNvSpPr/>
+          <p:nvPr/>
+        </p:nvSpPr>
+        <p:spPr>
+          <a:xfrm>
+            <a:off x="627830" y="2036617"/>
+            <a:ext cx="267914" cy="241070"/>
+          </a:xfrm>
+          <a:prstGeom prst="rect">
+            <a:avLst/>
+          </a:prstGeom>
+          <a:noFill/>
+          <a:ln w="38100">
+            <a:solidFill>
+              <a:srgbClr val="FF0000"/>
+            </a:solidFill>
+          </a:ln>
+        </p:spPr>
+        <p:style>
+          <a:lnRef idx="2">
+            <a:schemeClr val="accent1">
+              <a:shade val="50000"/>
+            </a:schemeClr>
+          </a:lnRef>
+          <a:fillRef idx="1">
+            <a:schemeClr val="accent1"/>
+          </a:fillRef>
+          <a:effectRef idx="0">
+            <a:schemeClr val="accent1"/>
+          </a:effectRef>
+          <a:fontRef idx="minor">
+            <a:schemeClr val="lt1"/>
+          </a:fontRef>
+        </p:style>
+        <p:txBody>
+          <a:bodyPr rtlCol="0" anchor="ctr"/>
+          <a:lstStyle/>
+          <a:p>
+            <a:pPr algn="ctr"/>
+            <a:endParaRPr lang="ko-KR" altLang="en-US"/>
+          </a:p>
+        </p:txBody>
+      </p:sp>
+      <p:sp>
+        <p:nvSpPr>
+          <p:cNvPr id="15" name="직사각형 14"/>
+          <p:cNvSpPr/>
+          <p:nvPr/>
+        </p:nvSpPr>
+        <p:spPr>
+          <a:xfrm>
+            <a:off x="3027968" y="2036617"/>
+            <a:ext cx="267914" cy="241070"/>
+          </a:xfrm>
+          <a:prstGeom prst="rect">
+            <a:avLst/>
+          </a:prstGeom>
+          <a:noFill/>
+          <a:ln w="38100">
+            <a:solidFill>
+              <a:srgbClr val="FF0000"/>
+            </a:solidFill>
+          </a:ln>
+        </p:spPr>
+        <p:style>
+          <a:lnRef idx="2">
+            <a:schemeClr val="accent1">
+              <a:shade val="50000"/>
+            </a:schemeClr>
+          </a:lnRef>
+          <a:fillRef idx="1">
+            <a:schemeClr val="accent1"/>
+          </a:fillRef>
+          <a:effectRef idx="0">
+            <a:schemeClr val="accent1"/>
+          </a:effectRef>
+          <a:fontRef idx="minor">
+            <a:schemeClr val="lt1"/>
+          </a:fontRef>
+        </p:style>
+        <p:txBody>
+          <a:bodyPr rtlCol="0" anchor="ctr"/>
+          <a:lstStyle/>
+          <a:p>
+            <a:pPr algn="ctr"/>
+            <a:endParaRPr lang="ko-KR" altLang="en-US"/>
+          </a:p>
+        </p:txBody>
+      </p:sp>
+      <p:sp>
+        <p:nvSpPr>
+          <p:cNvPr id="16" name="직사각형 15"/>
+          <p:cNvSpPr/>
+          <p:nvPr/>
+        </p:nvSpPr>
+        <p:spPr>
+          <a:xfrm>
+            <a:off x="633901" y="2277687"/>
+            <a:ext cx="2134614" cy="315884"/>
+          </a:xfrm>
+          <a:prstGeom prst="rect">
+            <a:avLst/>
+          </a:prstGeom>
+          <a:noFill/>
+          <a:ln w="38100">
+            <a:solidFill>
+              <a:srgbClr val="FF0000"/>
+            </a:solidFill>
+          </a:ln>
+        </p:spPr>
+        <p:style>
+          <a:lnRef idx="2">
+            <a:schemeClr val="accent1">
+              <a:shade val="50000"/>
+            </a:schemeClr>
+          </a:lnRef>
+          <a:fillRef idx="1">
+            <a:schemeClr val="accent1"/>
+          </a:fillRef>
+          <a:effectRef idx="0">
+            <a:schemeClr val="accent1"/>
+          </a:effectRef>
+          <a:fontRef idx="minor">
+            <a:schemeClr val="lt1"/>
+          </a:fontRef>
+        </p:style>
+        <p:txBody>
+          <a:bodyPr rtlCol="0" anchor="ctr"/>
+          <a:lstStyle/>
+          <a:p>
+            <a:pPr algn="ctr"/>
+            <a:endParaRPr lang="ko-KR" altLang="en-US"/>
+          </a:p>
+        </p:txBody>
+      </p:sp>
+      <p:sp>
+        <p:nvSpPr>
+          <p:cNvPr id="17" name="직사각형 16"/>
+          <p:cNvSpPr/>
+          <p:nvPr/>
+        </p:nvSpPr>
+        <p:spPr>
+          <a:xfrm>
+            <a:off x="3027968" y="2277687"/>
             <a:ext cx="2169204" cy="315884"/>
           </a:xfrm>
           <a:prstGeom prst="rect">
@@ -4403,7 +5730,7 @@
 </p:sld>
 </file>
 
-<file path=ppt/slides/slide12.xml><?xml version="1.0" encoding="utf-8"?>
+<file path=ppt/slides/slide15.xml><?xml version="1.0" encoding="utf-8"?>
 <p:sld xmlns:a="http://schemas.openxmlformats.org/drawingml/2006/main" xmlns:r="http://schemas.openxmlformats.org/officeDocument/2006/relationships" xmlns:p="http://schemas.openxmlformats.org/presentationml/2006/main">
   <p:cSld>
     <p:spTree>
@@ -5068,6 +6395,82 @@
           </a:prstGeom>
         </p:spPr>
       </p:pic>
+      <p:pic>
+        <p:nvPicPr>
+          <p:cNvPr id="9" name="그림 8"/>
+          <p:cNvPicPr>
+            <a:picLocks noChangeAspect="1"/>
+          </p:cNvPicPr>
+          <p:nvPr/>
+        </p:nvPicPr>
+        <p:blipFill>
+          <a:blip r:embed="rId5">
+            <a:extLst>
+              <a:ext uri="{28A0092B-C50C-407E-A947-70E740481C1C}">
+                <a14:useLocalDpi xmlns:a14="http://schemas.microsoft.com/office/drawing/2010/main" val="0"/>
+              </a:ext>
+            </a:extLst>
+          </a:blip>
+          <a:stretch>
+            <a:fillRect/>
+          </a:stretch>
+        </p:blipFill>
+        <p:spPr>
+          <a:xfrm>
+            <a:off x="2761399" y="2045272"/>
+            <a:ext cx="6601746" cy="362001"/>
+          </a:xfrm>
+          <a:prstGeom prst="rect">
+            <a:avLst/>
+          </a:prstGeom>
+        </p:spPr>
+      </p:pic>
+      <p:sp>
+        <p:nvSpPr>
+          <p:cNvPr id="10" name="직사각형 9"/>
+          <p:cNvSpPr/>
+          <p:nvPr/>
+        </p:nvSpPr>
+        <p:spPr>
+          <a:xfrm>
+            <a:off x="8321039" y="2028241"/>
+            <a:ext cx="399011" cy="376402"/>
+          </a:xfrm>
+          <a:prstGeom prst="rect">
+            <a:avLst/>
+          </a:prstGeom>
+          <a:noFill/>
+          <a:ln w="38100">
+            <a:solidFill>
+              <a:srgbClr val="FF0000"/>
+            </a:solidFill>
+          </a:ln>
+        </p:spPr>
+        <p:style>
+          <a:lnRef idx="2">
+            <a:schemeClr val="accent1">
+              <a:shade val="50000"/>
+            </a:schemeClr>
+          </a:lnRef>
+          <a:fillRef idx="1">
+            <a:schemeClr val="accent1"/>
+          </a:fillRef>
+          <a:effectRef idx="0">
+            <a:schemeClr val="accent1"/>
+          </a:effectRef>
+          <a:fontRef idx="minor">
+            <a:schemeClr val="lt1"/>
+          </a:fontRef>
+        </p:style>
+        <p:txBody>
+          <a:bodyPr rtlCol="0" anchor="ctr"/>
+          <a:lstStyle/>
+          <a:p>
+            <a:pPr algn="ctr"/>
+            <a:endParaRPr lang="ko-KR" altLang="en-US"/>
+          </a:p>
+        </p:txBody>
+      </p:sp>
     </p:spTree>
     <p:extLst>
       <p:ext uri="{BB962C8B-B14F-4D97-AF65-F5344CB8AC3E}">
@@ -6721,9 +8124,55 @@
           </a:ln>
         </p:spPr>
       </p:pic>
+      <p:sp>
+        <p:nvSpPr>
+          <p:cNvPr id="9" name="직사각형 8"/>
+          <p:cNvSpPr/>
+          <p:nvPr/>
+        </p:nvSpPr>
+        <p:spPr>
+          <a:xfrm>
+            <a:off x="646486" y="2286000"/>
+            <a:ext cx="2144487" cy="315884"/>
+          </a:xfrm>
+          <a:prstGeom prst="rect">
+            <a:avLst/>
+          </a:prstGeom>
+          <a:noFill/>
+          <a:ln w="38100">
+            <a:solidFill>
+              <a:srgbClr val="FF0000"/>
+            </a:solidFill>
+          </a:ln>
+        </p:spPr>
+        <p:style>
+          <a:lnRef idx="2">
+            <a:schemeClr val="accent1">
+              <a:shade val="50000"/>
+            </a:schemeClr>
+          </a:lnRef>
+          <a:fillRef idx="1">
+            <a:schemeClr val="accent1"/>
+          </a:fillRef>
+          <a:effectRef idx="0">
+            <a:schemeClr val="accent1"/>
+          </a:effectRef>
+          <a:fontRef idx="minor">
+            <a:schemeClr val="lt1"/>
+          </a:fontRef>
+        </p:style>
+        <p:txBody>
+          <a:bodyPr rtlCol="0" anchor="ctr"/>
+          <a:lstStyle/>
+          <a:p>
+            <a:pPr algn="ctr"/>
+            <a:endParaRPr lang="ko-KR" altLang="en-US"/>
+          </a:p>
+        </p:txBody>
+      </p:sp>
       <p:pic>
         <p:nvPicPr>
-          <p:cNvPr id="7" name="그림 6"/>
+          <p:cNvPr id="14" name="그림 13"/>
           <p:cNvPicPr>
             <a:picLocks noChangeAspect="1"/>
           </p:cNvPicPr>
@@ -6743,214 +8192,6 @@
         </p:blipFill>
         <p:spPr>
           <a:xfrm>
-            <a:off x="3032368" y="2044930"/>
-            <a:ext cx="2124743" cy="4305994"/>
-          </a:xfrm>
-          <a:prstGeom prst="rect">
-            <a:avLst/>
-          </a:prstGeom>
-          <a:ln>
-            <a:solidFill>
-              <a:schemeClr val="tx1"/>
-            </a:solidFill>
-          </a:ln>
-        </p:spPr>
-      </p:pic>
-      <p:pic>
-        <p:nvPicPr>
-          <p:cNvPr id="8" name="그림 7"/>
-          <p:cNvPicPr>
-            <a:picLocks noChangeAspect="1"/>
-          </p:cNvPicPr>
-          <p:nvPr/>
-        </p:nvPicPr>
-        <p:blipFill>
-          <a:blip r:embed="rId5">
-            <a:extLst>
-              <a:ext uri="{28A0092B-C50C-407E-A947-70E740481C1C}">
-                <a14:useLocalDpi xmlns:a14="http://schemas.microsoft.com/office/drawing/2010/main" val="0"/>
-              </a:ext>
-            </a:extLst>
-          </a:blip>
-          <a:stretch>
-            <a:fillRect/>
-          </a:stretch>
-        </p:blipFill>
-        <p:spPr>
-          <a:xfrm>
-            <a:off x="5398506" y="2044930"/>
-            <a:ext cx="2138889" cy="4305994"/>
-          </a:xfrm>
-          <a:prstGeom prst="rect">
-            <a:avLst/>
-          </a:prstGeom>
-          <a:ln>
-            <a:solidFill>
-              <a:schemeClr val="tx1"/>
-            </a:solidFill>
-          </a:ln>
-        </p:spPr>
-      </p:pic>
-      <p:sp>
-        <p:nvSpPr>
-          <p:cNvPr id="9" name="직사각형 8"/>
-          <p:cNvSpPr/>
-          <p:nvPr/>
-        </p:nvSpPr>
-        <p:spPr>
-          <a:xfrm>
-            <a:off x="646486" y="2286000"/>
-            <a:ext cx="2144487" cy="315884"/>
-          </a:xfrm>
-          <a:prstGeom prst="rect">
-            <a:avLst/>
-          </a:prstGeom>
-          <a:noFill/>
-          <a:ln w="38100">
-            <a:solidFill>
-              <a:srgbClr val="FF0000"/>
-            </a:solidFill>
-          </a:ln>
-        </p:spPr>
-        <p:style>
-          <a:lnRef idx="2">
-            <a:schemeClr val="accent1">
-              <a:shade val="50000"/>
-            </a:schemeClr>
-          </a:lnRef>
-          <a:fillRef idx="1">
-            <a:schemeClr val="accent1"/>
-          </a:fillRef>
-          <a:effectRef idx="0">
-            <a:schemeClr val="accent1"/>
-          </a:effectRef>
-          <a:fontRef idx="minor">
-            <a:schemeClr val="lt1"/>
-          </a:fontRef>
-        </p:style>
-        <p:txBody>
-          <a:bodyPr rtlCol="0" anchor="ctr"/>
-          <a:lstStyle/>
-          <a:p>
-            <a:pPr algn="ctr"/>
-            <a:endParaRPr lang="ko-KR" altLang="en-US"/>
-          </a:p>
-        </p:txBody>
-      </p:sp>
-      <p:sp>
-        <p:nvSpPr>
-          <p:cNvPr id="11" name="직사각형 10"/>
-          <p:cNvSpPr/>
-          <p:nvPr/>
-        </p:nvSpPr>
-        <p:spPr>
-          <a:xfrm>
-            <a:off x="3022495" y="2286000"/>
-            <a:ext cx="2144487" cy="315884"/>
-          </a:xfrm>
-          <a:prstGeom prst="rect">
-            <a:avLst/>
-          </a:prstGeom>
-          <a:noFill/>
-          <a:ln w="38100">
-            <a:solidFill>
-              <a:srgbClr val="FF0000"/>
-            </a:solidFill>
-          </a:ln>
-        </p:spPr>
-        <p:style>
-          <a:lnRef idx="2">
-            <a:schemeClr val="accent1">
-              <a:shade val="50000"/>
-            </a:schemeClr>
-          </a:lnRef>
-          <a:fillRef idx="1">
-            <a:schemeClr val="accent1"/>
-          </a:fillRef>
-          <a:effectRef idx="0">
-            <a:schemeClr val="accent1"/>
-          </a:effectRef>
-          <a:fontRef idx="minor">
-            <a:schemeClr val="lt1"/>
-          </a:fontRef>
-        </p:style>
-        <p:txBody>
-          <a:bodyPr rtlCol="0" anchor="ctr"/>
-          <a:lstStyle/>
-          <a:p>
-            <a:pPr algn="ctr"/>
-            <a:endParaRPr lang="ko-KR" altLang="en-US"/>
-          </a:p>
-        </p:txBody>
-      </p:sp>
-      <p:sp>
-        <p:nvSpPr>
-          <p:cNvPr id="12" name="직사각형 11"/>
-          <p:cNvSpPr/>
-          <p:nvPr/>
-        </p:nvSpPr>
-        <p:spPr>
-          <a:xfrm>
-            <a:off x="5388635" y="2286000"/>
-            <a:ext cx="2144487" cy="315884"/>
-          </a:xfrm>
-          <a:prstGeom prst="rect">
-            <a:avLst/>
-          </a:prstGeom>
-          <a:noFill/>
-          <a:ln w="38100">
-            <a:solidFill>
-              <a:srgbClr val="FF0000"/>
-            </a:solidFill>
-          </a:ln>
-        </p:spPr>
-        <p:style>
-          <a:lnRef idx="2">
-            <a:schemeClr val="accent1">
-              <a:shade val="50000"/>
-            </a:schemeClr>
-          </a:lnRef>
-          <a:fillRef idx="1">
-            <a:schemeClr val="accent1"/>
-          </a:fillRef>
-          <a:effectRef idx="0">
-            <a:schemeClr val="accent1"/>
-          </a:effectRef>
-          <a:fontRef idx="minor">
-            <a:schemeClr val="lt1"/>
-          </a:fontRef>
-        </p:style>
-        <p:txBody>
-          <a:bodyPr rtlCol="0" anchor="ctr"/>
-          <a:lstStyle/>
-          <a:p>
-            <a:pPr algn="ctr"/>
-            <a:endParaRPr lang="ko-KR" altLang="en-US"/>
-          </a:p>
-        </p:txBody>
-      </p:sp>
-      <p:pic>
-        <p:nvPicPr>
-          <p:cNvPr id="14" name="그림 13"/>
-          <p:cNvPicPr>
-            <a:picLocks noChangeAspect="1"/>
-          </p:cNvPicPr>
-          <p:nvPr/>
-        </p:nvPicPr>
-        <p:blipFill>
-          <a:blip r:embed="rId6">
-            <a:extLst>
-              <a:ext uri="{28A0092B-C50C-407E-A947-70E740481C1C}">
-                <a14:useLocalDpi xmlns:a14="http://schemas.microsoft.com/office/drawing/2010/main" val="0"/>
-              </a:ext>
-            </a:extLst>
-          </a:blip>
-          <a:stretch>
-            <a:fillRect/>
-          </a:stretch>
-        </p:blipFill>
-        <p:spPr>
-          <a:xfrm>
             <a:off x="7911742" y="2554635"/>
             <a:ext cx="3467584" cy="3286584"/>
           </a:xfrm>
@@ -6968,98 +8209,6 @@
         <p:spPr>
           <a:xfrm>
             <a:off x="646486" y="2044930"/>
-            <a:ext cx="267914" cy="241070"/>
-          </a:xfrm>
-          <a:prstGeom prst="rect">
-            <a:avLst/>
-          </a:prstGeom>
-          <a:noFill/>
-          <a:ln w="38100">
-            <a:solidFill>
-              <a:srgbClr val="FF0000"/>
-            </a:solidFill>
-          </a:ln>
-        </p:spPr>
-        <p:style>
-          <a:lnRef idx="2">
-            <a:schemeClr val="accent1">
-              <a:shade val="50000"/>
-            </a:schemeClr>
-          </a:lnRef>
-          <a:fillRef idx="1">
-            <a:schemeClr val="accent1"/>
-          </a:fillRef>
-          <a:effectRef idx="0">
-            <a:schemeClr val="accent1"/>
-          </a:effectRef>
-          <a:fontRef idx="minor">
-            <a:schemeClr val="lt1"/>
-          </a:fontRef>
-        </p:style>
-        <p:txBody>
-          <a:bodyPr rtlCol="0" anchor="ctr"/>
-          <a:lstStyle/>
-          <a:p>
-            <a:pPr algn="ctr"/>
-            <a:endParaRPr lang="ko-KR" altLang="en-US"/>
-          </a:p>
-        </p:txBody>
-      </p:sp>
-      <p:sp>
-        <p:nvSpPr>
-          <p:cNvPr id="17" name="직사각형 16"/>
-          <p:cNvSpPr/>
-          <p:nvPr/>
-        </p:nvSpPr>
-        <p:spPr>
-          <a:xfrm>
-            <a:off x="3022495" y="2044930"/>
-            <a:ext cx="267914" cy="241070"/>
-          </a:xfrm>
-          <a:prstGeom prst="rect">
-            <a:avLst/>
-          </a:prstGeom>
-          <a:noFill/>
-          <a:ln w="38100">
-            <a:solidFill>
-              <a:srgbClr val="FF0000"/>
-            </a:solidFill>
-          </a:ln>
-        </p:spPr>
-        <p:style>
-          <a:lnRef idx="2">
-            <a:schemeClr val="accent1">
-              <a:shade val="50000"/>
-            </a:schemeClr>
-          </a:lnRef>
-          <a:fillRef idx="1">
-            <a:schemeClr val="accent1"/>
-          </a:fillRef>
-          <a:effectRef idx="0">
-            <a:schemeClr val="accent1"/>
-          </a:effectRef>
-          <a:fontRef idx="minor">
-            <a:schemeClr val="lt1"/>
-          </a:fontRef>
-        </p:style>
-        <p:txBody>
-          <a:bodyPr rtlCol="0" anchor="ctr"/>
-          <a:lstStyle/>
-          <a:p>
-            <a:pPr algn="ctr"/>
-            <a:endParaRPr lang="ko-KR" altLang="en-US"/>
-          </a:p>
-        </p:txBody>
-      </p:sp>
-      <p:sp>
-        <p:nvSpPr>
-          <p:cNvPr id="18" name="직사각형 17"/>
-          <p:cNvSpPr/>
-          <p:nvPr/>
-        </p:nvSpPr>
-        <p:spPr>
-          <a:xfrm>
-            <a:off x="5387077" y="2044930"/>
             <a:ext cx="267914" cy="241070"/>
           </a:xfrm>
           <a:prstGeom prst="rect">
@@ -7245,7 +8394,7 @@
         </p:nvSpPr>
         <p:spPr>
           <a:xfrm>
-            <a:off x="5656367" y="823833"/>
+            <a:off x="4771505" y="823834"/>
             <a:ext cx="906088" cy="781159"/>
           </a:xfrm>
           <a:prstGeom prst="rect">
@@ -7285,7 +8434,7 @@
       </p:sp>
       <p:pic>
         <p:nvPicPr>
-          <p:cNvPr id="16" name="그림 15"/>
+          <p:cNvPr id="6" name="그림 5"/>
           <p:cNvPicPr>
             <a:picLocks noChangeAspect="1"/>
           </p:cNvPicPr>
@@ -7305,8 +8454,8 @@
         </p:blipFill>
         <p:spPr>
           <a:xfrm>
-            <a:off x="635847" y="2039435"/>
-            <a:ext cx="2140684" cy="4361073"/>
+            <a:off x="646486" y="2044930"/>
+            <a:ext cx="2144487" cy="4305994"/>
           </a:xfrm>
           <a:prstGeom prst="rect">
             <a:avLst/>
@@ -7318,147 +8467,9 @@
           </a:ln>
         </p:spPr>
       </p:pic>
-      <p:sp>
-        <p:nvSpPr>
-          <p:cNvPr id="17" name="직사각형 16"/>
-          <p:cNvSpPr/>
-          <p:nvPr/>
-        </p:nvSpPr>
-        <p:spPr>
-          <a:xfrm>
-            <a:off x="632044" y="2280505"/>
-            <a:ext cx="2144487" cy="315884"/>
-          </a:xfrm>
-          <a:prstGeom prst="rect">
-            <a:avLst/>
-          </a:prstGeom>
-          <a:noFill/>
-          <a:ln w="38100">
-            <a:solidFill>
-              <a:srgbClr val="FF0000"/>
-            </a:solidFill>
-          </a:ln>
-        </p:spPr>
-        <p:style>
-          <a:lnRef idx="2">
-            <a:schemeClr val="accent1">
-              <a:shade val="50000"/>
-            </a:schemeClr>
-          </a:lnRef>
-          <a:fillRef idx="1">
-            <a:schemeClr val="accent1"/>
-          </a:fillRef>
-          <a:effectRef idx="0">
-            <a:schemeClr val="accent1"/>
-          </a:effectRef>
-          <a:fontRef idx="minor">
-            <a:schemeClr val="lt1"/>
-          </a:fontRef>
-        </p:style>
-        <p:txBody>
-          <a:bodyPr rtlCol="0" anchor="ctr"/>
-          <a:lstStyle/>
-          <a:p>
-            <a:pPr algn="ctr"/>
-            <a:endParaRPr lang="ko-KR" altLang="en-US"/>
-          </a:p>
-        </p:txBody>
-      </p:sp>
-      <p:sp>
-        <p:nvSpPr>
-          <p:cNvPr id="18" name="직사각형 17"/>
-          <p:cNvSpPr/>
-          <p:nvPr/>
-        </p:nvSpPr>
-        <p:spPr>
-          <a:xfrm>
-            <a:off x="632044" y="2039435"/>
-            <a:ext cx="267914" cy="241070"/>
-          </a:xfrm>
-          <a:prstGeom prst="rect">
-            <a:avLst/>
-          </a:prstGeom>
-          <a:noFill/>
-          <a:ln w="38100">
-            <a:solidFill>
-              <a:srgbClr val="FF0000"/>
-            </a:solidFill>
-          </a:ln>
-        </p:spPr>
-        <p:style>
-          <a:lnRef idx="2">
-            <a:schemeClr val="accent1">
-              <a:shade val="50000"/>
-            </a:schemeClr>
-          </a:lnRef>
-          <a:fillRef idx="1">
-            <a:schemeClr val="accent1"/>
-          </a:fillRef>
-          <a:effectRef idx="0">
-            <a:schemeClr val="accent1"/>
-          </a:effectRef>
-          <a:fontRef idx="minor">
-            <a:schemeClr val="lt1"/>
-          </a:fontRef>
-        </p:style>
-        <p:txBody>
-          <a:bodyPr rtlCol="0" anchor="ctr"/>
-          <a:lstStyle/>
-          <a:p>
-            <a:pPr algn="ctr"/>
-            <a:endParaRPr lang="ko-KR" altLang="en-US"/>
-          </a:p>
-        </p:txBody>
-      </p:sp>
-      <p:sp>
-        <p:nvSpPr>
-          <p:cNvPr id="19" name="직사각형 18"/>
-          <p:cNvSpPr/>
-          <p:nvPr/>
-        </p:nvSpPr>
-        <p:spPr>
-          <a:xfrm>
-            <a:off x="2356069" y="2644272"/>
-            <a:ext cx="254727" cy="241070"/>
-          </a:xfrm>
-          <a:prstGeom prst="rect">
-            <a:avLst/>
-          </a:prstGeom>
-          <a:noFill/>
-          <a:ln w="38100">
-            <a:solidFill>
-              <a:srgbClr val="FF0000"/>
-            </a:solidFill>
-          </a:ln>
-        </p:spPr>
-        <p:style>
-          <a:lnRef idx="2">
-            <a:schemeClr val="accent1">
-              <a:shade val="50000"/>
-            </a:schemeClr>
-          </a:lnRef>
-          <a:fillRef idx="1">
-            <a:schemeClr val="accent1"/>
-          </a:fillRef>
-          <a:effectRef idx="0">
-            <a:schemeClr val="accent1"/>
-          </a:effectRef>
-          <a:fontRef idx="minor">
-            <a:schemeClr val="lt1"/>
-          </a:fontRef>
-        </p:style>
-        <p:txBody>
-          <a:bodyPr rtlCol="0" anchor="ctr"/>
-          <a:lstStyle/>
-          <a:p>
-            <a:pPr algn="ctr"/>
-            <a:endParaRPr lang="ko-KR" altLang="en-US"/>
-          </a:p>
-        </p:txBody>
-      </p:sp>
       <p:pic>
         <p:nvPicPr>
-          <p:cNvPr id="20" name="그림 19"/>
+          <p:cNvPr id="7" name="그림 6"/>
           <p:cNvPicPr>
             <a:picLocks noChangeAspect="1"/>
           </p:cNvPicPr>
@@ -7478,8 +8489,8 @@
         </p:blipFill>
         <p:spPr>
           <a:xfrm>
-            <a:off x="3020245" y="2039435"/>
-            <a:ext cx="2183409" cy="4361073"/>
+            <a:off x="3032368" y="2044930"/>
+            <a:ext cx="2124743" cy="4305994"/>
           </a:xfrm>
           <a:prstGeom prst="rect">
             <a:avLst/>
@@ -7493,14 +8504,14 @@
       </p:pic>
       <p:sp>
         <p:nvSpPr>
-          <p:cNvPr id="21" name="직사각형 20"/>
+          <p:cNvPr id="9" name="직사각형 8"/>
           <p:cNvSpPr/>
           <p:nvPr/>
         </p:nvSpPr>
         <p:spPr>
           <a:xfrm>
-            <a:off x="3020245" y="2280505"/>
-            <a:ext cx="2183409" cy="315884"/>
+            <a:off x="646486" y="2286000"/>
+            <a:ext cx="2144487" cy="315884"/>
           </a:xfrm>
           <a:prstGeom prst="rect">
             <a:avLst/>
@@ -7539,14 +8550,14 @@
       </p:sp>
       <p:sp>
         <p:nvSpPr>
-          <p:cNvPr id="22" name="직사각형 21"/>
+          <p:cNvPr id="11" name="직사각형 10"/>
           <p:cNvSpPr/>
           <p:nvPr/>
         </p:nvSpPr>
         <p:spPr>
           <a:xfrm>
-            <a:off x="3020244" y="2039435"/>
-            <a:ext cx="272777" cy="241070"/>
+            <a:off x="3022495" y="2286000"/>
+            <a:ext cx="2144487" cy="315884"/>
           </a:xfrm>
           <a:prstGeom prst="rect">
             <a:avLst/>
@@ -7585,7 +8596,7 @@
       </p:sp>
       <p:pic>
         <p:nvPicPr>
-          <p:cNvPr id="12" name="그림 11"/>
+          <p:cNvPr id="14" name="그림 13"/>
           <p:cNvPicPr>
             <a:picLocks noChangeAspect="1"/>
           </p:cNvPicPr>
@@ -7605,18 +8616,110 @@
         </p:blipFill>
         <p:spPr>
           <a:xfrm>
-            <a:off x="7469097" y="2596389"/>
-            <a:ext cx="4229924" cy="2893433"/>
+            <a:off x="7911742" y="2554635"/>
+            <a:ext cx="3467584" cy="3286584"/>
           </a:xfrm>
           <a:prstGeom prst="rect">
             <a:avLst/>
           </a:prstGeom>
         </p:spPr>
       </p:pic>
+      <p:sp>
+        <p:nvSpPr>
+          <p:cNvPr id="16" name="직사각형 15"/>
+          <p:cNvSpPr/>
+          <p:nvPr/>
+        </p:nvSpPr>
+        <p:spPr>
+          <a:xfrm>
+            <a:off x="646486" y="2044930"/>
+            <a:ext cx="267914" cy="241070"/>
+          </a:xfrm>
+          <a:prstGeom prst="rect">
+            <a:avLst/>
+          </a:prstGeom>
+          <a:noFill/>
+          <a:ln w="38100">
+            <a:solidFill>
+              <a:srgbClr val="FF0000"/>
+            </a:solidFill>
+          </a:ln>
+        </p:spPr>
+        <p:style>
+          <a:lnRef idx="2">
+            <a:schemeClr val="accent1">
+              <a:shade val="50000"/>
+            </a:schemeClr>
+          </a:lnRef>
+          <a:fillRef idx="1">
+            <a:schemeClr val="accent1"/>
+          </a:fillRef>
+          <a:effectRef idx="0">
+            <a:schemeClr val="accent1"/>
+          </a:effectRef>
+          <a:fontRef idx="minor">
+            <a:schemeClr val="lt1"/>
+          </a:fontRef>
+        </p:style>
+        <p:txBody>
+          <a:bodyPr rtlCol="0" anchor="ctr"/>
+          <a:lstStyle/>
+          <a:p>
+            <a:pPr algn="ctr"/>
+            <a:endParaRPr lang="ko-KR" altLang="en-US"/>
+          </a:p>
+        </p:txBody>
+      </p:sp>
+      <p:sp>
+        <p:nvSpPr>
+          <p:cNvPr id="17" name="직사각형 16"/>
+          <p:cNvSpPr/>
+          <p:nvPr/>
+        </p:nvSpPr>
+        <p:spPr>
+          <a:xfrm>
+            <a:off x="3022495" y="2044930"/>
+            <a:ext cx="267914" cy="241070"/>
+          </a:xfrm>
+          <a:prstGeom prst="rect">
+            <a:avLst/>
+          </a:prstGeom>
+          <a:noFill/>
+          <a:ln w="38100">
+            <a:solidFill>
+              <a:srgbClr val="FF0000"/>
+            </a:solidFill>
+          </a:ln>
+        </p:spPr>
+        <p:style>
+          <a:lnRef idx="2">
+            <a:schemeClr val="accent1">
+              <a:shade val="50000"/>
+            </a:schemeClr>
+          </a:lnRef>
+          <a:fillRef idx="1">
+            <a:schemeClr val="accent1"/>
+          </a:fillRef>
+          <a:effectRef idx="0">
+            <a:schemeClr val="accent1"/>
+          </a:effectRef>
+          <a:fontRef idx="minor">
+            <a:schemeClr val="lt1"/>
+          </a:fontRef>
+        </p:style>
+        <p:txBody>
+          <a:bodyPr rtlCol="0" anchor="ctr"/>
+          <a:lstStyle/>
+          <a:p>
+            <a:pPr algn="ctr"/>
+            <a:endParaRPr lang="ko-KR" altLang="en-US"/>
+          </a:p>
+        </p:txBody>
+      </p:sp>
     </p:spTree>
     <p:extLst>
       <p:ext uri="{BB962C8B-B14F-4D97-AF65-F5344CB8AC3E}">
-        <p14:creationId xmlns:p14="http://schemas.microsoft.com/office/powerpoint/2010/main" val="202199321"/>
+        <p14:creationId xmlns:p14="http://schemas.microsoft.com/office/powerpoint/2010/main" val="96535468"/>
       </p:ext>
     </p:extLst>
   </p:cSld>
@@ -7761,7 +8864,7 @@
         </p:nvSpPr>
         <p:spPr>
           <a:xfrm>
-            <a:off x="5656367" y="823833"/>
+            <a:off x="4771505" y="823834"/>
             <a:ext cx="906088" cy="781159"/>
           </a:xfrm>
           <a:prstGeom prst="rect">
@@ -7801,7 +8904,7 @@
       </p:sp>
       <p:pic>
         <p:nvPicPr>
-          <p:cNvPr id="16" name="그림 15"/>
+          <p:cNvPr id="6" name="그림 5"/>
           <p:cNvPicPr>
             <a:picLocks noChangeAspect="1"/>
           </p:cNvPicPr>
@@ -7821,8 +8924,8 @@
         </p:blipFill>
         <p:spPr>
           <a:xfrm>
-            <a:off x="593121" y="2039435"/>
-            <a:ext cx="2183410" cy="4378311"/>
+            <a:off x="646486" y="2044930"/>
+            <a:ext cx="2144487" cy="4305994"/>
           </a:xfrm>
           <a:prstGeom prst="rect">
             <a:avLst/>
@@ -7834,101 +8937,9 @@
           </a:ln>
         </p:spPr>
       </p:pic>
-      <p:sp>
-        <p:nvSpPr>
-          <p:cNvPr id="17" name="직사각형 16"/>
-          <p:cNvSpPr/>
-          <p:nvPr/>
-        </p:nvSpPr>
-        <p:spPr>
-          <a:xfrm>
-            <a:off x="593122" y="2280505"/>
-            <a:ext cx="2183409" cy="315884"/>
-          </a:xfrm>
-          <a:prstGeom prst="rect">
-            <a:avLst/>
-          </a:prstGeom>
-          <a:noFill/>
-          <a:ln w="38100">
-            <a:solidFill>
-              <a:srgbClr val="FF0000"/>
-            </a:solidFill>
-          </a:ln>
-        </p:spPr>
-        <p:style>
-          <a:lnRef idx="2">
-            <a:schemeClr val="accent1">
-              <a:shade val="50000"/>
-            </a:schemeClr>
-          </a:lnRef>
-          <a:fillRef idx="1">
-            <a:schemeClr val="accent1"/>
-          </a:fillRef>
-          <a:effectRef idx="0">
-            <a:schemeClr val="accent1"/>
-          </a:effectRef>
-          <a:fontRef idx="minor">
-            <a:schemeClr val="lt1"/>
-          </a:fontRef>
-        </p:style>
-        <p:txBody>
-          <a:bodyPr rtlCol="0" anchor="ctr"/>
-          <a:lstStyle/>
-          <a:p>
-            <a:pPr algn="ctr"/>
-            <a:endParaRPr lang="ko-KR" altLang="en-US"/>
-          </a:p>
-        </p:txBody>
-      </p:sp>
-      <p:sp>
-        <p:nvSpPr>
-          <p:cNvPr id="18" name="직사각형 17"/>
-          <p:cNvSpPr/>
-          <p:nvPr/>
-        </p:nvSpPr>
-        <p:spPr>
-          <a:xfrm>
-            <a:off x="593121" y="2039435"/>
-            <a:ext cx="272777" cy="241070"/>
-          </a:xfrm>
-          <a:prstGeom prst="rect">
-            <a:avLst/>
-          </a:prstGeom>
-          <a:noFill/>
-          <a:ln w="38100">
-            <a:solidFill>
-              <a:srgbClr val="FF0000"/>
-            </a:solidFill>
-          </a:ln>
-        </p:spPr>
-        <p:style>
-          <a:lnRef idx="2">
-            <a:schemeClr val="accent1">
-              <a:shade val="50000"/>
-            </a:schemeClr>
-          </a:lnRef>
-          <a:fillRef idx="1">
-            <a:schemeClr val="accent1"/>
-          </a:fillRef>
-          <a:effectRef idx="0">
-            <a:schemeClr val="accent1"/>
-          </a:effectRef>
-          <a:fontRef idx="minor">
-            <a:schemeClr val="lt1"/>
-          </a:fontRef>
-        </p:style>
-        <p:txBody>
-          <a:bodyPr rtlCol="0" anchor="ctr"/>
-          <a:lstStyle/>
-          <a:p>
-            <a:pPr algn="ctr"/>
-            <a:endParaRPr lang="ko-KR" altLang="en-US"/>
-          </a:p>
-        </p:txBody>
-      </p:sp>
       <p:pic>
         <p:nvPicPr>
-          <p:cNvPr id="6" name="그림 5"/>
+          <p:cNvPr id="7" name="그림 6"/>
           <p:cNvPicPr>
             <a:picLocks noChangeAspect="1"/>
           </p:cNvPicPr>
@@ -7948,17 +8959,22 @@
         </p:blipFill>
         <p:spPr>
           <a:xfrm>
-            <a:off x="3651961" y="2039435"/>
-            <a:ext cx="2457450" cy="1857375"/>
-          </a:xfrm>
-          <a:prstGeom prst="rect">
-            <a:avLst/>
-          </a:prstGeom>
+            <a:off x="3032368" y="2044930"/>
+            <a:ext cx="2124743" cy="4305994"/>
+          </a:xfrm>
+          <a:prstGeom prst="rect">
+            <a:avLst/>
+          </a:prstGeom>
+          <a:ln>
+            <a:solidFill>
+              <a:schemeClr val="tx1"/>
+            </a:solidFill>
+          </a:ln>
         </p:spPr>
       </p:pic>
       <p:pic>
         <p:nvPicPr>
-          <p:cNvPr id="7" name="그림 6"/>
+          <p:cNvPr id="8" name="그림 7"/>
           <p:cNvPicPr>
             <a:picLocks noChangeAspect="1"/>
           </p:cNvPicPr>
@@ -7978,18 +8994,329 @@
         </p:blipFill>
         <p:spPr>
           <a:xfrm>
-            <a:off x="3651961" y="4179059"/>
-            <a:ext cx="6458851" cy="2238687"/>
-          </a:xfrm>
-          <a:prstGeom prst="rect">
-            <a:avLst/>
-          </a:prstGeom>
+            <a:off x="5398506" y="2044930"/>
+            <a:ext cx="2138889" cy="4305994"/>
+          </a:xfrm>
+          <a:prstGeom prst="rect">
+            <a:avLst/>
+          </a:prstGeom>
+          <a:ln>
+            <a:solidFill>
+              <a:schemeClr val="tx1"/>
+            </a:solidFill>
+          </a:ln>
         </p:spPr>
       </p:pic>
+      <p:sp>
+        <p:nvSpPr>
+          <p:cNvPr id="9" name="직사각형 8"/>
+          <p:cNvSpPr/>
+          <p:nvPr/>
+        </p:nvSpPr>
+        <p:spPr>
+          <a:xfrm>
+            <a:off x="646486" y="2286000"/>
+            <a:ext cx="2144487" cy="315884"/>
+          </a:xfrm>
+          <a:prstGeom prst="rect">
+            <a:avLst/>
+          </a:prstGeom>
+          <a:noFill/>
+          <a:ln w="38100">
+            <a:solidFill>
+              <a:srgbClr val="FF0000"/>
+            </a:solidFill>
+          </a:ln>
+        </p:spPr>
+        <p:style>
+          <a:lnRef idx="2">
+            <a:schemeClr val="accent1">
+              <a:shade val="50000"/>
+            </a:schemeClr>
+          </a:lnRef>
+          <a:fillRef idx="1">
+            <a:schemeClr val="accent1"/>
+          </a:fillRef>
+          <a:effectRef idx="0">
+            <a:schemeClr val="accent1"/>
+          </a:effectRef>
+          <a:fontRef idx="minor">
+            <a:schemeClr val="lt1"/>
+          </a:fontRef>
+        </p:style>
+        <p:txBody>
+          <a:bodyPr rtlCol="0" anchor="ctr"/>
+          <a:lstStyle/>
+          <a:p>
+            <a:pPr algn="ctr"/>
+            <a:endParaRPr lang="ko-KR" altLang="en-US"/>
+          </a:p>
+        </p:txBody>
+      </p:sp>
+      <p:sp>
+        <p:nvSpPr>
+          <p:cNvPr id="11" name="직사각형 10"/>
+          <p:cNvSpPr/>
+          <p:nvPr/>
+        </p:nvSpPr>
+        <p:spPr>
+          <a:xfrm>
+            <a:off x="3022495" y="2286000"/>
+            <a:ext cx="2144487" cy="315884"/>
+          </a:xfrm>
+          <a:prstGeom prst="rect">
+            <a:avLst/>
+          </a:prstGeom>
+          <a:noFill/>
+          <a:ln w="38100">
+            <a:solidFill>
+              <a:srgbClr val="FF0000"/>
+            </a:solidFill>
+          </a:ln>
+        </p:spPr>
+        <p:style>
+          <a:lnRef idx="2">
+            <a:schemeClr val="accent1">
+              <a:shade val="50000"/>
+            </a:schemeClr>
+          </a:lnRef>
+          <a:fillRef idx="1">
+            <a:schemeClr val="accent1"/>
+          </a:fillRef>
+          <a:effectRef idx="0">
+            <a:schemeClr val="accent1"/>
+          </a:effectRef>
+          <a:fontRef idx="minor">
+            <a:schemeClr val="lt1"/>
+          </a:fontRef>
+        </p:style>
+        <p:txBody>
+          <a:bodyPr rtlCol="0" anchor="ctr"/>
+          <a:lstStyle/>
+          <a:p>
+            <a:pPr algn="ctr"/>
+            <a:endParaRPr lang="ko-KR" altLang="en-US"/>
+          </a:p>
+        </p:txBody>
+      </p:sp>
+      <p:sp>
+        <p:nvSpPr>
+          <p:cNvPr id="12" name="직사각형 11"/>
+          <p:cNvSpPr/>
+          <p:nvPr/>
+        </p:nvSpPr>
+        <p:spPr>
+          <a:xfrm>
+            <a:off x="5388635" y="2286000"/>
+            <a:ext cx="2144487" cy="315884"/>
+          </a:xfrm>
+          <a:prstGeom prst="rect">
+            <a:avLst/>
+          </a:prstGeom>
+          <a:noFill/>
+          <a:ln w="38100">
+            <a:solidFill>
+              <a:srgbClr val="FF0000"/>
+            </a:solidFill>
+          </a:ln>
+        </p:spPr>
+        <p:style>
+          <a:lnRef idx="2">
+            <a:schemeClr val="accent1">
+              <a:shade val="50000"/>
+            </a:schemeClr>
+          </a:lnRef>
+          <a:fillRef idx="1">
+            <a:schemeClr val="accent1"/>
+          </a:fillRef>
+          <a:effectRef idx="0">
+            <a:schemeClr val="accent1"/>
+          </a:effectRef>
+          <a:fontRef idx="minor">
+            <a:schemeClr val="lt1"/>
+          </a:fontRef>
+        </p:style>
+        <p:txBody>
+          <a:bodyPr rtlCol="0" anchor="ctr"/>
+          <a:lstStyle/>
+          <a:p>
+            <a:pPr algn="ctr"/>
+            <a:endParaRPr lang="ko-KR" altLang="en-US"/>
+          </a:p>
+        </p:txBody>
+      </p:sp>
+      <p:pic>
+        <p:nvPicPr>
+          <p:cNvPr id="14" name="그림 13"/>
+          <p:cNvPicPr>
+            <a:picLocks noChangeAspect="1"/>
+          </p:cNvPicPr>
+          <p:nvPr/>
+        </p:nvPicPr>
+        <p:blipFill>
+          <a:blip r:embed="rId6">
+            <a:extLst>
+              <a:ext uri="{28A0092B-C50C-407E-A947-70E740481C1C}">
+                <a14:useLocalDpi xmlns:a14="http://schemas.microsoft.com/office/drawing/2010/main" val="0"/>
+              </a:ext>
+            </a:extLst>
+          </a:blip>
+          <a:stretch>
+            <a:fillRect/>
+          </a:stretch>
+        </p:blipFill>
+        <p:spPr>
+          <a:xfrm>
+            <a:off x="7911742" y="2554635"/>
+            <a:ext cx="3467584" cy="3286584"/>
+          </a:xfrm>
+          <a:prstGeom prst="rect">
+            <a:avLst/>
+          </a:prstGeom>
+        </p:spPr>
+      </p:pic>
+      <p:sp>
+        <p:nvSpPr>
+          <p:cNvPr id="16" name="직사각형 15"/>
+          <p:cNvSpPr/>
+          <p:nvPr/>
+        </p:nvSpPr>
+        <p:spPr>
+          <a:xfrm>
+            <a:off x="646486" y="2044930"/>
+            <a:ext cx="267914" cy="241070"/>
+          </a:xfrm>
+          <a:prstGeom prst="rect">
+            <a:avLst/>
+          </a:prstGeom>
+          <a:noFill/>
+          <a:ln w="38100">
+            <a:solidFill>
+              <a:srgbClr val="FF0000"/>
+            </a:solidFill>
+          </a:ln>
+        </p:spPr>
+        <p:style>
+          <a:lnRef idx="2">
+            <a:schemeClr val="accent1">
+              <a:shade val="50000"/>
+            </a:schemeClr>
+          </a:lnRef>
+          <a:fillRef idx="1">
+            <a:schemeClr val="accent1"/>
+          </a:fillRef>
+          <a:effectRef idx="0">
+            <a:schemeClr val="accent1"/>
+          </a:effectRef>
+          <a:fontRef idx="minor">
+            <a:schemeClr val="lt1"/>
+          </a:fontRef>
+        </p:style>
+        <p:txBody>
+          <a:bodyPr rtlCol="0" anchor="ctr"/>
+          <a:lstStyle/>
+          <a:p>
+            <a:pPr algn="ctr"/>
+            <a:endParaRPr lang="ko-KR" altLang="en-US"/>
+          </a:p>
+        </p:txBody>
+      </p:sp>
+      <p:sp>
+        <p:nvSpPr>
+          <p:cNvPr id="17" name="직사각형 16"/>
+          <p:cNvSpPr/>
+          <p:nvPr/>
+        </p:nvSpPr>
+        <p:spPr>
+          <a:xfrm>
+            <a:off x="3022495" y="2044930"/>
+            <a:ext cx="267914" cy="241070"/>
+          </a:xfrm>
+          <a:prstGeom prst="rect">
+            <a:avLst/>
+          </a:prstGeom>
+          <a:noFill/>
+          <a:ln w="38100">
+            <a:solidFill>
+              <a:srgbClr val="FF0000"/>
+            </a:solidFill>
+          </a:ln>
+        </p:spPr>
+        <p:style>
+          <a:lnRef idx="2">
+            <a:schemeClr val="accent1">
+              <a:shade val="50000"/>
+            </a:schemeClr>
+          </a:lnRef>
+          <a:fillRef idx="1">
+            <a:schemeClr val="accent1"/>
+          </a:fillRef>
+          <a:effectRef idx="0">
+            <a:schemeClr val="accent1"/>
+          </a:effectRef>
+          <a:fontRef idx="minor">
+            <a:schemeClr val="lt1"/>
+          </a:fontRef>
+        </p:style>
+        <p:txBody>
+          <a:bodyPr rtlCol="0" anchor="ctr"/>
+          <a:lstStyle/>
+          <a:p>
+            <a:pPr algn="ctr"/>
+            <a:endParaRPr lang="ko-KR" altLang="en-US"/>
+          </a:p>
+        </p:txBody>
+      </p:sp>
+      <p:sp>
+        <p:nvSpPr>
+          <p:cNvPr id="18" name="직사각형 17"/>
+          <p:cNvSpPr/>
+          <p:nvPr/>
+        </p:nvSpPr>
+        <p:spPr>
+          <a:xfrm>
+            <a:off x="5387077" y="2044930"/>
+            <a:ext cx="267914" cy="241070"/>
+          </a:xfrm>
+          <a:prstGeom prst="rect">
+            <a:avLst/>
+          </a:prstGeom>
+          <a:noFill/>
+          <a:ln w="38100">
+            <a:solidFill>
+              <a:srgbClr val="FF0000"/>
+            </a:solidFill>
+          </a:ln>
+        </p:spPr>
+        <p:style>
+          <a:lnRef idx="2">
+            <a:schemeClr val="accent1">
+              <a:shade val="50000"/>
+            </a:schemeClr>
+          </a:lnRef>
+          <a:fillRef idx="1">
+            <a:schemeClr val="accent1"/>
+          </a:fillRef>
+          <a:effectRef idx="0">
+            <a:schemeClr val="accent1"/>
+          </a:effectRef>
+          <a:fontRef idx="minor">
+            <a:schemeClr val="lt1"/>
+          </a:fontRef>
+        </p:style>
+        <p:txBody>
+          <a:bodyPr rtlCol="0" anchor="ctr"/>
+          <a:lstStyle/>
+          <a:p>
+            <a:pPr algn="ctr"/>
+            <a:endParaRPr lang="ko-KR" altLang="en-US"/>
+          </a:p>
+        </p:txBody>
+      </p:sp>
     </p:spTree>
     <p:extLst>
       <p:ext uri="{BB962C8B-B14F-4D97-AF65-F5344CB8AC3E}">
-        <p14:creationId xmlns:p14="http://schemas.microsoft.com/office/powerpoint/2010/main" val="3688909295"/>
+        <p14:creationId xmlns:p14="http://schemas.microsoft.com/office/powerpoint/2010/main" val="4267317297"/>
       </p:ext>
     </p:extLst>
   </p:cSld>
